--- a/Présentation.pptx
+++ b/Présentation.pptx
@@ -6176,10 +6176,9 @@
           </a:p>
           <a:p>
             <a:r>
-              <a:rPr lang="fr-FR"/>
-              <a:t>V/. </a:t>
-            </a:r>
-            <a:endParaRPr lang="fr-FR" dirty="0"/>
+              <a:rPr lang="fr-FR" dirty="0"/>
+              <a:t>V/. Conclusion</a:t>
+            </a:r>
           </a:p>
         </p:txBody>
       </p:sp>

--- a/Présentation.pptx
+++ b/Présentation.pptx
@@ -7,6 +7,27 @@
   <p:sldIdLst>
     <p:sldId id="256" r:id="rId2"/>
     <p:sldId id="257" r:id="rId3"/>
+    <p:sldId id="261" r:id="rId4"/>
+    <p:sldId id="264" r:id="rId5"/>
+    <p:sldId id="262" r:id="rId6"/>
+    <p:sldId id="265" r:id="rId7"/>
+    <p:sldId id="263" r:id="rId8"/>
+    <p:sldId id="258" r:id="rId9"/>
+    <p:sldId id="260" r:id="rId10"/>
+    <p:sldId id="267" r:id="rId11"/>
+    <p:sldId id="268" r:id="rId12"/>
+    <p:sldId id="266" r:id="rId13"/>
+    <p:sldId id="259" r:id="rId14"/>
+    <p:sldId id="269" r:id="rId15"/>
+    <p:sldId id="270" r:id="rId16"/>
+    <p:sldId id="271" r:id="rId17"/>
+    <p:sldId id="272" r:id="rId18"/>
+    <p:sldId id="273" r:id="rId19"/>
+    <p:sldId id="274" r:id="rId20"/>
+    <p:sldId id="275" r:id="rId21"/>
+    <p:sldId id="276" r:id="rId22"/>
+    <p:sldId id="277" r:id="rId23"/>
+    <p:sldId id="278" r:id="rId24"/>
   </p:sldIdLst>
   <p:sldSz cx="12192000" cy="6858000"/>
   <p:notesSz cx="6858000" cy="9144000"/>
@@ -6085,6 +6106,1769 @@
 </p:sld>
 </file>
 
+<file path=ppt/slides/slide10.xml><?xml version="1.0" encoding="utf-8"?>
+<p:sld xmlns:a="http://schemas.openxmlformats.org/drawingml/2006/main" xmlns:r="http://schemas.openxmlformats.org/officeDocument/2006/relationships" xmlns:p="http://schemas.openxmlformats.org/presentationml/2006/main">
+  <p:cSld>
+    <p:spTree>
+      <p:nvGrpSpPr>
+        <p:cNvPr id="1" name=""/>
+        <p:cNvGrpSpPr/>
+        <p:nvPr/>
+      </p:nvGrpSpPr>
+      <p:grpSpPr>
+        <a:xfrm>
+          <a:off x="0" y="0"/>
+          <a:ext cx="0" cy="0"/>
+          <a:chOff x="0" y="0"/>
+          <a:chExt cx="0" cy="0"/>
+        </a:xfrm>
+      </p:grpSpPr>
+      <p:sp>
+        <p:nvSpPr>
+          <p:cNvPr id="2" name="Titre 1">
+            <a:extLst>
+              <a:ext uri="{FF2B5EF4-FFF2-40B4-BE49-F238E27FC236}">
+                <a16:creationId xmlns:a16="http://schemas.microsoft.com/office/drawing/2014/main" id="{A72655FA-832F-41C3-9FF7-63584CCCE759}"/>
+              </a:ext>
+            </a:extLst>
+          </p:cNvPr>
+          <p:cNvSpPr>
+            <a:spLocks noGrp="1"/>
+          </p:cNvSpPr>
+          <p:nvPr>
+            <p:ph type="title"/>
+          </p:nvPr>
+        </p:nvSpPr>
+        <p:spPr/>
+        <p:txBody>
+          <a:bodyPr/>
+          <a:lstStyle/>
+          <a:p>
+            <a:r>
+              <a:rPr lang="fr-FR" dirty="0"/>
+              <a:t>Insertion des trames pilotes</a:t>
+            </a:r>
+          </a:p>
+        </p:txBody>
+      </p:sp>
+      <p:sp>
+        <p:nvSpPr>
+          <p:cNvPr id="3" name="Espace réservé du contenu 2">
+            <a:extLst>
+              <a:ext uri="{FF2B5EF4-FFF2-40B4-BE49-F238E27FC236}">
+                <a16:creationId xmlns:a16="http://schemas.microsoft.com/office/drawing/2014/main" id="{A5669EFC-E590-4E4A-B256-B4897C30BAFC}"/>
+              </a:ext>
+            </a:extLst>
+          </p:cNvPr>
+          <p:cNvSpPr>
+            <a:spLocks noGrp="1"/>
+          </p:cNvSpPr>
+          <p:nvPr>
+            <p:ph idx="1"/>
+          </p:nvPr>
+        </p:nvSpPr>
+        <p:spPr/>
+        <p:txBody>
+          <a:bodyPr/>
+          <a:lstStyle/>
+          <a:p>
+            <a:r>
+              <a:rPr lang="fr-FR" dirty="0"/>
+              <a:t>1 trame pilote toutes les 10 trames de données.</a:t>
+            </a:r>
+          </a:p>
+          <a:p>
+            <a:endParaRPr lang="fr-FR" dirty="0"/>
+          </a:p>
+        </p:txBody>
+      </p:sp>
+      <p:pic>
+        <p:nvPicPr>
+          <p:cNvPr id="4" name="Image 3">
+            <a:extLst>
+              <a:ext uri="{FF2B5EF4-FFF2-40B4-BE49-F238E27FC236}">
+                <a16:creationId xmlns:a16="http://schemas.microsoft.com/office/drawing/2014/main" id="{0EF02619-51E0-4734-8BA0-51996EAC9EEB}"/>
+              </a:ext>
+            </a:extLst>
+          </p:cNvPr>
+          <p:cNvPicPr>
+            <a:picLocks noChangeAspect="1"/>
+          </p:cNvPicPr>
+          <p:nvPr/>
+        </p:nvPicPr>
+        <p:blipFill>
+          <a:blip r:embed="rId2"/>
+          <a:stretch>
+            <a:fillRect/>
+          </a:stretch>
+        </p:blipFill>
+        <p:spPr>
+          <a:xfrm>
+            <a:off x="1253217" y="2874307"/>
+            <a:ext cx="8449795" cy="1958949"/>
+          </a:xfrm>
+          <a:prstGeom prst="rect">
+            <a:avLst/>
+          </a:prstGeom>
+          <a:ln w="38100" cap="sq">
+            <a:solidFill>
+              <a:srgbClr val="000000"/>
+            </a:solidFill>
+            <a:prstDash val="solid"/>
+            <a:miter lim="800000"/>
+          </a:ln>
+          <a:effectLst>
+            <a:outerShdw blurRad="50800" dist="38100" dir="2700000" algn="tl" rotWithShape="0">
+              <a:srgbClr val="000000">
+                <a:alpha val="43000"/>
+              </a:srgbClr>
+            </a:outerShdw>
+          </a:effectLst>
+        </p:spPr>
+      </p:pic>
+    </p:spTree>
+    <p:extLst>
+      <p:ext uri="{BB962C8B-B14F-4D97-AF65-F5344CB8AC3E}">
+        <p14:creationId xmlns:p14="http://schemas.microsoft.com/office/powerpoint/2010/main" val="945529949"/>
+      </p:ext>
+    </p:extLst>
+  </p:cSld>
+  <p:clrMapOvr>
+    <a:masterClrMapping/>
+  </p:clrMapOvr>
+</p:sld>
+</file>
+
+<file path=ppt/slides/slide11.xml><?xml version="1.0" encoding="utf-8"?>
+<p:sld xmlns:a="http://schemas.openxmlformats.org/drawingml/2006/main" xmlns:r="http://schemas.openxmlformats.org/officeDocument/2006/relationships" xmlns:p="http://schemas.openxmlformats.org/presentationml/2006/main">
+  <p:cSld>
+    <p:spTree>
+      <p:nvGrpSpPr>
+        <p:cNvPr id="1" name=""/>
+        <p:cNvGrpSpPr/>
+        <p:nvPr/>
+      </p:nvGrpSpPr>
+      <p:grpSpPr>
+        <a:xfrm>
+          <a:off x="0" y="0"/>
+          <a:ext cx="0" cy="0"/>
+          <a:chOff x="0" y="0"/>
+          <a:chExt cx="0" cy="0"/>
+        </a:xfrm>
+      </p:grpSpPr>
+      <p:sp>
+        <p:nvSpPr>
+          <p:cNvPr id="2" name="Titre 1">
+            <a:extLst>
+              <a:ext uri="{FF2B5EF4-FFF2-40B4-BE49-F238E27FC236}">
+                <a16:creationId xmlns:a16="http://schemas.microsoft.com/office/drawing/2014/main" id="{A7AB3FA3-3136-4A62-89F7-95FB3378480B}"/>
+              </a:ext>
+            </a:extLst>
+          </p:cNvPr>
+          <p:cNvSpPr>
+            <a:spLocks noGrp="1"/>
+          </p:cNvSpPr>
+          <p:nvPr>
+            <p:ph type="title"/>
+          </p:nvPr>
+        </p:nvSpPr>
+        <p:spPr/>
+        <p:txBody>
+          <a:bodyPr/>
+          <a:lstStyle/>
+          <a:p>
+            <a:r>
+              <a:rPr lang="fr-FR" dirty="0"/>
+              <a:t>Insertion des préfixes cycliques</a:t>
+            </a:r>
+          </a:p>
+        </p:txBody>
+      </p:sp>
+      <p:sp>
+        <p:nvSpPr>
+          <p:cNvPr id="3" name="Espace réservé du contenu 2">
+            <a:extLst>
+              <a:ext uri="{FF2B5EF4-FFF2-40B4-BE49-F238E27FC236}">
+                <a16:creationId xmlns:a16="http://schemas.microsoft.com/office/drawing/2014/main" id="{C0890ADD-8A44-420C-89C1-29FD40A0AC60}"/>
+              </a:ext>
+            </a:extLst>
+          </p:cNvPr>
+          <p:cNvSpPr>
+            <a:spLocks noGrp="1"/>
+          </p:cNvSpPr>
+          <p:nvPr>
+            <p:ph idx="1"/>
+          </p:nvPr>
+        </p:nvSpPr>
+        <p:spPr/>
+        <p:txBody>
+          <a:bodyPr/>
+          <a:lstStyle/>
+          <a:p>
+            <a:r>
+              <a:rPr lang="fr-FR" dirty="0"/>
+              <a:t>Stockage dans un buffer pour le </a:t>
+            </a:r>
+            <a:r>
+              <a:rPr lang="fr-FR" dirty="0" err="1"/>
+              <a:t>debug</a:t>
+            </a:r>
+            <a:r>
+              <a:rPr lang="fr-FR" dirty="0"/>
+              <a:t>.</a:t>
+            </a:r>
+          </a:p>
+        </p:txBody>
+      </p:sp>
+      <p:pic>
+        <p:nvPicPr>
+          <p:cNvPr id="4" name="Image 3">
+            <a:extLst>
+              <a:ext uri="{FF2B5EF4-FFF2-40B4-BE49-F238E27FC236}">
+                <a16:creationId xmlns:a16="http://schemas.microsoft.com/office/drawing/2014/main" id="{953B386C-A5DB-4B70-AAF6-1B7B49FC017B}"/>
+              </a:ext>
+            </a:extLst>
+          </p:cNvPr>
+          <p:cNvPicPr>
+            <a:picLocks noChangeAspect="1"/>
+          </p:cNvPicPr>
+          <p:nvPr/>
+        </p:nvPicPr>
+        <p:blipFill>
+          <a:blip r:embed="rId2"/>
+          <a:stretch>
+            <a:fillRect/>
+          </a:stretch>
+        </p:blipFill>
+        <p:spPr>
+          <a:xfrm>
+            <a:off x="591513" y="2963635"/>
+            <a:ext cx="11008974" cy="1608364"/>
+          </a:xfrm>
+          <a:prstGeom prst="rect">
+            <a:avLst/>
+          </a:prstGeom>
+          <a:ln w="38100" cap="sq">
+            <a:solidFill>
+              <a:srgbClr val="000000"/>
+            </a:solidFill>
+            <a:prstDash val="solid"/>
+            <a:miter lim="800000"/>
+          </a:ln>
+          <a:effectLst>
+            <a:outerShdw blurRad="50800" dist="38100" dir="2700000" algn="tl" rotWithShape="0">
+              <a:srgbClr val="000000">
+                <a:alpha val="43000"/>
+              </a:srgbClr>
+            </a:outerShdw>
+          </a:effectLst>
+        </p:spPr>
+      </p:pic>
+    </p:spTree>
+    <p:extLst>
+      <p:ext uri="{BB962C8B-B14F-4D97-AF65-F5344CB8AC3E}">
+        <p14:creationId xmlns:p14="http://schemas.microsoft.com/office/powerpoint/2010/main" val="1515949889"/>
+      </p:ext>
+    </p:extLst>
+  </p:cSld>
+  <p:clrMapOvr>
+    <a:masterClrMapping/>
+  </p:clrMapOvr>
+</p:sld>
+</file>
+
+<file path=ppt/slides/slide12.xml><?xml version="1.0" encoding="utf-8"?>
+<p:sld xmlns:a="http://schemas.openxmlformats.org/drawingml/2006/main" xmlns:r="http://schemas.openxmlformats.org/officeDocument/2006/relationships" xmlns:p="http://schemas.openxmlformats.org/presentationml/2006/main">
+  <p:cSld>
+    <p:spTree>
+      <p:nvGrpSpPr>
+        <p:cNvPr id="1" name=""/>
+        <p:cNvGrpSpPr/>
+        <p:nvPr/>
+      </p:nvGrpSpPr>
+      <p:grpSpPr>
+        <a:xfrm>
+          <a:off x="0" y="0"/>
+          <a:ext cx="0" cy="0"/>
+          <a:chOff x="0" y="0"/>
+          <a:chExt cx="0" cy="0"/>
+        </a:xfrm>
+      </p:grpSpPr>
+      <p:sp>
+        <p:nvSpPr>
+          <p:cNvPr id="2" name="Titre 1">
+            <a:extLst>
+              <a:ext uri="{FF2B5EF4-FFF2-40B4-BE49-F238E27FC236}">
+                <a16:creationId xmlns:a16="http://schemas.microsoft.com/office/drawing/2014/main" id="{A66A2585-63BF-4F43-BF72-96EA1F16693B}"/>
+              </a:ext>
+            </a:extLst>
+          </p:cNvPr>
+          <p:cNvSpPr>
+            <a:spLocks noGrp="1"/>
+          </p:cNvSpPr>
+          <p:nvPr>
+            <p:ph type="title"/>
+          </p:nvPr>
+        </p:nvSpPr>
+        <p:spPr/>
+        <p:txBody>
+          <a:bodyPr/>
+          <a:lstStyle/>
+          <a:p>
+            <a:r>
+              <a:rPr lang="fr-FR" i="1" dirty="0"/>
+              <a:t>IFFT</a:t>
+            </a:r>
+          </a:p>
+        </p:txBody>
+      </p:sp>
+      <p:sp>
+        <p:nvSpPr>
+          <p:cNvPr id="3" name="Espace réservé du contenu 2">
+            <a:extLst>
+              <a:ext uri="{FF2B5EF4-FFF2-40B4-BE49-F238E27FC236}">
+                <a16:creationId xmlns:a16="http://schemas.microsoft.com/office/drawing/2014/main" id="{25B60EDB-971A-4FB0-BB81-78CFF8010296}"/>
+              </a:ext>
+            </a:extLst>
+          </p:cNvPr>
+          <p:cNvSpPr>
+            <a:spLocks noGrp="1"/>
+          </p:cNvSpPr>
+          <p:nvPr>
+            <p:ph idx="1"/>
+          </p:nvPr>
+        </p:nvSpPr>
+        <p:spPr>
+          <a:xfrm>
+            <a:off x="646111" y="1853248"/>
+            <a:ext cx="8946541" cy="4195481"/>
+          </a:xfrm>
+        </p:spPr>
+        <p:txBody>
+          <a:bodyPr/>
+          <a:lstStyle/>
+          <a:p>
+            <a:r>
+              <a:rPr lang="fr-FR" dirty="0"/>
+              <a:t>Efficace sur Matlab – Fonction proposée par le logiciel.</a:t>
+            </a:r>
+          </a:p>
+          <a:p>
+            <a:r>
+              <a:rPr lang="fr-FR" dirty="0"/>
+              <a:t>Mise en parallèle des sous vecteurs.</a:t>
+            </a:r>
+          </a:p>
+        </p:txBody>
+      </p:sp>
+      <p:pic>
+        <p:nvPicPr>
+          <p:cNvPr id="6" name="Image 5">
+            <a:extLst>
+              <a:ext uri="{FF2B5EF4-FFF2-40B4-BE49-F238E27FC236}">
+                <a16:creationId xmlns:a16="http://schemas.microsoft.com/office/drawing/2014/main" id="{F25526A7-520E-4184-A796-8A8832244501}"/>
+              </a:ext>
+            </a:extLst>
+          </p:cNvPr>
+          <p:cNvPicPr>
+            <a:picLocks noChangeAspect="1"/>
+          </p:cNvPicPr>
+          <p:nvPr/>
+        </p:nvPicPr>
+        <p:blipFill>
+          <a:blip r:embed="rId2"/>
+          <a:stretch>
+            <a:fillRect/>
+          </a:stretch>
+        </p:blipFill>
+        <p:spPr>
+          <a:xfrm>
+            <a:off x="748166" y="2891997"/>
+            <a:ext cx="9943422" cy="1258661"/>
+          </a:xfrm>
+          <a:prstGeom prst="rect">
+            <a:avLst/>
+          </a:prstGeom>
+          <a:ln w="38100" cap="sq">
+            <a:solidFill>
+              <a:srgbClr val="000000"/>
+            </a:solidFill>
+            <a:prstDash val="solid"/>
+            <a:miter lim="800000"/>
+          </a:ln>
+          <a:effectLst>
+            <a:outerShdw blurRad="50800" dist="38100" dir="2700000" algn="tl" rotWithShape="0">
+              <a:srgbClr val="000000">
+                <a:alpha val="43000"/>
+              </a:srgbClr>
+            </a:outerShdw>
+          </a:effectLst>
+        </p:spPr>
+      </p:pic>
+    </p:spTree>
+    <p:extLst>
+      <p:ext uri="{BB962C8B-B14F-4D97-AF65-F5344CB8AC3E}">
+        <p14:creationId xmlns:p14="http://schemas.microsoft.com/office/powerpoint/2010/main" val="1210243798"/>
+      </p:ext>
+    </p:extLst>
+  </p:cSld>
+  <p:clrMapOvr>
+    <a:masterClrMapping/>
+  </p:clrMapOvr>
+</p:sld>
+</file>
+
+<file path=ppt/slides/slide13.xml><?xml version="1.0" encoding="utf-8"?>
+<p:sld xmlns:a="http://schemas.openxmlformats.org/drawingml/2006/main" xmlns:r="http://schemas.openxmlformats.org/officeDocument/2006/relationships" xmlns:p="http://schemas.openxmlformats.org/presentationml/2006/main">
+  <p:cSld>
+    <p:spTree>
+      <p:nvGrpSpPr>
+        <p:cNvPr id="1" name=""/>
+        <p:cNvGrpSpPr/>
+        <p:nvPr/>
+      </p:nvGrpSpPr>
+      <p:grpSpPr>
+        <a:xfrm>
+          <a:off x="0" y="0"/>
+          <a:ext cx="0" cy="0"/>
+          <a:chOff x="0" y="0"/>
+          <a:chExt cx="0" cy="0"/>
+        </a:xfrm>
+      </p:grpSpPr>
+      <p:graphicFrame>
+        <p:nvGraphicFramePr>
+          <p:cNvPr id="99" name="Objet 98">
+            <a:extLst>
+              <a:ext uri="{FF2B5EF4-FFF2-40B4-BE49-F238E27FC236}">
+                <a16:creationId xmlns:a16="http://schemas.microsoft.com/office/drawing/2014/main" id="{E360B54D-9740-42C3-B5F5-0192AAA84C87}"/>
+              </a:ext>
+            </a:extLst>
+          </p:cNvPr>
+          <p:cNvGraphicFramePr>
+            <a:graphicFrameLocks noChangeAspect="1"/>
+          </p:cNvGraphicFramePr>
+          <p:nvPr>
+            <p:extLst>
+              <p:ext uri="{D42A27DB-BD31-4B8C-83A1-F6EECF244321}">
+                <p14:modId xmlns:p14="http://schemas.microsoft.com/office/powerpoint/2010/main" val="1481192605"/>
+              </p:ext>
+            </p:extLst>
+          </p:nvPr>
+        </p:nvGraphicFramePr>
+        <p:xfrm>
+          <a:off x="1199305" y="185486"/>
+          <a:ext cx="8649370" cy="6487028"/>
+        </p:xfrm>
+        <a:graphic>
+          <a:graphicData uri="http://schemas.openxmlformats.org/presentationml/2006/ole">
+            <mc:AlternateContent xmlns:mc="http://schemas.openxmlformats.org/markup-compatibility/2006">
+              <mc:Choice xmlns:v="urn:schemas-microsoft-com:vml" Requires="v">
+                <p:oleObj spid="_x0000_s2053" name="Acrobat Document" r:id="rId3" imgW="6858000" imgH="5143500" progId="AcroExch.Document.DC">
+                  <p:embed/>
+                </p:oleObj>
+              </mc:Choice>
+              <mc:Fallback>
+                <p:oleObj name="Acrobat Document" r:id="rId3" imgW="6858000" imgH="5143500" progId="AcroExch.Document.DC">
+                  <p:embed/>
+                  <p:pic>
+                    <p:nvPicPr>
+                      <p:cNvPr id="0" name=""/>
+                      <p:cNvPicPr/>
+                      <p:nvPr/>
+                    </p:nvPicPr>
+                    <p:blipFill>
+                      <a:blip r:embed="rId4"/>
+                      <a:stretch>
+                        <a:fillRect/>
+                      </a:stretch>
+                    </p:blipFill>
+                    <p:spPr>
+                      <a:xfrm>
+                        <a:off x="1199305" y="185486"/>
+                        <a:ext cx="8649370" cy="6487028"/>
+                      </a:xfrm>
+                      <a:prstGeom prst="rect">
+                        <a:avLst/>
+                      </a:prstGeom>
+                    </p:spPr>
+                  </p:pic>
+                </p:oleObj>
+              </mc:Fallback>
+            </mc:AlternateContent>
+          </a:graphicData>
+        </a:graphic>
+      </p:graphicFrame>
+    </p:spTree>
+    <p:extLst>
+      <p:ext uri="{BB962C8B-B14F-4D97-AF65-F5344CB8AC3E}">
+        <p14:creationId xmlns:p14="http://schemas.microsoft.com/office/powerpoint/2010/main" val="865274605"/>
+      </p:ext>
+    </p:extLst>
+  </p:cSld>
+  <p:clrMapOvr>
+    <a:masterClrMapping/>
+  </p:clrMapOvr>
+</p:sld>
+</file>
+
+<file path=ppt/slides/slide14.xml><?xml version="1.0" encoding="utf-8"?>
+<p:sld xmlns:a="http://schemas.openxmlformats.org/drawingml/2006/main" xmlns:r="http://schemas.openxmlformats.org/officeDocument/2006/relationships" xmlns:p="http://schemas.openxmlformats.org/presentationml/2006/main">
+  <p:cSld>
+    <p:spTree>
+      <p:nvGrpSpPr>
+        <p:cNvPr id="1" name=""/>
+        <p:cNvGrpSpPr/>
+        <p:nvPr/>
+      </p:nvGrpSpPr>
+      <p:grpSpPr>
+        <a:xfrm>
+          <a:off x="0" y="0"/>
+          <a:ext cx="0" cy="0"/>
+          <a:chOff x="0" y="0"/>
+          <a:chExt cx="0" cy="0"/>
+        </a:xfrm>
+      </p:grpSpPr>
+      <p:sp>
+        <p:nvSpPr>
+          <p:cNvPr id="2" name="Titre 1">
+            <a:extLst>
+              <a:ext uri="{FF2B5EF4-FFF2-40B4-BE49-F238E27FC236}">
+                <a16:creationId xmlns:a16="http://schemas.microsoft.com/office/drawing/2014/main" id="{94271514-6FB7-4F6E-BC9A-4C09F486D615}"/>
+              </a:ext>
+            </a:extLst>
+          </p:cNvPr>
+          <p:cNvSpPr>
+            <a:spLocks noGrp="1"/>
+          </p:cNvSpPr>
+          <p:nvPr>
+            <p:ph type="title"/>
+          </p:nvPr>
+        </p:nvSpPr>
+        <p:spPr/>
+        <p:txBody>
+          <a:bodyPr/>
+          <a:lstStyle/>
+          <a:p>
+            <a:r>
+              <a:rPr lang="fr-FR" dirty="0"/>
+              <a:t>Détection préfixes cycliques</a:t>
+            </a:r>
+          </a:p>
+        </p:txBody>
+      </p:sp>
+      <mc:AlternateContent xmlns:mc="http://schemas.openxmlformats.org/markup-compatibility/2006">
+        <mc:Choice xmlns:a14="http://schemas.microsoft.com/office/drawing/2010/main" Requires="a14">
+          <p:sp>
+            <p:nvSpPr>
+              <p:cNvPr id="3" name="Espace réservé du contenu 2">
+                <a:extLst>
+                  <a:ext uri="{FF2B5EF4-FFF2-40B4-BE49-F238E27FC236}">
+                    <a16:creationId xmlns:a16="http://schemas.microsoft.com/office/drawing/2014/main" id="{958AD7B8-06D0-4A52-9DE5-A5951FFD4A90}"/>
+                  </a:ext>
+                </a:extLst>
+              </p:cNvPr>
+              <p:cNvSpPr>
+                <a:spLocks noGrp="1"/>
+              </p:cNvSpPr>
+              <p:nvPr>
+                <p:ph idx="1"/>
+              </p:nvPr>
+            </p:nvSpPr>
+            <p:spPr/>
+            <p:txBody>
+              <a:bodyPr/>
+              <a:lstStyle/>
+              <a:p>
+                <a14:m>
+                  <m:oMath xmlns:m="http://schemas.openxmlformats.org/officeDocument/2006/math">
+                    <m:d>
+                      <m:dPr>
+                        <m:begChr m:val="|"/>
+                        <m:endChr m:val="|"/>
+                        <m:ctrlPr>
+                          <a:rPr lang="fr-FR" sz="3200" i="1"/>
+                        </m:ctrlPr>
+                      </m:dPr>
+                      <m:e>
+                        <m:r>
+                          <a:rPr lang="fr-FR" sz="3200" i="1"/>
+                          <m:t>&lt;</m:t>
+                        </m:r>
+                        <m:r>
+                          <a:rPr lang="fr-FR" sz="3200" i="1"/>
+                          <m:t>𝑥</m:t>
+                        </m:r>
+                        <m:r>
+                          <a:rPr lang="fr-FR" sz="3200" i="1"/>
+                          <m:t>, </m:t>
+                        </m:r>
+                        <m:r>
+                          <a:rPr lang="fr-FR" sz="3200" i="1"/>
+                          <m:t>𝑦</m:t>
+                        </m:r>
+                        <m:r>
+                          <a:rPr lang="fr-FR" sz="3200" i="1"/>
+                          <m:t>&gt;</m:t>
+                        </m:r>
+                      </m:e>
+                    </m:d>
+                    <m:r>
+                      <a:rPr lang="fr-FR" sz="3200" i="1"/>
+                      <m:t>≤</m:t>
+                    </m:r>
+                    <m:d>
+                      <m:dPr>
+                        <m:begChr m:val="|"/>
+                        <m:endChr m:val="|"/>
+                        <m:ctrlPr>
+                          <a:rPr lang="fr-FR" sz="3200" i="1"/>
+                        </m:ctrlPr>
+                      </m:dPr>
+                      <m:e>
+                        <m:d>
+                          <m:dPr>
+                            <m:begChr m:val="|"/>
+                            <m:endChr m:val="|"/>
+                            <m:ctrlPr>
+                              <a:rPr lang="fr-FR" sz="3200" i="1"/>
+                            </m:ctrlPr>
+                          </m:dPr>
+                          <m:e>
+                            <m:r>
+                              <a:rPr lang="fr-FR" sz="3200" i="1"/>
+                              <m:t>𝑥</m:t>
+                            </m:r>
+                          </m:e>
+                        </m:d>
+                      </m:e>
+                    </m:d>
+                    <m:r>
+                      <a:rPr lang="fr-FR" sz="3200" i="1"/>
+                      <m:t>.</m:t>
+                    </m:r>
+                    <m:d>
+                      <m:dPr>
+                        <m:begChr m:val="|"/>
+                        <m:endChr m:val="|"/>
+                        <m:ctrlPr>
+                          <a:rPr lang="fr-FR" sz="3200" i="1"/>
+                        </m:ctrlPr>
+                      </m:dPr>
+                      <m:e>
+                        <m:d>
+                          <m:dPr>
+                            <m:begChr m:val="|"/>
+                            <m:endChr m:val="|"/>
+                            <m:ctrlPr>
+                              <a:rPr lang="fr-FR" sz="3200" i="1"/>
+                            </m:ctrlPr>
+                          </m:dPr>
+                          <m:e>
+                            <m:r>
+                              <a:rPr lang="fr-FR" sz="3200" i="1"/>
+                              <m:t>𝑦</m:t>
+                            </m:r>
+                          </m:e>
+                        </m:d>
+                      </m:e>
+                    </m:d>
+                  </m:oMath>
+                </a14:m>
+                <a:r>
+                  <a:rPr lang="fr-FR" sz="3200" dirty="0"/>
+                  <a:t>  </a:t>
+                </a:r>
+                <a:r>
+                  <a:rPr lang="fr-FR" sz="3200" dirty="0">
+                    <a:sym typeface="Wingdings" panose="05000000000000000000" pitchFamily="2" charset="2"/>
+                  </a:rPr>
+                  <a:t></a:t>
+                </a:r>
+                <a:r>
+                  <a:rPr lang="fr-FR" sz="3200" dirty="0"/>
+                  <a:t>  </a:t>
+                </a:r>
+                <a14:m>
+                  <m:oMath xmlns:m="http://schemas.openxmlformats.org/officeDocument/2006/math">
+                    <m:f>
+                      <m:fPr>
+                        <m:ctrlPr>
+                          <a:rPr lang="fr-FR" sz="3200" i="1"/>
+                        </m:ctrlPr>
+                      </m:fPr>
+                      <m:num>
+                        <m:d>
+                          <m:dPr>
+                            <m:begChr m:val="|"/>
+                            <m:endChr m:val="|"/>
+                            <m:ctrlPr>
+                              <a:rPr lang="fr-FR" sz="3200" i="1"/>
+                            </m:ctrlPr>
+                          </m:dPr>
+                          <m:e>
+                            <m:r>
+                              <a:rPr lang="fr-FR" sz="3200" i="1"/>
+                              <m:t>&lt;</m:t>
+                            </m:r>
+                            <m:r>
+                              <a:rPr lang="fr-FR" sz="3200" i="1"/>
+                              <m:t>𝑥</m:t>
+                            </m:r>
+                            <m:r>
+                              <a:rPr lang="fr-FR" sz="3200" i="1"/>
+                              <m:t>, </m:t>
+                            </m:r>
+                            <m:r>
+                              <a:rPr lang="fr-FR" sz="3200" i="1"/>
+                              <m:t>𝑦</m:t>
+                            </m:r>
+                            <m:r>
+                              <a:rPr lang="fr-FR" sz="3200" i="1"/>
+                              <m:t>&gt;</m:t>
+                            </m:r>
+                          </m:e>
+                        </m:d>
+                      </m:num>
+                      <m:den>
+                        <m:d>
+                          <m:dPr>
+                            <m:begChr m:val="|"/>
+                            <m:endChr m:val="|"/>
+                            <m:ctrlPr>
+                              <a:rPr lang="fr-FR" sz="3200" i="1"/>
+                            </m:ctrlPr>
+                          </m:dPr>
+                          <m:e>
+                            <m:d>
+                              <m:dPr>
+                                <m:begChr m:val="|"/>
+                                <m:endChr m:val="|"/>
+                                <m:ctrlPr>
+                                  <a:rPr lang="fr-FR" sz="3200" i="1"/>
+                                </m:ctrlPr>
+                              </m:dPr>
+                              <m:e>
+                                <m:r>
+                                  <a:rPr lang="fr-FR" sz="3200" i="1"/>
+                                  <m:t>𝑥</m:t>
+                                </m:r>
+                              </m:e>
+                            </m:d>
+                          </m:e>
+                        </m:d>
+                        <m:r>
+                          <a:rPr lang="fr-FR" sz="3200" i="1"/>
+                          <m:t>.</m:t>
+                        </m:r>
+                        <m:d>
+                          <m:dPr>
+                            <m:begChr m:val="|"/>
+                            <m:endChr m:val="|"/>
+                            <m:ctrlPr>
+                              <a:rPr lang="fr-FR" sz="3200" i="1"/>
+                            </m:ctrlPr>
+                          </m:dPr>
+                          <m:e>
+                            <m:d>
+                              <m:dPr>
+                                <m:begChr m:val="|"/>
+                                <m:endChr m:val="|"/>
+                                <m:ctrlPr>
+                                  <a:rPr lang="fr-FR" sz="3200" i="1"/>
+                                </m:ctrlPr>
+                              </m:dPr>
+                              <m:e>
+                                <m:r>
+                                  <a:rPr lang="fr-FR" sz="3200" i="1"/>
+                                  <m:t>𝑦</m:t>
+                                </m:r>
+                              </m:e>
+                            </m:d>
+                          </m:e>
+                        </m:d>
+                      </m:den>
+                    </m:f>
+                    <m:r>
+                      <a:rPr lang="fr-FR" sz="3200" i="1"/>
+                      <m:t>≤1</m:t>
+                    </m:r>
+                  </m:oMath>
+                </a14:m>
+                <a:endParaRPr lang="fr-FR" sz="3200" dirty="0"/>
+              </a:p>
+              <a:p>
+                <a14:m>
+                  <m:oMath xmlns:m="http://schemas.openxmlformats.org/officeDocument/2006/math">
+                    <m:r>
+                      <a:rPr lang="fr-FR" sz="3200" i="1"/>
+                      <m:t>𝑐</m:t>
+                    </m:r>
+                    <m:r>
+                      <a:rPr lang="fr-FR" sz="3200" i="1"/>
+                      <m:t>=</m:t>
+                    </m:r>
+                    <m:f>
+                      <m:fPr>
+                        <m:ctrlPr>
+                          <a:rPr lang="fr-FR" sz="3200" i="1"/>
+                        </m:ctrlPr>
+                      </m:fPr>
+                      <m:num>
+                        <m:r>
+                          <a:rPr lang="fr-FR" sz="3200" i="1"/>
+                          <m:t>|&lt;</m:t>
+                        </m:r>
+                        <m:r>
+                          <a:rPr lang="fr-FR" sz="3200" i="1"/>
+                          <m:t>𝑓</m:t>
+                        </m:r>
+                        <m:r>
+                          <a:rPr lang="fr-FR" sz="3200" i="1"/>
+                          <m:t>1, </m:t>
+                        </m:r>
+                        <m:r>
+                          <a:rPr lang="fr-FR" sz="3200" i="1"/>
+                          <m:t>𝑓</m:t>
+                        </m:r>
+                        <m:r>
+                          <a:rPr lang="fr-FR" sz="3200" i="1"/>
+                          <m:t>2&gt;|</m:t>
+                        </m:r>
+                      </m:num>
+                      <m:den>
+                        <m:d>
+                          <m:dPr>
+                            <m:begChr m:val="|"/>
+                            <m:endChr m:val="|"/>
+                            <m:ctrlPr>
+                              <a:rPr lang="fr-FR" sz="3200" i="1"/>
+                            </m:ctrlPr>
+                          </m:dPr>
+                          <m:e>
+                            <m:d>
+                              <m:dPr>
+                                <m:begChr m:val="|"/>
+                                <m:endChr m:val="|"/>
+                                <m:ctrlPr>
+                                  <a:rPr lang="fr-FR" sz="3200" i="1"/>
+                                </m:ctrlPr>
+                              </m:dPr>
+                              <m:e>
+                                <m:r>
+                                  <a:rPr lang="fr-FR" sz="3200" i="1"/>
+                                  <m:t>𝑓</m:t>
+                                </m:r>
+                                <m:r>
+                                  <a:rPr lang="fr-FR" sz="3200" i="1"/>
+                                  <m:t>1</m:t>
+                                </m:r>
+                              </m:e>
+                            </m:d>
+                          </m:e>
+                        </m:d>
+                        <m:r>
+                          <a:rPr lang="fr-FR" sz="3200" i="1"/>
+                          <m:t>.</m:t>
+                        </m:r>
+                        <m:d>
+                          <m:dPr>
+                            <m:begChr m:val="|"/>
+                            <m:endChr m:val="|"/>
+                            <m:ctrlPr>
+                              <a:rPr lang="fr-FR" sz="3200" i="1"/>
+                            </m:ctrlPr>
+                          </m:dPr>
+                          <m:e>
+                            <m:d>
+                              <m:dPr>
+                                <m:begChr m:val="|"/>
+                                <m:endChr m:val="|"/>
+                                <m:ctrlPr>
+                                  <a:rPr lang="fr-FR" sz="3200" i="1"/>
+                                </m:ctrlPr>
+                              </m:dPr>
+                              <m:e>
+                                <m:r>
+                                  <a:rPr lang="fr-FR" sz="3200" i="1"/>
+                                  <m:t>𝑓</m:t>
+                                </m:r>
+                                <m:r>
+                                  <a:rPr lang="fr-FR" sz="3200" i="1"/>
+                                  <m:t>2</m:t>
+                                </m:r>
+                              </m:e>
+                            </m:d>
+                          </m:e>
+                        </m:d>
+                      </m:den>
+                    </m:f>
+                  </m:oMath>
+                </a14:m>
+                <a:endParaRPr lang="fr-FR" sz="3200" dirty="0"/>
+              </a:p>
+              <a:p>
+                <a:endParaRPr lang="fr-FR" dirty="0"/>
+              </a:p>
+            </p:txBody>
+          </p:sp>
+        </mc:Choice>
+        <mc:Fallback>
+          <p:sp>
+            <p:nvSpPr>
+              <p:cNvPr id="3" name="Espace réservé du contenu 2">
+                <a:extLst>
+                  <a:ext uri="{FF2B5EF4-FFF2-40B4-BE49-F238E27FC236}">
+                    <a16:creationId xmlns:a16="http://schemas.microsoft.com/office/drawing/2014/main" id="{958AD7B8-06D0-4A52-9DE5-A5951FFD4A90}"/>
+                  </a:ext>
+                </a:extLst>
+              </p:cNvPr>
+              <p:cNvSpPr>
+                <a:spLocks noGrp="1" noRot="1" noChangeAspect="1" noMove="1" noResize="1" noEditPoints="1" noAdjustHandles="1" noChangeArrowheads="1" noChangeShapeType="1" noTextEdit="1"/>
+              </p:cNvSpPr>
+              <p:nvPr>
+                <p:ph idx="1"/>
+              </p:nvPr>
+            </p:nvSpPr>
+            <p:spPr>
+              <a:blipFill>
+                <a:blip r:embed="rId2"/>
+                <a:stretch>
+                  <a:fillRect/>
+                </a:stretch>
+              </a:blipFill>
+            </p:spPr>
+            <p:txBody>
+              <a:bodyPr/>
+              <a:lstStyle/>
+              <a:p>
+                <a:r>
+                  <a:rPr lang="fr-FR">
+                    <a:noFill/>
+                  </a:rPr>
+                  <a:t> </a:t>
+                </a:r>
+              </a:p>
+            </p:txBody>
+          </p:sp>
+        </mc:Fallback>
+      </mc:AlternateContent>
+    </p:spTree>
+    <p:extLst>
+      <p:ext uri="{BB962C8B-B14F-4D97-AF65-F5344CB8AC3E}">
+        <p14:creationId xmlns:p14="http://schemas.microsoft.com/office/powerpoint/2010/main" val="3263296301"/>
+      </p:ext>
+    </p:extLst>
+  </p:cSld>
+  <p:clrMapOvr>
+    <a:masterClrMapping/>
+  </p:clrMapOvr>
+</p:sld>
+</file>
+
+<file path=ppt/slides/slide15.xml><?xml version="1.0" encoding="utf-8"?>
+<p:sld xmlns:a="http://schemas.openxmlformats.org/drawingml/2006/main" xmlns:r="http://schemas.openxmlformats.org/officeDocument/2006/relationships" xmlns:p="http://schemas.openxmlformats.org/presentationml/2006/main">
+  <p:cSld>
+    <p:spTree>
+      <p:nvGrpSpPr>
+        <p:cNvPr id="1" name=""/>
+        <p:cNvGrpSpPr/>
+        <p:nvPr/>
+      </p:nvGrpSpPr>
+      <p:grpSpPr>
+        <a:xfrm>
+          <a:off x="0" y="0"/>
+          <a:ext cx="0" cy="0"/>
+          <a:chOff x="0" y="0"/>
+          <a:chExt cx="0" cy="0"/>
+        </a:xfrm>
+      </p:grpSpPr>
+      <p:sp>
+        <p:nvSpPr>
+          <p:cNvPr id="2" name="Titre 1">
+            <a:extLst>
+              <a:ext uri="{FF2B5EF4-FFF2-40B4-BE49-F238E27FC236}">
+                <a16:creationId xmlns:a16="http://schemas.microsoft.com/office/drawing/2014/main" id="{AF439EA5-BB4F-4FDA-A115-9A1EDDF6759E}"/>
+              </a:ext>
+            </a:extLst>
+          </p:cNvPr>
+          <p:cNvSpPr>
+            <a:spLocks noGrp="1"/>
+          </p:cNvSpPr>
+          <p:nvPr>
+            <p:ph type="title"/>
+          </p:nvPr>
+        </p:nvSpPr>
+        <p:spPr/>
+        <p:txBody>
+          <a:bodyPr/>
+          <a:lstStyle/>
+          <a:p>
+            <a:endParaRPr lang="fr-FR"/>
+          </a:p>
+        </p:txBody>
+      </p:sp>
+      <p:pic>
+        <p:nvPicPr>
+          <p:cNvPr id="4" name="Espace réservé du contenu 3">
+            <a:extLst>
+              <a:ext uri="{FF2B5EF4-FFF2-40B4-BE49-F238E27FC236}">
+                <a16:creationId xmlns:a16="http://schemas.microsoft.com/office/drawing/2014/main" id="{6DA19BCA-7BB9-4452-A4E2-25214276E4DC}"/>
+              </a:ext>
+            </a:extLst>
+          </p:cNvPr>
+          <p:cNvPicPr>
+            <a:picLocks noGrp="1"/>
+          </p:cNvPicPr>
+          <p:nvPr>
+            <p:ph idx="1"/>
+          </p:nvPr>
+        </p:nvPicPr>
+        <p:blipFill>
+          <a:blip r:embed="rId2"/>
+          <a:srcRect l="10523" t="11765" r="7418" b="10523"/>
+          <a:stretch>
+            <a:fillRect/>
+          </a:stretch>
+        </p:blipFill>
+        <p:spPr bwMode="auto">
+          <a:xfrm>
+            <a:off x="434014" y="452718"/>
+            <a:ext cx="9842100" cy="5831968"/>
+          </a:xfrm>
+          <a:prstGeom prst="rect">
+            <a:avLst/>
+          </a:prstGeom>
+          <a:noFill/>
+          <a:ln w="9525">
+            <a:solidFill>
+              <a:schemeClr val="tx1"/>
+            </a:solidFill>
+            <a:miter lim="800000"/>
+            <a:headEnd/>
+            <a:tailEnd/>
+          </a:ln>
+        </p:spPr>
+      </p:pic>
+    </p:spTree>
+    <p:extLst>
+      <p:ext uri="{BB962C8B-B14F-4D97-AF65-F5344CB8AC3E}">
+        <p14:creationId xmlns:p14="http://schemas.microsoft.com/office/powerpoint/2010/main" val="928985353"/>
+      </p:ext>
+    </p:extLst>
+  </p:cSld>
+  <p:clrMapOvr>
+    <a:masterClrMapping/>
+  </p:clrMapOvr>
+</p:sld>
+</file>
+
+<file path=ppt/slides/slide16.xml><?xml version="1.0" encoding="utf-8"?>
+<p:sld xmlns:a="http://schemas.openxmlformats.org/drawingml/2006/main" xmlns:r="http://schemas.openxmlformats.org/officeDocument/2006/relationships" xmlns:p="http://schemas.openxmlformats.org/presentationml/2006/main">
+  <p:cSld>
+    <p:spTree>
+      <p:nvGrpSpPr>
+        <p:cNvPr id="1" name=""/>
+        <p:cNvGrpSpPr/>
+        <p:nvPr/>
+      </p:nvGrpSpPr>
+      <p:grpSpPr>
+        <a:xfrm>
+          <a:off x="0" y="0"/>
+          <a:ext cx="0" cy="0"/>
+          <a:chOff x="0" y="0"/>
+          <a:chExt cx="0" cy="0"/>
+        </a:xfrm>
+      </p:grpSpPr>
+      <p:sp>
+        <p:nvSpPr>
+          <p:cNvPr id="2" name="Titre 1">
+            <a:extLst>
+              <a:ext uri="{FF2B5EF4-FFF2-40B4-BE49-F238E27FC236}">
+                <a16:creationId xmlns:a16="http://schemas.microsoft.com/office/drawing/2014/main" id="{F4231283-E695-44B0-9B27-1B1DFB7DB74C}"/>
+              </a:ext>
+            </a:extLst>
+          </p:cNvPr>
+          <p:cNvSpPr>
+            <a:spLocks noGrp="1"/>
+          </p:cNvSpPr>
+          <p:nvPr>
+            <p:ph type="title"/>
+          </p:nvPr>
+        </p:nvSpPr>
+        <p:spPr/>
+        <p:txBody>
+          <a:bodyPr/>
+          <a:lstStyle/>
+          <a:p>
+            <a:r>
+              <a:rPr lang="fr-FR" dirty="0"/>
+              <a:t>Détection des pics</a:t>
+            </a:r>
+          </a:p>
+        </p:txBody>
+      </p:sp>
+      <p:sp>
+        <p:nvSpPr>
+          <p:cNvPr id="3" name="Espace réservé du contenu 2">
+            <a:extLst>
+              <a:ext uri="{FF2B5EF4-FFF2-40B4-BE49-F238E27FC236}">
+                <a16:creationId xmlns:a16="http://schemas.microsoft.com/office/drawing/2014/main" id="{EF0172F2-75DF-4C46-9FE6-218AC2CBC866}"/>
+              </a:ext>
+            </a:extLst>
+          </p:cNvPr>
+          <p:cNvSpPr>
+            <a:spLocks noGrp="1"/>
+          </p:cNvSpPr>
+          <p:nvPr>
+            <p:ph idx="1"/>
+          </p:nvPr>
+        </p:nvSpPr>
+        <p:spPr/>
+        <p:txBody>
+          <a:bodyPr/>
+          <a:lstStyle/>
+          <a:p>
+            <a:endParaRPr lang="fr-FR" dirty="0"/>
+          </a:p>
+        </p:txBody>
+      </p:sp>
+      <p:pic>
+        <p:nvPicPr>
+          <p:cNvPr id="4" name="Image 3">
+            <a:extLst>
+              <a:ext uri="{FF2B5EF4-FFF2-40B4-BE49-F238E27FC236}">
+                <a16:creationId xmlns:a16="http://schemas.microsoft.com/office/drawing/2014/main" id="{25AE095F-04A9-4CEF-AEB0-D31D473EBAAE}"/>
+              </a:ext>
+            </a:extLst>
+          </p:cNvPr>
+          <p:cNvPicPr/>
+          <p:nvPr/>
+        </p:nvPicPr>
+        <p:blipFill>
+          <a:blip r:embed="rId2"/>
+          <a:srcRect l="10655" t="12235" r="7076" b="10706"/>
+          <a:stretch>
+            <a:fillRect/>
+          </a:stretch>
+        </p:blipFill>
+        <p:spPr bwMode="auto">
+          <a:xfrm>
+            <a:off x="646111" y="1389099"/>
+            <a:ext cx="9834154" cy="5016183"/>
+          </a:xfrm>
+          <a:prstGeom prst="rect">
+            <a:avLst/>
+          </a:prstGeom>
+          <a:noFill/>
+          <a:ln w="9525">
+            <a:solidFill>
+              <a:schemeClr val="tx1"/>
+            </a:solidFill>
+            <a:miter lim="800000"/>
+            <a:headEnd/>
+            <a:tailEnd/>
+          </a:ln>
+        </p:spPr>
+      </p:pic>
+    </p:spTree>
+    <p:extLst>
+      <p:ext uri="{BB962C8B-B14F-4D97-AF65-F5344CB8AC3E}">
+        <p14:creationId xmlns:p14="http://schemas.microsoft.com/office/powerpoint/2010/main" val="2449041738"/>
+      </p:ext>
+    </p:extLst>
+  </p:cSld>
+  <p:clrMapOvr>
+    <a:masterClrMapping/>
+  </p:clrMapOvr>
+</p:sld>
+</file>
+
+<file path=ppt/slides/slide17.xml><?xml version="1.0" encoding="utf-8"?>
+<p:sld xmlns:a="http://schemas.openxmlformats.org/drawingml/2006/main" xmlns:r="http://schemas.openxmlformats.org/officeDocument/2006/relationships" xmlns:p="http://schemas.openxmlformats.org/presentationml/2006/main">
+  <p:cSld>
+    <p:spTree>
+      <p:nvGrpSpPr>
+        <p:cNvPr id="1" name=""/>
+        <p:cNvGrpSpPr/>
+        <p:nvPr/>
+      </p:nvGrpSpPr>
+      <p:grpSpPr>
+        <a:xfrm>
+          <a:off x="0" y="0"/>
+          <a:ext cx="0" cy="0"/>
+          <a:chOff x="0" y="0"/>
+          <a:chExt cx="0" cy="0"/>
+        </a:xfrm>
+      </p:grpSpPr>
+      <p:sp>
+        <p:nvSpPr>
+          <p:cNvPr id="2" name="Titre 1">
+            <a:extLst>
+              <a:ext uri="{FF2B5EF4-FFF2-40B4-BE49-F238E27FC236}">
+                <a16:creationId xmlns:a16="http://schemas.microsoft.com/office/drawing/2014/main" id="{2E4E55FB-F216-4943-AD01-3621ACB3BBFA}"/>
+              </a:ext>
+            </a:extLst>
+          </p:cNvPr>
+          <p:cNvSpPr>
+            <a:spLocks noGrp="1"/>
+          </p:cNvSpPr>
+          <p:nvPr>
+            <p:ph type="title"/>
+          </p:nvPr>
+        </p:nvSpPr>
+        <p:spPr/>
+        <p:txBody>
+          <a:bodyPr/>
+          <a:lstStyle/>
+          <a:p>
+            <a:r>
+              <a:rPr lang="fr-FR" dirty="0"/>
+              <a:t>Correction de l’offset</a:t>
+            </a:r>
+          </a:p>
+        </p:txBody>
+      </p:sp>
+      <p:sp>
+        <p:nvSpPr>
+          <p:cNvPr id="3" name="Espace réservé du contenu 2">
+            <a:extLst>
+              <a:ext uri="{FF2B5EF4-FFF2-40B4-BE49-F238E27FC236}">
+                <a16:creationId xmlns:a16="http://schemas.microsoft.com/office/drawing/2014/main" id="{2626A445-A7DB-4571-A8EC-7591E427B275}"/>
+              </a:ext>
+            </a:extLst>
+          </p:cNvPr>
+          <p:cNvSpPr>
+            <a:spLocks noGrp="1"/>
+          </p:cNvSpPr>
+          <p:nvPr>
+            <p:ph idx="1"/>
+          </p:nvPr>
+        </p:nvSpPr>
+        <p:spPr/>
+        <p:txBody>
+          <a:bodyPr/>
+          <a:lstStyle/>
+          <a:p>
+            <a:endParaRPr lang="fr-FR"/>
+          </a:p>
+        </p:txBody>
+      </p:sp>
+      <p:pic>
+        <p:nvPicPr>
+          <p:cNvPr id="4" name="Image 3" descr="capt_corr_detect_max.png">
+            <a:extLst>
+              <a:ext uri="{FF2B5EF4-FFF2-40B4-BE49-F238E27FC236}">
+                <a16:creationId xmlns:a16="http://schemas.microsoft.com/office/drawing/2014/main" id="{FBF938A4-3572-4B6E-A893-BC4796C2D14A}"/>
+              </a:ext>
+            </a:extLst>
+          </p:cNvPr>
+          <p:cNvPicPr/>
+          <p:nvPr/>
+        </p:nvPicPr>
+        <p:blipFill>
+          <a:blip r:embed="rId2"/>
+          <a:srcRect l="10391" t="12000" r="6877" b="10118"/>
+          <a:stretch>
+            <a:fillRect/>
+          </a:stretch>
+        </p:blipFill>
+        <p:spPr>
+          <a:xfrm>
+            <a:off x="646111" y="1440316"/>
+            <a:ext cx="10139544" cy="5149170"/>
+          </a:xfrm>
+          <a:prstGeom prst="rect">
+            <a:avLst/>
+          </a:prstGeom>
+          <a:ln>
+            <a:solidFill>
+              <a:schemeClr val="tx1"/>
+            </a:solidFill>
+          </a:ln>
+        </p:spPr>
+      </p:pic>
+    </p:spTree>
+    <p:extLst>
+      <p:ext uri="{BB962C8B-B14F-4D97-AF65-F5344CB8AC3E}">
+        <p14:creationId xmlns:p14="http://schemas.microsoft.com/office/powerpoint/2010/main" val="3465469297"/>
+      </p:ext>
+    </p:extLst>
+  </p:cSld>
+  <p:clrMapOvr>
+    <a:masterClrMapping/>
+  </p:clrMapOvr>
+</p:sld>
+</file>
+
+<file path=ppt/slides/slide18.xml><?xml version="1.0" encoding="utf-8"?>
+<p:sld xmlns:a="http://schemas.openxmlformats.org/drawingml/2006/main" xmlns:r="http://schemas.openxmlformats.org/officeDocument/2006/relationships" xmlns:p="http://schemas.openxmlformats.org/presentationml/2006/main">
+  <p:cSld>
+    <p:spTree>
+      <p:nvGrpSpPr>
+        <p:cNvPr id="1" name=""/>
+        <p:cNvGrpSpPr/>
+        <p:nvPr/>
+      </p:nvGrpSpPr>
+      <p:grpSpPr>
+        <a:xfrm>
+          <a:off x="0" y="0"/>
+          <a:ext cx="0" cy="0"/>
+          <a:chOff x="0" y="0"/>
+          <a:chExt cx="0" cy="0"/>
+        </a:xfrm>
+      </p:grpSpPr>
+      <mc:AlternateContent xmlns:mc="http://schemas.openxmlformats.org/markup-compatibility/2006">
+        <mc:Choice xmlns:a14="http://schemas.microsoft.com/office/drawing/2010/main" Requires="a14">
+          <p:sp>
+            <p:nvSpPr>
+              <p:cNvPr id="3" name="Espace réservé du contenu 2">
+                <a:extLst>
+                  <a:ext uri="{FF2B5EF4-FFF2-40B4-BE49-F238E27FC236}">
+                    <a16:creationId xmlns:a16="http://schemas.microsoft.com/office/drawing/2014/main" id="{47E75EB2-94C0-4EC5-AD9B-353E1BFD813F}"/>
+                  </a:ext>
+                </a:extLst>
+              </p:cNvPr>
+              <p:cNvSpPr>
+                <a:spLocks noGrp="1"/>
+              </p:cNvSpPr>
+              <p:nvPr>
+                <p:ph idx="1"/>
+              </p:nvPr>
+            </p:nvSpPr>
+            <p:spPr>
+              <a:xfrm>
+                <a:off x="377597" y="572461"/>
+                <a:ext cx="9796917" cy="5726739"/>
+              </a:xfrm>
+            </p:spPr>
+            <p:txBody>
+              <a:bodyPr/>
+              <a:lstStyle/>
+              <a:p>
+                <a14:m>
+                  <m:oMath xmlns:m="http://schemas.openxmlformats.org/officeDocument/2006/math">
+                    <m:r>
+                      <a:rPr lang="fr-FR" i="1"/>
+                      <m:t>𝑜𝑓𝑓𝑠𝑒𝑡</m:t>
+                    </m:r>
+                    <m:d>
+                      <m:dPr>
+                        <m:ctrlPr>
+                          <a:rPr lang="fr-FR" i="1"/>
+                        </m:ctrlPr>
+                      </m:dPr>
+                      <m:e>
+                        <m:r>
+                          <a:rPr lang="fr-FR" i="1"/>
+                          <m:t>𝑖</m:t>
+                        </m:r>
+                      </m:e>
+                    </m:d>
+                    <m:r>
+                      <a:rPr lang="fr-FR" i="1"/>
+                      <m:t>= </m:t>
+                    </m:r>
+                    <m:r>
+                      <a:rPr lang="fr-FR" i="1"/>
+                      <m:t>𝑖𝑛𝑑𝑖𝑐𝑒</m:t>
+                    </m:r>
+                    <m:r>
+                      <a:rPr lang="fr-FR" i="1"/>
+                      <m:t>_</m:t>
+                    </m:r>
+                    <m:r>
+                      <a:rPr lang="fr-FR" i="1"/>
+                      <m:t>𝑝𝑟𝑎𝑡𝑖𝑞𝑢𝑒</m:t>
+                    </m:r>
+                    <m:d>
+                      <m:dPr>
+                        <m:ctrlPr>
+                          <a:rPr lang="fr-FR" i="1"/>
+                        </m:ctrlPr>
+                      </m:dPr>
+                      <m:e>
+                        <m:r>
+                          <a:rPr lang="fr-FR" i="1"/>
+                          <m:t>𝑖</m:t>
+                        </m:r>
+                      </m:e>
+                    </m:d>
+                    <m:r>
+                      <a:rPr lang="fr-FR" i="1"/>
+                      <m:t>− </m:t>
+                    </m:r>
+                    <m:r>
+                      <a:rPr lang="fr-FR" i="1"/>
+                      <m:t>𝑖𝑛𝑑𝑖𝑐𝑒</m:t>
+                    </m:r>
+                    <m:r>
+                      <a:rPr lang="fr-FR" i="1"/>
+                      <m:t>_</m:t>
+                    </m:r>
+                    <m:r>
+                      <a:rPr lang="fr-FR" i="1"/>
+                      <m:t>𝑡h</m:t>
+                    </m:r>
+                    <m:r>
+                      <a:rPr lang="fr-FR" i="1"/>
+                      <m:t>é</m:t>
+                    </m:r>
+                    <m:r>
+                      <a:rPr lang="fr-FR" i="1"/>
+                      <m:t>𝑜𝑟𝑖𝑞𝑢𝑒</m:t>
+                    </m:r>
+                    <m:r>
+                      <a:rPr lang="fr-FR" i="1"/>
+                      <m:t>(</m:t>
+                    </m:r>
+                    <m:r>
+                      <a:rPr lang="fr-FR" i="1"/>
+                      <m:t>𝑖</m:t>
+                    </m:r>
+                    <m:r>
+                      <a:rPr lang="fr-FR" i="1"/>
+                      <m:t>)</m:t>
+                    </m:r>
+                  </m:oMath>
+                </a14:m>
+                <a:endParaRPr lang="fr-FR" dirty="0"/>
+              </a:p>
+              <a:p>
+                <a:endParaRPr lang="fr-FR" dirty="0"/>
+              </a:p>
+            </p:txBody>
+          </p:sp>
+        </mc:Choice>
+        <mc:Fallback>
+          <p:sp>
+            <p:nvSpPr>
+              <p:cNvPr id="3" name="Espace réservé du contenu 2">
+                <a:extLst>
+                  <a:ext uri="{FF2B5EF4-FFF2-40B4-BE49-F238E27FC236}">
+                    <a16:creationId xmlns:a16="http://schemas.microsoft.com/office/drawing/2014/main" id="{47E75EB2-94C0-4EC5-AD9B-353E1BFD813F}"/>
+                  </a:ext>
+                </a:extLst>
+              </p:cNvPr>
+              <p:cNvSpPr>
+                <a:spLocks noGrp="1" noRot="1" noChangeAspect="1" noMove="1" noResize="1" noEditPoints="1" noAdjustHandles="1" noChangeArrowheads="1" noChangeShapeType="1" noTextEdit="1"/>
+              </p:cNvSpPr>
+              <p:nvPr>
+                <p:ph idx="1"/>
+              </p:nvPr>
+            </p:nvSpPr>
+            <p:spPr>
+              <a:xfrm>
+                <a:off x="377597" y="572461"/>
+                <a:ext cx="9796917" cy="5726739"/>
+              </a:xfrm>
+              <a:blipFill>
+                <a:blip r:embed="rId2"/>
+                <a:stretch>
+                  <a:fillRect l="-311"/>
+                </a:stretch>
+              </a:blipFill>
+            </p:spPr>
+            <p:txBody>
+              <a:bodyPr/>
+              <a:lstStyle/>
+              <a:p>
+                <a:r>
+                  <a:rPr lang="fr-FR">
+                    <a:noFill/>
+                  </a:rPr>
+                  <a:t> </a:t>
+                </a:r>
+              </a:p>
+            </p:txBody>
+          </p:sp>
+        </mc:Fallback>
+      </mc:AlternateContent>
+      <p:pic>
+        <p:nvPicPr>
+          <p:cNvPr id="4" name="Image 3" descr="capt_calc_offset_final.png">
+            <a:extLst>
+              <a:ext uri="{FF2B5EF4-FFF2-40B4-BE49-F238E27FC236}">
+                <a16:creationId xmlns:a16="http://schemas.microsoft.com/office/drawing/2014/main" id="{08BB1975-D214-4B7E-B54F-4C636060B9E1}"/>
+              </a:ext>
+            </a:extLst>
+          </p:cNvPr>
+          <p:cNvPicPr/>
+          <p:nvPr/>
+        </p:nvPicPr>
+        <p:blipFill>
+          <a:blip r:embed="rId3"/>
+          <a:srcRect l="13435" t="12471" r="3373" b="7529"/>
+          <a:stretch>
+            <a:fillRect/>
+          </a:stretch>
+        </p:blipFill>
+        <p:spPr>
+          <a:xfrm>
+            <a:off x="802684" y="1423579"/>
+            <a:ext cx="8660630" cy="4643392"/>
+          </a:xfrm>
+          <a:prstGeom prst="rect">
+            <a:avLst/>
+          </a:prstGeom>
+          <a:ln>
+            <a:solidFill>
+              <a:schemeClr val="tx1"/>
+            </a:solidFill>
+          </a:ln>
+        </p:spPr>
+      </p:pic>
+    </p:spTree>
+    <p:extLst>
+      <p:ext uri="{BB962C8B-B14F-4D97-AF65-F5344CB8AC3E}">
+        <p14:creationId xmlns:p14="http://schemas.microsoft.com/office/powerpoint/2010/main" val="670631430"/>
+      </p:ext>
+    </p:extLst>
+  </p:cSld>
+  <p:clrMapOvr>
+    <a:masterClrMapping/>
+  </p:clrMapOvr>
+</p:sld>
+</file>
+
+<file path=ppt/slides/slide19.xml><?xml version="1.0" encoding="utf-8"?>
+<p:sld xmlns:a="http://schemas.openxmlformats.org/drawingml/2006/main" xmlns:r="http://schemas.openxmlformats.org/officeDocument/2006/relationships" xmlns:p="http://schemas.openxmlformats.org/presentationml/2006/main">
+  <p:cSld>
+    <p:spTree>
+      <p:nvGrpSpPr>
+        <p:cNvPr id="1" name=""/>
+        <p:cNvGrpSpPr/>
+        <p:nvPr/>
+      </p:nvGrpSpPr>
+      <p:grpSpPr>
+        <a:xfrm>
+          <a:off x="0" y="0"/>
+          <a:ext cx="0" cy="0"/>
+          <a:chOff x="0" y="0"/>
+          <a:chExt cx="0" cy="0"/>
+        </a:xfrm>
+      </p:grpSpPr>
+      <mc:AlternateContent xmlns:mc="http://schemas.openxmlformats.org/markup-compatibility/2006">
+        <mc:Choice xmlns:a14="http://schemas.microsoft.com/office/drawing/2010/main" Requires="a14">
+          <p:sp>
+            <p:nvSpPr>
+              <p:cNvPr id="3" name="Espace réservé du contenu 2">
+                <a:extLst>
+                  <a:ext uri="{FF2B5EF4-FFF2-40B4-BE49-F238E27FC236}">
+                    <a16:creationId xmlns:a16="http://schemas.microsoft.com/office/drawing/2014/main" id="{17762D2F-4C94-4CBE-AE99-700978DBE2DB}"/>
+                  </a:ext>
+                </a:extLst>
+              </p:cNvPr>
+              <p:cNvSpPr>
+                <a:spLocks noGrp="1"/>
+              </p:cNvSpPr>
+              <p:nvPr>
+                <p:ph idx="1"/>
+              </p:nvPr>
+            </p:nvSpPr>
+            <p:spPr>
+              <a:xfrm>
+                <a:off x="435655" y="528918"/>
+                <a:ext cx="9869488" cy="5973482"/>
+              </a:xfrm>
+            </p:spPr>
+            <p:txBody>
+              <a:bodyPr/>
+              <a:lstStyle/>
+              <a:p>
+                <a14:m>
+                  <m:oMath xmlns:m="http://schemas.openxmlformats.org/officeDocument/2006/math">
+                    <m:r>
+                      <a:rPr lang="fr-FR" i="1"/>
+                      <m:t>𝑅𝑛</m:t>
+                    </m:r>
+                    <m:r>
+                      <a:rPr lang="fr-FR" i="1"/>
+                      <m:t>=∑</m:t>
+                    </m:r>
+                    <m:r>
+                      <a:rPr lang="fr-FR" i="1"/>
+                      <m:t>𝐻𝑛</m:t>
+                    </m:r>
+                    <m:r>
+                      <a:rPr lang="fr-FR" i="1"/>
+                      <m:t>∗</m:t>
+                    </m:r>
+                    <m:r>
+                      <a:rPr lang="fr-FR" i="1"/>
+                      <m:t>𝑇𝑛</m:t>
+                    </m:r>
+                    <m:r>
+                      <a:rPr lang="fr-FR" i="1"/>
+                      <m:t>+</m:t>
+                    </m:r>
+                    <m:r>
+                      <a:rPr lang="fr-FR" i="1"/>
+                      <m:t>𝑏𝑛</m:t>
+                    </m:r>
+                    <m:r>
+                      <a:rPr lang="fr-FR" i="1"/>
+                      <m:t>+</m:t>
+                    </m:r>
+                    <m:r>
+                      <a:rPr lang="fr-FR" i="1"/>
+                      <m:t>𝑜𝑓𝑓𝑠𝑒𝑡</m:t>
+                    </m:r>
+                  </m:oMath>
+                </a14:m>
+                <a:endParaRPr lang="fr-FR" dirty="0"/>
+              </a:p>
+              <a:p>
+                <a14:m>
+                  <m:oMath xmlns:m="http://schemas.openxmlformats.org/officeDocument/2006/math">
+                    <m:r>
+                      <a:rPr lang="fr-FR" i="1"/>
+                      <m:t>&lt;∑</m:t>
+                    </m:r>
+                    <m:r>
+                      <a:rPr lang="fr-FR" i="1"/>
+                      <m:t>𝑜𝑓𝑓𝑠𝑒𝑡</m:t>
+                    </m:r>
+                    <m:r>
+                      <a:rPr lang="fr-FR" i="1"/>
+                      <m:t>+</m:t>
+                    </m:r>
+                    <m:r>
+                      <a:rPr lang="fr-FR" i="1"/>
+                      <m:t>𝑏𝑛</m:t>
+                    </m:r>
+                    <m:r>
+                      <a:rPr lang="fr-FR" i="1"/>
+                      <m:t>&gt; = &lt;∑</m:t>
+                    </m:r>
+                    <m:r>
+                      <a:rPr lang="fr-FR" i="1"/>
+                      <m:t>𝑜𝑓𝑓𝑠𝑒𝑡</m:t>
+                    </m:r>
+                    <m:r>
+                      <a:rPr lang="fr-FR" i="1"/>
+                      <m:t>&gt;+ &lt;∑</m:t>
+                    </m:r>
+                    <m:r>
+                      <a:rPr lang="fr-FR" i="1"/>
+                      <m:t>𝑏𝑛</m:t>
+                    </m:r>
+                    <m:r>
+                      <a:rPr lang="fr-FR" i="1"/>
+                      <m:t>&gt; = &lt;∑</m:t>
+                    </m:r>
+                    <m:r>
+                      <a:rPr lang="fr-FR" i="1"/>
+                      <m:t>𝑜𝑓𝑓𝑠𝑒𝑡</m:t>
+                    </m:r>
+                    <m:r>
+                      <a:rPr lang="fr-FR" i="1"/>
+                      <m:t>&gt; =</m:t>
+                    </m:r>
+                    <m:r>
+                      <a:rPr lang="fr-FR" i="1"/>
+                      <m:t>𝑜𝑓𝑓𝑠𝑒𝑡</m:t>
+                    </m:r>
+                  </m:oMath>
+                </a14:m>
+                <a:endParaRPr lang="fr-FR" dirty="0"/>
+              </a:p>
+              <a:p>
+                <a:endParaRPr lang="fr-FR" dirty="0"/>
+              </a:p>
+            </p:txBody>
+          </p:sp>
+        </mc:Choice>
+        <mc:Fallback>
+          <p:sp>
+            <p:nvSpPr>
+              <p:cNvPr id="3" name="Espace réservé du contenu 2">
+                <a:extLst>
+                  <a:ext uri="{FF2B5EF4-FFF2-40B4-BE49-F238E27FC236}">
+                    <a16:creationId xmlns:a16="http://schemas.microsoft.com/office/drawing/2014/main" id="{17762D2F-4C94-4CBE-AE99-700978DBE2DB}"/>
+                  </a:ext>
+                </a:extLst>
+              </p:cNvPr>
+              <p:cNvSpPr>
+                <a:spLocks noGrp="1" noRot="1" noChangeAspect="1" noMove="1" noResize="1" noEditPoints="1" noAdjustHandles="1" noChangeArrowheads="1" noChangeShapeType="1" noTextEdit="1"/>
+              </p:cNvSpPr>
+              <p:nvPr>
+                <p:ph idx="1"/>
+              </p:nvPr>
+            </p:nvSpPr>
+            <p:spPr>
+              <a:xfrm>
+                <a:off x="435655" y="528918"/>
+                <a:ext cx="9869488" cy="5973482"/>
+              </a:xfrm>
+              <a:blipFill>
+                <a:blip r:embed="rId2"/>
+                <a:stretch>
+                  <a:fillRect l="-247"/>
+                </a:stretch>
+              </a:blipFill>
+            </p:spPr>
+            <p:txBody>
+              <a:bodyPr/>
+              <a:lstStyle/>
+              <a:p>
+                <a:r>
+                  <a:rPr lang="fr-FR">
+                    <a:noFill/>
+                  </a:rPr>
+                  <a:t> </a:t>
+                </a:r>
+              </a:p>
+            </p:txBody>
+          </p:sp>
+        </mc:Fallback>
+      </mc:AlternateContent>
+      <p:pic>
+        <p:nvPicPr>
+          <p:cNvPr id="4" name="Image 3" descr="capt_moyenne_offset.png">
+            <a:extLst>
+              <a:ext uri="{FF2B5EF4-FFF2-40B4-BE49-F238E27FC236}">
+                <a16:creationId xmlns:a16="http://schemas.microsoft.com/office/drawing/2014/main" id="{16FC35E8-A197-4343-ADC9-4865A35BDF79}"/>
+              </a:ext>
+            </a:extLst>
+          </p:cNvPr>
+          <p:cNvPicPr/>
+          <p:nvPr/>
+        </p:nvPicPr>
+        <p:blipFill>
+          <a:blip r:embed="rId3"/>
+          <a:srcRect l="13302" t="8706" r="3769" b="8000"/>
+          <a:stretch>
+            <a:fillRect/>
+          </a:stretch>
+        </p:blipFill>
+        <p:spPr>
+          <a:xfrm>
+            <a:off x="1334724" y="1549763"/>
+            <a:ext cx="8970419" cy="5097780"/>
+          </a:xfrm>
+          <a:prstGeom prst="rect">
+            <a:avLst/>
+          </a:prstGeom>
+          <a:ln>
+            <a:solidFill>
+              <a:schemeClr val="tx1"/>
+            </a:solidFill>
+          </a:ln>
+        </p:spPr>
+      </p:pic>
+    </p:spTree>
+    <p:extLst>
+      <p:ext uri="{BB962C8B-B14F-4D97-AF65-F5344CB8AC3E}">
+        <p14:creationId xmlns:p14="http://schemas.microsoft.com/office/powerpoint/2010/main" val="337547276"/>
+      </p:ext>
+    </p:extLst>
+  </p:cSld>
+  <p:clrMapOvr>
+    <a:masterClrMapping/>
+  </p:clrMapOvr>
+</p:sld>
+</file>
+
 <file path=ppt/slides/slide2.xml><?xml version="1.0" encoding="utf-8"?>
 <p:sld xmlns:a="http://schemas.openxmlformats.org/drawingml/2006/main" xmlns:r="http://schemas.openxmlformats.org/officeDocument/2006/relationships" xmlns:p="http://schemas.openxmlformats.org/presentationml/2006/main">
   <p:cSld>
@@ -6186,6 +7970,3985 @@
     <p:extLst>
       <p:ext uri="{BB962C8B-B14F-4D97-AF65-F5344CB8AC3E}">
         <p14:creationId xmlns:p14="http://schemas.microsoft.com/office/powerpoint/2010/main" val="1690752309"/>
+      </p:ext>
+    </p:extLst>
+  </p:cSld>
+  <p:clrMapOvr>
+    <a:masterClrMapping/>
+  </p:clrMapOvr>
+</p:sld>
+</file>
+
+<file path=ppt/slides/slide20.xml><?xml version="1.0" encoding="utf-8"?>
+<p:sld xmlns:a="http://schemas.openxmlformats.org/drawingml/2006/main" xmlns:r="http://schemas.openxmlformats.org/officeDocument/2006/relationships" xmlns:p="http://schemas.openxmlformats.org/presentationml/2006/main">
+  <p:cSld>
+    <p:spTree>
+      <p:nvGrpSpPr>
+        <p:cNvPr id="1" name=""/>
+        <p:cNvGrpSpPr/>
+        <p:nvPr/>
+      </p:nvGrpSpPr>
+      <p:grpSpPr>
+        <a:xfrm>
+          <a:off x="0" y="0"/>
+          <a:ext cx="0" cy="0"/>
+          <a:chOff x="0" y="0"/>
+          <a:chExt cx="0" cy="0"/>
+        </a:xfrm>
+      </p:grpSpPr>
+      <mc:AlternateContent xmlns:mc="http://schemas.openxmlformats.org/markup-compatibility/2006">
+        <mc:Choice xmlns:a14="http://schemas.microsoft.com/office/drawing/2010/main" Requires="a14">
+          <p:sp>
+            <p:nvSpPr>
+              <p:cNvPr id="3" name="Espace réservé du contenu 2">
+                <a:extLst>
+                  <a:ext uri="{FF2B5EF4-FFF2-40B4-BE49-F238E27FC236}">
+                    <a16:creationId xmlns:a16="http://schemas.microsoft.com/office/drawing/2014/main" id="{D4CD7250-C2B8-49CB-90A6-11D1AC7444A7}"/>
+                  </a:ext>
+                </a:extLst>
+              </p:cNvPr>
+              <p:cNvSpPr>
+                <a:spLocks noGrp="1"/>
+              </p:cNvSpPr>
+              <p:nvPr>
+                <p:ph idx="1"/>
+              </p:nvPr>
+            </p:nvSpPr>
+            <p:spPr>
+              <a:xfrm>
+                <a:off x="493712" y="470861"/>
+                <a:ext cx="8946541" cy="4195481"/>
+              </a:xfrm>
+            </p:spPr>
+            <p:txBody>
+              <a:bodyPr/>
+              <a:lstStyle/>
+              <a:p>
+                <a14:m>
+                  <m:oMath xmlns:m="http://schemas.openxmlformats.org/officeDocument/2006/math">
+                    <m:r>
+                      <a:rPr lang="fr-FR" sz="2400" i="1"/>
+                      <m:t>𝑝𝑜𝑠𝑖𝑡𝑖𝑜</m:t>
+                    </m:r>
+                    <m:sSub>
+                      <m:sSubPr>
+                        <m:ctrlPr>
+                          <a:rPr lang="fr-FR" sz="2400" i="1"/>
+                        </m:ctrlPr>
+                      </m:sSubPr>
+                      <m:e>
+                        <m:r>
+                          <a:rPr lang="fr-FR" sz="2400" i="1"/>
+                          <m:t>𝑛</m:t>
+                        </m:r>
+                      </m:e>
+                      <m:sub>
+                        <m:r>
+                          <a:rPr lang="fr-FR" sz="2400" i="1"/>
+                          <m:t>𝑐𝑜𝑟𝑟𝑖𝑔</m:t>
+                        </m:r>
+                        <m:r>
+                          <a:rPr lang="fr-FR" sz="2400" i="1"/>
+                          <m:t>é</m:t>
+                        </m:r>
+                        <m:r>
+                          <a:rPr lang="fr-FR" sz="2400" i="1"/>
+                          <m:t>𝑒</m:t>
+                        </m:r>
+                      </m:sub>
+                    </m:sSub>
+                    <m:r>
+                      <a:rPr lang="fr-FR" sz="2400" i="1"/>
+                      <m:t>(</m:t>
+                    </m:r>
+                    <m:r>
+                      <a:rPr lang="fr-FR" sz="2400" i="1"/>
+                      <m:t>𝑖</m:t>
+                    </m:r>
+                    <m:r>
+                      <a:rPr lang="fr-FR" sz="2400" i="1"/>
+                      <m:t>)=</m:t>
+                    </m:r>
+                    <m:r>
+                      <a:rPr lang="fr-FR" sz="2400" i="1"/>
+                      <m:t>𝑜𝑓𝑓𝑠𝑒</m:t>
+                    </m:r>
+                    <m:sSub>
+                      <m:sSubPr>
+                        <m:ctrlPr>
+                          <a:rPr lang="fr-FR" sz="2400" i="1"/>
+                        </m:ctrlPr>
+                      </m:sSubPr>
+                      <m:e>
+                        <m:r>
+                          <a:rPr lang="fr-FR" sz="2400" i="1"/>
+                          <m:t>𝑡</m:t>
+                        </m:r>
+                      </m:e>
+                      <m:sub>
+                        <m:r>
+                          <a:rPr lang="fr-FR" sz="2400" i="1"/>
+                          <m:t>𝑚𝑜𝑦𝑒𝑛𝑛</m:t>
+                        </m:r>
+                        <m:r>
+                          <a:rPr lang="fr-FR" sz="2400" i="1"/>
+                          <m:t>é</m:t>
+                        </m:r>
+                      </m:sub>
+                    </m:sSub>
+                    <m:r>
+                      <a:rPr lang="fr-FR" sz="2400" i="1"/>
+                      <m:t>(</m:t>
+                    </m:r>
+                    <m:r>
+                      <a:rPr lang="fr-FR" sz="2400" i="1"/>
+                      <m:t>𝑖</m:t>
+                    </m:r>
+                    <m:r>
+                      <a:rPr lang="fr-FR" sz="2400" i="1"/>
+                      <m:t>)+ </m:t>
+                    </m:r>
+                    <m:d>
+                      <m:dPr>
+                        <m:ctrlPr>
+                          <a:rPr lang="fr-FR" sz="2400" i="1"/>
+                        </m:ctrlPr>
+                      </m:dPr>
+                      <m:e>
+                        <m:r>
+                          <a:rPr lang="fr-FR" sz="2400" i="1"/>
+                          <m:t>𝑖</m:t>
+                        </m:r>
+                        <m:r>
+                          <a:rPr lang="fr-FR" sz="2400" i="1"/>
+                          <m:t>−1</m:t>
+                        </m:r>
+                      </m:e>
+                    </m:d>
+                    <m:r>
+                      <a:rPr lang="fr-FR" sz="2400" i="1"/>
+                      <m:t>∗</m:t>
+                    </m:r>
+                    <m:d>
+                      <m:dPr>
+                        <m:ctrlPr>
+                          <a:rPr lang="fr-FR" sz="2400" i="1"/>
+                        </m:ctrlPr>
+                      </m:dPr>
+                      <m:e>
+                        <m:r>
+                          <a:rPr lang="fr-FR" sz="2400" i="1"/>
+                          <m:t>𝑙</m:t>
+                        </m:r>
+                        <m:r>
+                          <a:rPr lang="fr-FR" sz="2400" i="1"/>
+                          <m:t>+</m:t>
+                        </m:r>
+                        <m:r>
+                          <a:rPr lang="fr-FR" sz="2400" i="1"/>
+                          <m:t>𝑛</m:t>
+                        </m:r>
+                      </m:e>
+                    </m:d>
+                    <m:r>
+                      <a:rPr lang="fr-FR" sz="2400" i="1"/>
+                      <m:t>+1</m:t>
+                    </m:r>
+                  </m:oMath>
+                </a14:m>
+                <a:endParaRPr lang="fr-FR" sz="2400" dirty="0"/>
+              </a:p>
+              <a:p>
+                <a:endParaRPr lang="fr-FR" dirty="0"/>
+              </a:p>
+            </p:txBody>
+          </p:sp>
+        </mc:Choice>
+        <mc:Fallback>
+          <p:sp>
+            <p:nvSpPr>
+              <p:cNvPr id="3" name="Espace réservé du contenu 2">
+                <a:extLst>
+                  <a:ext uri="{FF2B5EF4-FFF2-40B4-BE49-F238E27FC236}">
+                    <a16:creationId xmlns:a16="http://schemas.microsoft.com/office/drawing/2014/main" id="{D4CD7250-C2B8-49CB-90A6-11D1AC7444A7}"/>
+                  </a:ext>
+                </a:extLst>
+              </p:cNvPr>
+              <p:cNvSpPr>
+                <a:spLocks noGrp="1" noRot="1" noChangeAspect="1" noMove="1" noResize="1" noEditPoints="1" noAdjustHandles="1" noChangeArrowheads="1" noChangeShapeType="1" noTextEdit="1"/>
+              </p:cNvSpPr>
+              <p:nvPr>
+                <p:ph idx="1"/>
+              </p:nvPr>
+            </p:nvSpPr>
+            <p:spPr>
+              <a:xfrm>
+                <a:off x="493712" y="470861"/>
+                <a:ext cx="8946541" cy="4195481"/>
+              </a:xfrm>
+              <a:blipFill>
+                <a:blip r:embed="rId2"/>
+                <a:stretch>
+                  <a:fillRect l="-545"/>
+                </a:stretch>
+              </a:blipFill>
+            </p:spPr>
+            <p:txBody>
+              <a:bodyPr/>
+              <a:lstStyle/>
+              <a:p>
+                <a:r>
+                  <a:rPr lang="fr-FR">
+                    <a:noFill/>
+                  </a:rPr>
+                  <a:t> </a:t>
+                </a:r>
+              </a:p>
+            </p:txBody>
+          </p:sp>
+        </mc:Fallback>
+      </mc:AlternateContent>
+      <p:pic>
+        <p:nvPicPr>
+          <p:cNvPr id="4" name="Image 3" descr="capt_correct_offset_schema_synchro difficile1.png">
+            <a:extLst>
+              <a:ext uri="{FF2B5EF4-FFF2-40B4-BE49-F238E27FC236}">
+                <a16:creationId xmlns:a16="http://schemas.microsoft.com/office/drawing/2014/main" id="{75270D4D-2D15-4C33-851B-E6066A839038}"/>
+              </a:ext>
+            </a:extLst>
+          </p:cNvPr>
+          <p:cNvPicPr/>
+          <p:nvPr/>
+        </p:nvPicPr>
+        <p:blipFill>
+          <a:blip r:embed="rId3"/>
+          <a:srcRect l="10788" t="12235" r="7473" b="10118"/>
+          <a:stretch>
+            <a:fillRect/>
+          </a:stretch>
+        </p:blipFill>
+        <p:spPr>
+          <a:xfrm>
+            <a:off x="875664" y="1330051"/>
+            <a:ext cx="8761821" cy="4911091"/>
+          </a:xfrm>
+          <a:prstGeom prst="rect">
+            <a:avLst/>
+          </a:prstGeom>
+          <a:ln>
+            <a:solidFill>
+              <a:schemeClr val="tx1"/>
+            </a:solidFill>
+          </a:ln>
+        </p:spPr>
+      </p:pic>
+    </p:spTree>
+    <p:extLst>
+      <p:ext uri="{BB962C8B-B14F-4D97-AF65-F5344CB8AC3E}">
+        <p14:creationId xmlns:p14="http://schemas.microsoft.com/office/powerpoint/2010/main" val="2089667319"/>
+      </p:ext>
+    </p:extLst>
+  </p:cSld>
+  <p:clrMapOvr>
+    <a:masterClrMapping/>
+  </p:clrMapOvr>
+</p:sld>
+</file>
+
+<file path=ppt/slides/slide21.xml><?xml version="1.0" encoding="utf-8"?>
+<p:sld xmlns:a="http://schemas.openxmlformats.org/drawingml/2006/main" xmlns:r="http://schemas.openxmlformats.org/officeDocument/2006/relationships" xmlns:p="http://schemas.openxmlformats.org/presentationml/2006/main">
+  <p:cSld>
+    <p:spTree>
+      <p:nvGrpSpPr>
+        <p:cNvPr id="1" name=""/>
+        <p:cNvGrpSpPr/>
+        <p:nvPr/>
+      </p:nvGrpSpPr>
+      <p:grpSpPr>
+        <a:xfrm>
+          <a:off x="0" y="0"/>
+          <a:ext cx="0" cy="0"/>
+          <a:chOff x="0" y="0"/>
+          <a:chExt cx="0" cy="0"/>
+        </a:xfrm>
+      </p:grpSpPr>
+      <p:sp>
+        <p:nvSpPr>
+          <p:cNvPr id="2" name="Titre 1">
+            <a:extLst>
+              <a:ext uri="{FF2B5EF4-FFF2-40B4-BE49-F238E27FC236}">
+                <a16:creationId xmlns:a16="http://schemas.microsoft.com/office/drawing/2014/main" id="{B9849729-095C-473C-9D29-C2EB0B0DC841}"/>
+              </a:ext>
+            </a:extLst>
+          </p:cNvPr>
+          <p:cNvSpPr>
+            <a:spLocks noGrp="1"/>
+          </p:cNvSpPr>
+          <p:nvPr>
+            <p:ph type="title"/>
+          </p:nvPr>
+        </p:nvSpPr>
+        <p:spPr/>
+        <p:txBody>
+          <a:bodyPr/>
+          <a:lstStyle/>
+          <a:p>
+            <a:r>
+              <a:rPr lang="fr-FR" dirty="0"/>
+              <a:t>Suppression des préfixes cycliques</a:t>
+            </a:r>
+          </a:p>
+        </p:txBody>
+      </p:sp>
+      <p:pic>
+        <p:nvPicPr>
+          <p:cNvPr id="4" name="Espace réservé du contenu 3">
+            <a:extLst>
+              <a:ext uri="{FF2B5EF4-FFF2-40B4-BE49-F238E27FC236}">
+                <a16:creationId xmlns:a16="http://schemas.microsoft.com/office/drawing/2014/main" id="{5080B6EC-DA1F-4E45-81C6-6357F0D498B4}"/>
+              </a:ext>
+            </a:extLst>
+          </p:cNvPr>
+          <p:cNvPicPr>
+            <a:picLocks noGrp="1" noChangeAspect="1"/>
+          </p:cNvPicPr>
+          <p:nvPr>
+            <p:ph idx="1"/>
+          </p:nvPr>
+        </p:nvPicPr>
+        <p:blipFill>
+          <a:blip r:embed="rId2"/>
+          <a:stretch>
+            <a:fillRect/>
+          </a:stretch>
+        </p:blipFill>
+        <p:spPr>
+          <a:xfrm>
+            <a:off x="858497" y="2846274"/>
+            <a:ext cx="10552121" cy="1638640"/>
+          </a:xfrm>
+          <a:prstGeom prst="rect">
+            <a:avLst/>
+          </a:prstGeom>
+        </p:spPr>
+      </p:pic>
+    </p:spTree>
+    <p:extLst>
+      <p:ext uri="{BB962C8B-B14F-4D97-AF65-F5344CB8AC3E}">
+        <p14:creationId xmlns:p14="http://schemas.microsoft.com/office/powerpoint/2010/main" val="3517385346"/>
+      </p:ext>
+    </p:extLst>
+  </p:cSld>
+  <p:clrMapOvr>
+    <a:masterClrMapping/>
+  </p:clrMapOvr>
+</p:sld>
+</file>
+
+<file path=ppt/slides/slide22.xml><?xml version="1.0" encoding="utf-8"?>
+<p:sld xmlns:a="http://schemas.openxmlformats.org/drawingml/2006/main" xmlns:r="http://schemas.openxmlformats.org/officeDocument/2006/relationships" xmlns:p="http://schemas.openxmlformats.org/presentationml/2006/main">
+  <p:cSld>
+    <p:spTree>
+      <p:nvGrpSpPr>
+        <p:cNvPr id="1" name=""/>
+        <p:cNvGrpSpPr/>
+        <p:nvPr/>
+      </p:nvGrpSpPr>
+      <p:grpSpPr>
+        <a:xfrm>
+          <a:off x="0" y="0"/>
+          <a:ext cx="0" cy="0"/>
+          <a:chOff x="0" y="0"/>
+          <a:chExt cx="0" cy="0"/>
+        </a:xfrm>
+      </p:grpSpPr>
+      <p:sp>
+        <p:nvSpPr>
+          <p:cNvPr id="2" name="Titre 1">
+            <a:extLst>
+              <a:ext uri="{FF2B5EF4-FFF2-40B4-BE49-F238E27FC236}">
+                <a16:creationId xmlns:a16="http://schemas.microsoft.com/office/drawing/2014/main" id="{7A10C808-F078-4EDE-B1BB-565577737CEF}"/>
+              </a:ext>
+            </a:extLst>
+          </p:cNvPr>
+          <p:cNvSpPr>
+            <a:spLocks noGrp="1"/>
+          </p:cNvSpPr>
+          <p:nvPr>
+            <p:ph type="title"/>
+          </p:nvPr>
+        </p:nvSpPr>
+        <p:spPr/>
+        <p:txBody>
+          <a:bodyPr/>
+          <a:lstStyle/>
+          <a:p>
+            <a:r>
+              <a:rPr lang="fr-FR" dirty="0"/>
+              <a:t>Détection des trames pilotes</a:t>
+            </a:r>
+          </a:p>
+        </p:txBody>
+      </p:sp>
+      <mc:AlternateContent xmlns:mc="http://schemas.openxmlformats.org/markup-compatibility/2006">
+        <mc:Choice xmlns:a14="http://schemas.microsoft.com/office/drawing/2010/main" Requires="a14">
+          <p:sp>
+            <p:nvSpPr>
+              <p:cNvPr id="3" name="Espace réservé du contenu 2">
+                <a:extLst>
+                  <a:ext uri="{FF2B5EF4-FFF2-40B4-BE49-F238E27FC236}">
+                    <a16:creationId xmlns:a16="http://schemas.microsoft.com/office/drawing/2014/main" id="{F05EAD1E-8649-4F03-896A-8F22F98DA6ED}"/>
+                  </a:ext>
+                </a:extLst>
+              </p:cNvPr>
+              <p:cNvSpPr>
+                <a:spLocks noGrp="1"/>
+              </p:cNvSpPr>
+              <p:nvPr>
+                <p:ph idx="1"/>
+              </p:nvPr>
+            </p:nvSpPr>
+            <p:spPr>
+              <a:xfrm>
+                <a:off x="645132" y="1524000"/>
+                <a:ext cx="9404722" cy="4724399"/>
+              </a:xfrm>
+            </p:spPr>
+            <p:txBody>
+              <a:bodyPr/>
+              <a:lstStyle/>
+              <a:p>
+                <a14:m>
+                  <m:oMath xmlns:m="http://schemas.openxmlformats.org/officeDocument/2006/math">
+                    <m:sSub>
+                      <m:sSubPr>
+                        <m:ctrlPr>
+                          <a:rPr lang="fr-FR" i="1"/>
+                        </m:ctrlPr>
+                      </m:sSubPr>
+                      <m:e>
+                        <m:r>
+                          <a:rPr lang="fr-FR" i="1"/>
+                          <m:t>𝑐</m:t>
+                        </m:r>
+                      </m:e>
+                      <m:sub>
+                        <m:r>
+                          <a:rPr lang="fr-FR" i="1"/>
+                          <m:t>𝑃𝑅𝐵𝑆</m:t>
+                        </m:r>
+                      </m:sub>
+                    </m:sSub>
+                    <m:r>
+                      <a:rPr lang="fr-FR" i="1"/>
+                      <m:t>=</m:t>
+                    </m:r>
+                    <m:f>
+                      <m:fPr>
+                        <m:ctrlPr>
+                          <a:rPr lang="fr-FR" i="1"/>
+                        </m:ctrlPr>
+                      </m:fPr>
+                      <m:num>
+                        <m:r>
+                          <a:rPr lang="fr-FR" i="1"/>
+                          <m:t>|&lt;</m:t>
+                        </m:r>
+                        <m:r>
+                          <a:rPr lang="fr-FR" i="1"/>
+                          <m:t>𝑃𝑅𝐵𝑆</m:t>
+                        </m:r>
+                        <m:r>
+                          <a:rPr lang="fr-FR" i="1"/>
+                          <m:t>,  </m:t>
+                        </m:r>
+                        <m:r>
+                          <a:rPr lang="fr-FR" i="1"/>
+                          <m:t>𝑡𝑟𝑎𝑚</m:t>
+                        </m:r>
+                        <m:sSub>
+                          <m:sSubPr>
+                            <m:ctrlPr>
+                              <a:rPr lang="fr-FR" i="1"/>
+                            </m:ctrlPr>
+                          </m:sSubPr>
+                          <m:e>
+                            <m:r>
+                              <a:rPr lang="fr-FR" i="1"/>
+                              <m:t>𝑒</m:t>
+                            </m:r>
+                          </m:e>
+                          <m:sub>
+                            <m:r>
+                              <a:rPr lang="fr-FR" i="1"/>
+                              <m:t>𝑒𝑡𝑢𝑑𝑖</m:t>
+                            </m:r>
+                            <m:r>
+                              <a:rPr lang="fr-FR" i="1"/>
+                              <m:t>é</m:t>
+                            </m:r>
+                            <m:r>
+                              <a:rPr lang="fr-FR" i="1"/>
+                              <m:t>𝑒</m:t>
+                            </m:r>
+                          </m:sub>
+                        </m:sSub>
+                        <m:r>
+                          <a:rPr lang="fr-FR" i="1"/>
+                          <m:t>&gt;|</m:t>
+                        </m:r>
+                      </m:num>
+                      <m:den>
+                        <m:d>
+                          <m:dPr>
+                            <m:begChr m:val="|"/>
+                            <m:endChr m:val="|"/>
+                            <m:ctrlPr>
+                              <a:rPr lang="fr-FR" i="1"/>
+                            </m:ctrlPr>
+                          </m:dPr>
+                          <m:e>
+                            <m:d>
+                              <m:dPr>
+                                <m:begChr m:val="|"/>
+                                <m:endChr m:val="|"/>
+                                <m:ctrlPr>
+                                  <a:rPr lang="fr-FR" i="1"/>
+                                </m:ctrlPr>
+                              </m:dPr>
+                              <m:e>
+                                <m:r>
+                                  <a:rPr lang="fr-FR" i="1"/>
+                                  <m:t>𝑃𝑅𝐵𝑆</m:t>
+                                </m:r>
+                              </m:e>
+                            </m:d>
+                          </m:e>
+                        </m:d>
+                        <m:r>
+                          <a:rPr lang="fr-FR" i="1"/>
+                          <m:t>.</m:t>
+                        </m:r>
+                        <m:d>
+                          <m:dPr>
+                            <m:begChr m:val="|"/>
+                            <m:endChr m:val="|"/>
+                            <m:ctrlPr>
+                              <a:rPr lang="fr-FR" i="1"/>
+                            </m:ctrlPr>
+                          </m:dPr>
+                          <m:e>
+                            <m:d>
+                              <m:dPr>
+                                <m:begChr m:val="|"/>
+                                <m:endChr m:val="|"/>
+                                <m:ctrlPr>
+                                  <a:rPr lang="fr-FR" i="1"/>
+                                </m:ctrlPr>
+                              </m:dPr>
+                              <m:e>
+                                <m:r>
+                                  <a:rPr lang="fr-FR" i="1"/>
+                                  <m:t>𝑡𝑟𝑎𝑚</m:t>
+                                </m:r>
+                                <m:sSub>
+                                  <m:sSubPr>
+                                    <m:ctrlPr>
+                                      <a:rPr lang="fr-FR" i="1"/>
+                                    </m:ctrlPr>
+                                  </m:sSubPr>
+                                  <m:e>
+                                    <m:r>
+                                      <a:rPr lang="fr-FR" i="1"/>
+                                      <m:t>𝑒</m:t>
+                                    </m:r>
+                                  </m:e>
+                                  <m:sub>
+                                    <m:r>
+                                      <a:rPr lang="fr-FR" i="1"/>
+                                      <m:t>é</m:t>
+                                    </m:r>
+                                    <m:r>
+                                      <a:rPr lang="fr-FR" i="1"/>
+                                      <m:t>𝑡𝑢𝑑𝑖</m:t>
+                                    </m:r>
+                                    <m:r>
+                                      <a:rPr lang="fr-FR" i="1"/>
+                                      <m:t>é</m:t>
+                                    </m:r>
+                                    <m:r>
+                                      <a:rPr lang="fr-FR" i="1"/>
+                                      <m:t>𝑒</m:t>
+                                    </m:r>
+                                  </m:sub>
+                                </m:sSub>
+                              </m:e>
+                            </m:d>
+                          </m:e>
+                        </m:d>
+                      </m:den>
+                    </m:f>
+                  </m:oMath>
+                </a14:m>
+                <a:endParaRPr lang="fr-FR" dirty="0"/>
+              </a:p>
+              <a:p>
+                <a:endParaRPr lang="fr-FR" dirty="0"/>
+              </a:p>
+            </p:txBody>
+          </p:sp>
+        </mc:Choice>
+        <mc:Fallback>
+          <p:sp>
+            <p:nvSpPr>
+              <p:cNvPr id="3" name="Espace réservé du contenu 2">
+                <a:extLst>
+                  <a:ext uri="{FF2B5EF4-FFF2-40B4-BE49-F238E27FC236}">
+                    <a16:creationId xmlns:a16="http://schemas.microsoft.com/office/drawing/2014/main" id="{F05EAD1E-8649-4F03-896A-8F22F98DA6ED}"/>
+                  </a:ext>
+                </a:extLst>
+              </p:cNvPr>
+              <p:cNvSpPr>
+                <a:spLocks noGrp="1" noRot="1" noChangeAspect="1" noMove="1" noResize="1" noEditPoints="1" noAdjustHandles="1" noChangeArrowheads="1" noChangeShapeType="1" noTextEdit="1"/>
+              </p:cNvSpPr>
+              <p:nvPr>
+                <p:ph idx="1"/>
+              </p:nvPr>
+            </p:nvSpPr>
+            <p:spPr>
+              <a:xfrm>
+                <a:off x="645132" y="1524000"/>
+                <a:ext cx="9404722" cy="4724399"/>
+              </a:xfrm>
+              <a:blipFill>
+                <a:blip r:embed="rId2"/>
+                <a:stretch>
+                  <a:fillRect/>
+                </a:stretch>
+              </a:blipFill>
+            </p:spPr>
+            <p:txBody>
+              <a:bodyPr/>
+              <a:lstStyle/>
+              <a:p>
+                <a:r>
+                  <a:rPr lang="fr-FR">
+                    <a:noFill/>
+                  </a:rPr>
+                  <a:t> </a:t>
+                </a:r>
+              </a:p>
+            </p:txBody>
+          </p:sp>
+        </mc:Fallback>
+      </mc:AlternateContent>
+      <p:pic>
+        <p:nvPicPr>
+          <p:cNvPr id="4" name="Image 3">
+            <a:extLst>
+              <a:ext uri="{FF2B5EF4-FFF2-40B4-BE49-F238E27FC236}">
+                <a16:creationId xmlns:a16="http://schemas.microsoft.com/office/drawing/2014/main" id="{E0D5DB2B-D193-4EAD-B5F1-4AFCA8328E0C}"/>
+              </a:ext>
+            </a:extLst>
+          </p:cNvPr>
+          <p:cNvPicPr/>
+          <p:nvPr/>
+        </p:nvPicPr>
+        <p:blipFill>
+          <a:blip r:embed="rId3"/>
+          <a:srcRect l="25877" t="19294" r="21225" b="34588"/>
+          <a:stretch>
+            <a:fillRect/>
+          </a:stretch>
+        </p:blipFill>
+        <p:spPr bwMode="auto">
+          <a:xfrm>
+            <a:off x="1048384" y="2272384"/>
+            <a:ext cx="8516529" cy="4273559"/>
+          </a:xfrm>
+          <a:prstGeom prst="rect">
+            <a:avLst/>
+          </a:prstGeom>
+          <a:noFill/>
+          <a:ln w="9525">
+            <a:solidFill>
+              <a:schemeClr val="tx1"/>
+            </a:solidFill>
+            <a:miter lim="800000"/>
+            <a:headEnd/>
+            <a:tailEnd/>
+          </a:ln>
+        </p:spPr>
+      </p:pic>
+    </p:spTree>
+    <p:extLst>
+      <p:ext uri="{BB962C8B-B14F-4D97-AF65-F5344CB8AC3E}">
+        <p14:creationId xmlns:p14="http://schemas.microsoft.com/office/powerpoint/2010/main" val="3897535362"/>
+      </p:ext>
+    </p:extLst>
+  </p:cSld>
+  <p:clrMapOvr>
+    <a:masterClrMapping/>
+  </p:clrMapOvr>
+</p:sld>
+</file>
+
+<file path=ppt/slides/slide23.xml><?xml version="1.0" encoding="utf-8"?>
+<p:sld xmlns:a="http://schemas.openxmlformats.org/drawingml/2006/main" xmlns:r="http://schemas.openxmlformats.org/officeDocument/2006/relationships" xmlns:p="http://schemas.openxmlformats.org/presentationml/2006/main">
+  <p:cSld>
+    <p:spTree>
+      <p:nvGrpSpPr>
+        <p:cNvPr id="1" name=""/>
+        <p:cNvGrpSpPr/>
+        <p:nvPr/>
+      </p:nvGrpSpPr>
+      <p:grpSpPr>
+        <a:xfrm>
+          <a:off x="0" y="0"/>
+          <a:ext cx="0" cy="0"/>
+          <a:chOff x="0" y="0"/>
+          <a:chExt cx="0" cy="0"/>
+        </a:xfrm>
+      </p:grpSpPr>
+      <p:sp>
+        <p:nvSpPr>
+          <p:cNvPr id="2" name="Titre 1">
+            <a:extLst>
+              <a:ext uri="{FF2B5EF4-FFF2-40B4-BE49-F238E27FC236}">
+                <a16:creationId xmlns:a16="http://schemas.microsoft.com/office/drawing/2014/main" id="{3F794526-2D71-4C79-93AE-3BDC444D5C6C}"/>
+              </a:ext>
+            </a:extLst>
+          </p:cNvPr>
+          <p:cNvSpPr>
+            <a:spLocks noGrp="1"/>
+          </p:cNvSpPr>
+          <p:nvPr>
+            <p:ph type="title"/>
+          </p:nvPr>
+        </p:nvSpPr>
+        <p:spPr/>
+        <p:txBody>
+          <a:bodyPr/>
+          <a:lstStyle/>
+          <a:p>
+            <a:endParaRPr lang="fr-FR"/>
+          </a:p>
+        </p:txBody>
+      </p:sp>
+      <p:sp>
+        <p:nvSpPr>
+          <p:cNvPr id="3" name="Espace réservé du contenu 2">
+            <a:extLst>
+              <a:ext uri="{FF2B5EF4-FFF2-40B4-BE49-F238E27FC236}">
+                <a16:creationId xmlns:a16="http://schemas.microsoft.com/office/drawing/2014/main" id="{53E8889A-8820-4E8D-A235-F68EB0868DDB}"/>
+              </a:ext>
+            </a:extLst>
+          </p:cNvPr>
+          <p:cNvSpPr>
+            <a:spLocks noGrp="1"/>
+          </p:cNvSpPr>
+          <p:nvPr>
+            <p:ph idx="1"/>
+          </p:nvPr>
+        </p:nvSpPr>
+        <p:spPr/>
+        <p:txBody>
+          <a:bodyPr/>
+          <a:lstStyle/>
+          <a:p>
+            <a:endParaRPr lang="fr-FR"/>
+          </a:p>
+        </p:txBody>
+      </p:sp>
+    </p:spTree>
+    <p:extLst>
+      <p:ext uri="{BB962C8B-B14F-4D97-AF65-F5344CB8AC3E}">
+        <p14:creationId xmlns:p14="http://schemas.microsoft.com/office/powerpoint/2010/main" val="2410378068"/>
+      </p:ext>
+    </p:extLst>
+  </p:cSld>
+  <p:clrMapOvr>
+    <a:masterClrMapping/>
+  </p:clrMapOvr>
+</p:sld>
+</file>
+
+<file path=ppt/slides/slide3.xml><?xml version="1.0" encoding="utf-8"?>
+<p:sld xmlns:a="http://schemas.openxmlformats.org/drawingml/2006/main" xmlns:r="http://schemas.openxmlformats.org/officeDocument/2006/relationships" xmlns:p="http://schemas.openxmlformats.org/presentationml/2006/main">
+  <p:cSld>
+    <p:spTree>
+      <p:nvGrpSpPr>
+        <p:cNvPr id="1" name=""/>
+        <p:cNvGrpSpPr/>
+        <p:nvPr/>
+      </p:nvGrpSpPr>
+      <p:grpSpPr>
+        <a:xfrm>
+          <a:off x="0" y="0"/>
+          <a:ext cx="0" cy="0"/>
+          <a:chOff x="0" y="0"/>
+          <a:chExt cx="0" cy="0"/>
+        </a:xfrm>
+      </p:grpSpPr>
+      <p:sp>
+        <p:nvSpPr>
+          <p:cNvPr id="2" name="Titre 1">
+            <a:extLst>
+              <a:ext uri="{FF2B5EF4-FFF2-40B4-BE49-F238E27FC236}">
+                <a16:creationId xmlns:a16="http://schemas.microsoft.com/office/drawing/2014/main" id="{84E1961A-DC1E-4E16-9A2C-A2F6CC711471}"/>
+              </a:ext>
+            </a:extLst>
+          </p:cNvPr>
+          <p:cNvSpPr>
+            <a:spLocks noGrp="1"/>
+          </p:cNvSpPr>
+          <p:nvPr>
+            <p:ph type="title"/>
+          </p:nvPr>
+        </p:nvSpPr>
+        <p:spPr/>
+        <p:txBody>
+          <a:bodyPr/>
+          <a:lstStyle/>
+          <a:p>
+            <a:endParaRPr lang="fr-FR"/>
+          </a:p>
+        </p:txBody>
+      </p:sp>
+      <p:sp>
+        <p:nvSpPr>
+          <p:cNvPr id="3" name="Espace réservé du contenu 2">
+            <a:extLst>
+              <a:ext uri="{FF2B5EF4-FFF2-40B4-BE49-F238E27FC236}">
+                <a16:creationId xmlns:a16="http://schemas.microsoft.com/office/drawing/2014/main" id="{381AEDF8-102C-4BB6-9B00-283C59278689}"/>
+              </a:ext>
+            </a:extLst>
+          </p:cNvPr>
+          <p:cNvSpPr>
+            <a:spLocks noGrp="1"/>
+          </p:cNvSpPr>
+          <p:nvPr>
+            <p:ph idx="1"/>
+          </p:nvPr>
+        </p:nvSpPr>
+        <p:spPr/>
+        <p:txBody>
+          <a:bodyPr/>
+          <a:lstStyle/>
+          <a:p>
+            <a:endParaRPr lang="fr-FR"/>
+          </a:p>
+        </p:txBody>
+      </p:sp>
+    </p:spTree>
+    <p:extLst>
+      <p:ext uri="{BB962C8B-B14F-4D97-AF65-F5344CB8AC3E}">
+        <p14:creationId xmlns:p14="http://schemas.microsoft.com/office/powerpoint/2010/main" val="885388928"/>
+      </p:ext>
+    </p:extLst>
+  </p:cSld>
+  <p:clrMapOvr>
+    <a:masterClrMapping/>
+  </p:clrMapOvr>
+</p:sld>
+</file>
+
+<file path=ppt/slides/slide4.xml><?xml version="1.0" encoding="utf-8"?>
+<p:sld xmlns:a="http://schemas.openxmlformats.org/drawingml/2006/main" xmlns:r="http://schemas.openxmlformats.org/officeDocument/2006/relationships" xmlns:p="http://schemas.openxmlformats.org/presentationml/2006/main">
+  <p:cSld>
+    <p:spTree>
+      <p:nvGrpSpPr>
+        <p:cNvPr id="1" name=""/>
+        <p:cNvGrpSpPr/>
+        <p:nvPr/>
+      </p:nvGrpSpPr>
+      <p:grpSpPr>
+        <a:xfrm>
+          <a:off x="0" y="0"/>
+          <a:ext cx="0" cy="0"/>
+          <a:chOff x="0" y="0"/>
+          <a:chExt cx="0" cy="0"/>
+        </a:xfrm>
+      </p:grpSpPr>
+      <p:sp>
+        <p:nvSpPr>
+          <p:cNvPr id="2" name="Titre 1">
+            <a:extLst>
+              <a:ext uri="{FF2B5EF4-FFF2-40B4-BE49-F238E27FC236}">
+                <a16:creationId xmlns:a16="http://schemas.microsoft.com/office/drawing/2014/main" id="{4B44F1C4-93E0-4AA5-8324-7A5B212FACCD}"/>
+              </a:ext>
+            </a:extLst>
+          </p:cNvPr>
+          <p:cNvSpPr>
+            <a:spLocks noGrp="1"/>
+          </p:cNvSpPr>
+          <p:nvPr>
+            <p:ph type="title"/>
+          </p:nvPr>
+        </p:nvSpPr>
+        <p:spPr/>
+        <p:txBody>
+          <a:bodyPr/>
+          <a:lstStyle/>
+          <a:p>
+            <a:r>
+              <a:rPr lang="fr-FR" dirty="0"/>
+              <a:t>II/. Fonctionnement de la chaine de communication</a:t>
+            </a:r>
+          </a:p>
+        </p:txBody>
+      </p:sp>
+      <p:sp>
+        <p:nvSpPr>
+          <p:cNvPr id="3" name="Espace réservé du texte 2">
+            <a:extLst>
+              <a:ext uri="{FF2B5EF4-FFF2-40B4-BE49-F238E27FC236}">
+                <a16:creationId xmlns:a16="http://schemas.microsoft.com/office/drawing/2014/main" id="{76FBC657-301F-42F9-B6BE-F5E87C8C5C23}"/>
+              </a:ext>
+            </a:extLst>
+          </p:cNvPr>
+          <p:cNvSpPr>
+            <a:spLocks noGrp="1"/>
+          </p:cNvSpPr>
+          <p:nvPr>
+            <p:ph type="body" idx="1"/>
+          </p:nvPr>
+        </p:nvSpPr>
+        <p:spPr/>
+        <p:txBody>
+          <a:bodyPr/>
+          <a:lstStyle/>
+          <a:p>
+            <a:endParaRPr lang="fr-FR"/>
+          </a:p>
+        </p:txBody>
+      </p:sp>
+    </p:spTree>
+    <p:extLst>
+      <p:ext uri="{BB962C8B-B14F-4D97-AF65-F5344CB8AC3E}">
+        <p14:creationId xmlns:p14="http://schemas.microsoft.com/office/powerpoint/2010/main" val="2916007136"/>
+      </p:ext>
+    </p:extLst>
+  </p:cSld>
+  <p:clrMapOvr>
+    <a:masterClrMapping/>
+  </p:clrMapOvr>
+</p:sld>
+</file>
+
+<file path=ppt/slides/slide5.xml><?xml version="1.0" encoding="utf-8"?>
+<p:sld xmlns:a="http://schemas.openxmlformats.org/drawingml/2006/main" xmlns:r="http://schemas.openxmlformats.org/officeDocument/2006/relationships" xmlns:p="http://schemas.openxmlformats.org/presentationml/2006/main">
+  <p:cSld>
+    <p:spTree>
+      <p:nvGrpSpPr>
+        <p:cNvPr id="1" name=""/>
+        <p:cNvGrpSpPr/>
+        <p:nvPr/>
+      </p:nvGrpSpPr>
+      <p:grpSpPr>
+        <a:xfrm>
+          <a:off x="0" y="0"/>
+          <a:ext cx="0" cy="0"/>
+          <a:chOff x="0" y="0"/>
+          <a:chExt cx="0" cy="0"/>
+        </a:xfrm>
+      </p:grpSpPr>
+      <p:sp>
+        <p:nvSpPr>
+          <p:cNvPr id="2" name="Titre 1">
+            <a:extLst>
+              <a:ext uri="{FF2B5EF4-FFF2-40B4-BE49-F238E27FC236}">
+                <a16:creationId xmlns:a16="http://schemas.microsoft.com/office/drawing/2014/main" id="{80FEF15E-6B65-4EC1-A906-38598A8E5031}"/>
+              </a:ext>
+            </a:extLst>
+          </p:cNvPr>
+          <p:cNvSpPr>
+            <a:spLocks noGrp="1"/>
+          </p:cNvSpPr>
+          <p:nvPr>
+            <p:ph type="title"/>
+          </p:nvPr>
+        </p:nvSpPr>
+        <p:spPr/>
+        <p:txBody>
+          <a:bodyPr/>
+          <a:lstStyle/>
+          <a:p>
+            <a:endParaRPr lang="fr-FR" dirty="0"/>
+          </a:p>
+        </p:txBody>
+      </p:sp>
+      <p:sp>
+        <p:nvSpPr>
+          <p:cNvPr id="3" name="Espace réservé du contenu 2">
+            <a:extLst>
+              <a:ext uri="{FF2B5EF4-FFF2-40B4-BE49-F238E27FC236}">
+                <a16:creationId xmlns:a16="http://schemas.microsoft.com/office/drawing/2014/main" id="{DCF421A8-C962-45E4-A907-85505FFFBCBA}"/>
+              </a:ext>
+            </a:extLst>
+          </p:cNvPr>
+          <p:cNvSpPr>
+            <a:spLocks noGrp="1"/>
+          </p:cNvSpPr>
+          <p:nvPr>
+            <p:ph idx="1"/>
+          </p:nvPr>
+        </p:nvSpPr>
+        <p:spPr/>
+        <p:txBody>
+          <a:bodyPr/>
+          <a:lstStyle/>
+          <a:p>
+            <a:endParaRPr lang="fr-FR"/>
+          </a:p>
+        </p:txBody>
+      </p:sp>
+    </p:spTree>
+    <p:extLst>
+      <p:ext uri="{BB962C8B-B14F-4D97-AF65-F5344CB8AC3E}">
+        <p14:creationId xmlns:p14="http://schemas.microsoft.com/office/powerpoint/2010/main" val="310520226"/>
+      </p:ext>
+    </p:extLst>
+  </p:cSld>
+  <p:clrMapOvr>
+    <a:masterClrMapping/>
+  </p:clrMapOvr>
+</p:sld>
+</file>
+
+<file path=ppt/slides/slide6.xml><?xml version="1.0" encoding="utf-8"?>
+<p:sld xmlns:a="http://schemas.openxmlformats.org/drawingml/2006/main" xmlns:r="http://schemas.openxmlformats.org/officeDocument/2006/relationships" xmlns:p="http://schemas.openxmlformats.org/presentationml/2006/main">
+  <p:cSld>
+    <p:spTree>
+      <p:nvGrpSpPr>
+        <p:cNvPr id="1" name=""/>
+        <p:cNvGrpSpPr/>
+        <p:nvPr/>
+      </p:nvGrpSpPr>
+      <p:grpSpPr>
+        <a:xfrm>
+          <a:off x="0" y="0"/>
+          <a:ext cx="0" cy="0"/>
+          <a:chOff x="0" y="0"/>
+          <a:chExt cx="0" cy="0"/>
+        </a:xfrm>
+      </p:grpSpPr>
+      <p:pic>
+        <p:nvPicPr>
+          <p:cNvPr id="5" name="Image 4">
+            <a:extLst>
+              <a:ext uri="{FF2B5EF4-FFF2-40B4-BE49-F238E27FC236}">
+                <a16:creationId xmlns:a16="http://schemas.microsoft.com/office/drawing/2014/main" id="{2C3FE170-62D1-493C-9205-7E0231AFCE79}"/>
+              </a:ext>
+            </a:extLst>
+          </p:cNvPr>
+          <p:cNvPicPr>
+            <a:picLocks noChangeAspect="1"/>
+          </p:cNvPicPr>
+          <p:nvPr/>
+        </p:nvPicPr>
+        <p:blipFill>
+          <a:blip r:embed="rId2"/>
+          <a:stretch>
+            <a:fillRect/>
+          </a:stretch>
+        </p:blipFill>
+        <p:spPr>
+          <a:xfrm>
+            <a:off x="889234" y="1188090"/>
+            <a:ext cx="10008189" cy="5253606"/>
+          </a:xfrm>
+          <a:prstGeom prst="rect">
+            <a:avLst/>
+          </a:prstGeom>
+        </p:spPr>
+      </p:pic>
+    </p:spTree>
+    <p:extLst>
+      <p:ext uri="{BB962C8B-B14F-4D97-AF65-F5344CB8AC3E}">
+        <p14:creationId xmlns:p14="http://schemas.microsoft.com/office/powerpoint/2010/main" val="3891562475"/>
+      </p:ext>
+    </p:extLst>
+  </p:cSld>
+  <p:clrMapOvr>
+    <a:masterClrMapping/>
+  </p:clrMapOvr>
+</p:sld>
+</file>
+
+<file path=ppt/slides/slide7.xml><?xml version="1.0" encoding="utf-8"?>
+<p:sld xmlns:a="http://schemas.openxmlformats.org/drawingml/2006/main" xmlns:r="http://schemas.openxmlformats.org/officeDocument/2006/relationships" xmlns:p="http://schemas.openxmlformats.org/presentationml/2006/main">
+  <p:cSld>
+    <p:spTree>
+      <p:nvGrpSpPr>
+        <p:cNvPr id="1" name=""/>
+        <p:cNvGrpSpPr/>
+        <p:nvPr/>
+      </p:nvGrpSpPr>
+      <p:grpSpPr>
+        <a:xfrm>
+          <a:off x="0" y="0"/>
+          <a:ext cx="0" cy="0"/>
+          <a:chOff x="0" y="0"/>
+          <a:chExt cx="0" cy="0"/>
+        </a:xfrm>
+      </p:grpSpPr>
+      <p:sp>
+        <p:nvSpPr>
+          <p:cNvPr id="2" name="Titre 1">
+            <a:extLst>
+              <a:ext uri="{FF2B5EF4-FFF2-40B4-BE49-F238E27FC236}">
+                <a16:creationId xmlns:a16="http://schemas.microsoft.com/office/drawing/2014/main" id="{2EF98E45-FB1A-402C-A055-E23D7B93FE38}"/>
+              </a:ext>
+            </a:extLst>
+          </p:cNvPr>
+          <p:cNvSpPr>
+            <a:spLocks noGrp="1"/>
+          </p:cNvSpPr>
+          <p:nvPr>
+            <p:ph type="title"/>
+          </p:nvPr>
+        </p:nvSpPr>
+        <p:spPr/>
+        <p:txBody>
+          <a:bodyPr/>
+          <a:lstStyle/>
+          <a:p>
+            <a:r>
+              <a:rPr lang="fr-FR" dirty="0"/>
+              <a:t>III/. Méthodes et algorithmes mis en place</a:t>
+            </a:r>
+          </a:p>
+        </p:txBody>
+      </p:sp>
+      <p:sp>
+        <p:nvSpPr>
+          <p:cNvPr id="3" name="Espace réservé du texte 2">
+            <a:extLst>
+              <a:ext uri="{FF2B5EF4-FFF2-40B4-BE49-F238E27FC236}">
+                <a16:creationId xmlns:a16="http://schemas.microsoft.com/office/drawing/2014/main" id="{39D28285-5E4F-48E9-B1F0-84BD0AEFBE7F}"/>
+              </a:ext>
+            </a:extLst>
+          </p:cNvPr>
+          <p:cNvSpPr>
+            <a:spLocks noGrp="1"/>
+          </p:cNvSpPr>
+          <p:nvPr>
+            <p:ph type="body" idx="1"/>
+          </p:nvPr>
+        </p:nvSpPr>
+        <p:spPr/>
+        <p:txBody>
+          <a:bodyPr/>
+          <a:lstStyle/>
+          <a:p>
+            <a:endParaRPr lang="fr-FR"/>
+          </a:p>
+        </p:txBody>
+      </p:sp>
+    </p:spTree>
+    <p:extLst>
+      <p:ext uri="{BB962C8B-B14F-4D97-AF65-F5344CB8AC3E}">
+        <p14:creationId xmlns:p14="http://schemas.microsoft.com/office/powerpoint/2010/main" val="3323465448"/>
+      </p:ext>
+    </p:extLst>
+  </p:cSld>
+  <p:clrMapOvr>
+    <a:masterClrMapping/>
+  </p:clrMapOvr>
+</p:sld>
+</file>
+
+<file path=ppt/slides/slide8.xml><?xml version="1.0" encoding="utf-8"?>
+<p:sld xmlns:a="http://schemas.openxmlformats.org/drawingml/2006/main" xmlns:r="http://schemas.openxmlformats.org/officeDocument/2006/relationships" xmlns:p="http://schemas.openxmlformats.org/presentationml/2006/main">
+  <p:cSld>
+    <p:spTree>
+      <p:nvGrpSpPr>
+        <p:cNvPr id="1" name=""/>
+        <p:cNvGrpSpPr/>
+        <p:nvPr/>
+      </p:nvGrpSpPr>
+      <p:grpSpPr>
+        <a:xfrm>
+          <a:off x="0" y="0"/>
+          <a:ext cx="0" cy="0"/>
+          <a:chOff x="0" y="0"/>
+          <a:chExt cx="0" cy="0"/>
+        </a:xfrm>
+      </p:grpSpPr>
+      <p:sp>
+        <p:nvSpPr>
+          <p:cNvPr id="6" name="Rectangle 5">
+            <a:extLst>
+              <a:ext uri="{FF2B5EF4-FFF2-40B4-BE49-F238E27FC236}">
+                <a16:creationId xmlns:a16="http://schemas.microsoft.com/office/drawing/2014/main" id="{D5890965-C1EB-4FBA-9223-1FA3D538EAC8}"/>
+              </a:ext>
+            </a:extLst>
+          </p:cNvPr>
+          <p:cNvSpPr/>
+          <p:nvPr/>
+        </p:nvSpPr>
+        <p:spPr>
+          <a:xfrm>
+            <a:off x="3326746" y="2563355"/>
+            <a:ext cx="1785950" cy="2357454"/>
+          </a:xfrm>
+          <a:prstGeom prst="rect">
+            <a:avLst/>
+          </a:prstGeom>
+          <a:solidFill>
+            <a:schemeClr val="bg2">
+              <a:lumMod val="90000"/>
+            </a:schemeClr>
+          </a:solidFill>
+          <a:ln>
+            <a:solidFill>
+              <a:schemeClr val="tx1"/>
+            </a:solidFill>
+          </a:ln>
+        </p:spPr>
+        <p:style>
+          <a:lnRef idx="2">
+            <a:schemeClr val="accent1">
+              <a:shade val="50000"/>
+            </a:schemeClr>
+          </a:lnRef>
+          <a:fillRef idx="1">
+            <a:schemeClr val="accent1"/>
+          </a:fillRef>
+          <a:effectRef idx="0">
+            <a:schemeClr val="accent1"/>
+          </a:effectRef>
+          <a:fontRef idx="minor">
+            <a:schemeClr val="lt1"/>
+          </a:fontRef>
+        </p:style>
+        <p:txBody>
+          <a:bodyPr rtlCol="0" anchor="ctr"/>
+          <a:lstStyle/>
+          <a:p>
+            <a:pPr algn="ctr"/>
+            <a:endParaRPr lang="fr-FR"/>
+          </a:p>
+        </p:txBody>
+      </p:sp>
+      <p:cxnSp>
+        <p:nvCxnSpPr>
+          <p:cNvPr id="7" name="Connecteur droit 6">
+            <a:extLst>
+              <a:ext uri="{FF2B5EF4-FFF2-40B4-BE49-F238E27FC236}">
+                <a16:creationId xmlns:a16="http://schemas.microsoft.com/office/drawing/2014/main" id="{3BB95F63-9BC5-45A3-9FA9-C62DA5717A7D}"/>
+              </a:ext>
+            </a:extLst>
+          </p:cNvPr>
+          <p:cNvCxnSpPr/>
+          <p:nvPr/>
+        </p:nvCxnSpPr>
+        <p:spPr>
+          <a:xfrm rot="5400000">
+            <a:off x="9114018" y="1133801"/>
+            <a:ext cx="857256" cy="1588"/>
+          </a:xfrm>
+          <a:prstGeom prst="line">
+            <a:avLst/>
+          </a:prstGeom>
+          <a:ln w="28575">
+            <a:solidFill>
+              <a:schemeClr val="tx1"/>
+            </a:solidFill>
+          </a:ln>
+        </p:spPr>
+        <p:style>
+          <a:lnRef idx="1">
+            <a:schemeClr val="accent1"/>
+          </a:lnRef>
+          <a:fillRef idx="0">
+            <a:schemeClr val="accent1"/>
+          </a:fillRef>
+          <a:effectRef idx="0">
+            <a:schemeClr val="accent1"/>
+          </a:effectRef>
+          <a:fontRef idx="minor">
+            <a:schemeClr val="tx1"/>
+          </a:fontRef>
+        </p:style>
+      </p:cxnSp>
+      <p:sp>
+        <p:nvSpPr>
+          <p:cNvPr id="8" name="Triangle isocèle 7">
+            <a:extLst>
+              <a:ext uri="{FF2B5EF4-FFF2-40B4-BE49-F238E27FC236}">
+                <a16:creationId xmlns:a16="http://schemas.microsoft.com/office/drawing/2014/main" id="{F73AB156-8269-4C25-9CCB-54043660E0B8}"/>
+              </a:ext>
+            </a:extLst>
+          </p:cNvPr>
+          <p:cNvSpPr/>
+          <p:nvPr/>
+        </p:nvSpPr>
+        <p:spPr>
+          <a:xfrm rot="10800000">
+            <a:off x="9470414" y="563091"/>
+            <a:ext cx="142876" cy="142876"/>
+          </a:xfrm>
+          <a:prstGeom prst="triangle">
+            <a:avLst/>
+          </a:prstGeom>
+          <a:solidFill>
+            <a:schemeClr val="tx1"/>
+          </a:solidFill>
+          <a:ln>
+            <a:solidFill>
+              <a:schemeClr val="tx1"/>
+            </a:solidFill>
+          </a:ln>
+        </p:spPr>
+        <p:style>
+          <a:lnRef idx="2">
+            <a:schemeClr val="accent1">
+              <a:shade val="50000"/>
+            </a:schemeClr>
+          </a:lnRef>
+          <a:fillRef idx="1">
+            <a:schemeClr val="accent1"/>
+          </a:fillRef>
+          <a:effectRef idx="0">
+            <a:schemeClr val="accent1"/>
+          </a:effectRef>
+          <a:fontRef idx="minor">
+            <a:schemeClr val="lt1"/>
+          </a:fontRef>
+        </p:style>
+        <p:txBody>
+          <a:bodyPr rtlCol="0" anchor="ctr"/>
+          <a:lstStyle/>
+          <a:p>
+            <a:pPr algn="ctr"/>
+            <a:endParaRPr lang="fr-FR"/>
+          </a:p>
+        </p:txBody>
+      </p:sp>
+      <p:sp>
+        <p:nvSpPr>
+          <p:cNvPr id="9" name="ZoneTexte 8">
+            <a:extLst>
+              <a:ext uri="{FF2B5EF4-FFF2-40B4-BE49-F238E27FC236}">
+                <a16:creationId xmlns:a16="http://schemas.microsoft.com/office/drawing/2014/main" id="{B5FE4280-6173-42A9-8329-122795F197D7}"/>
+              </a:ext>
+            </a:extLst>
+          </p:cNvPr>
+          <p:cNvSpPr txBox="1"/>
+          <p:nvPr/>
+        </p:nvSpPr>
+        <p:spPr>
+          <a:xfrm>
+            <a:off x="2469490" y="205901"/>
+            <a:ext cx="5715040" cy="461665"/>
+          </a:xfrm>
+          <a:prstGeom prst="rect">
+            <a:avLst/>
+          </a:prstGeom>
+          <a:solidFill>
+            <a:schemeClr val="accent2">
+              <a:lumMod val="75000"/>
+            </a:schemeClr>
+          </a:solidFill>
+          <a:ln>
+            <a:solidFill>
+              <a:schemeClr val="accent2">
+                <a:lumMod val="50000"/>
+              </a:schemeClr>
+            </a:solidFill>
+          </a:ln>
+        </p:spPr>
+        <p:txBody>
+          <a:bodyPr wrap="square" rtlCol="0">
+            <a:spAutoFit/>
+          </a:bodyPr>
+          <a:lstStyle/>
+          <a:p>
+            <a:pPr algn="ctr"/>
+            <a:r>
+              <a:rPr lang="fr-FR" sz="2400" dirty="0">
+                <a:solidFill>
+                  <a:schemeClr val="bg1"/>
+                </a:solidFill>
+                <a:latin typeface="Rockwell" pitchFamily="18" charset="0"/>
+              </a:rPr>
+              <a:t>Schéma de la chaîne d’émission</a:t>
+            </a:r>
+            <a:endParaRPr lang="fr-FR" dirty="0">
+              <a:solidFill>
+                <a:schemeClr val="bg1"/>
+              </a:solidFill>
+              <a:latin typeface="Rockwell" pitchFamily="18" charset="0"/>
+            </a:endParaRPr>
+          </a:p>
+        </p:txBody>
+      </p:sp>
+      <p:cxnSp>
+        <p:nvCxnSpPr>
+          <p:cNvPr id="10" name="Connecteur droit 9">
+            <a:extLst>
+              <a:ext uri="{FF2B5EF4-FFF2-40B4-BE49-F238E27FC236}">
+                <a16:creationId xmlns:a16="http://schemas.microsoft.com/office/drawing/2014/main" id="{2CCD4EEC-BCEF-4690-93F1-42CDDBEFD4C3}"/>
+              </a:ext>
+            </a:extLst>
+          </p:cNvPr>
+          <p:cNvCxnSpPr/>
+          <p:nvPr/>
+        </p:nvCxnSpPr>
+        <p:spPr>
+          <a:xfrm rot="10800000">
+            <a:off x="9256100" y="1563223"/>
+            <a:ext cx="285752" cy="1588"/>
+          </a:xfrm>
+          <a:prstGeom prst="line">
+            <a:avLst/>
+          </a:prstGeom>
+          <a:ln w="28575">
+            <a:solidFill>
+              <a:schemeClr val="tx1"/>
+            </a:solidFill>
+          </a:ln>
+        </p:spPr>
+        <p:style>
+          <a:lnRef idx="1">
+            <a:schemeClr val="accent1"/>
+          </a:lnRef>
+          <a:fillRef idx="0">
+            <a:schemeClr val="accent1"/>
+          </a:fillRef>
+          <a:effectRef idx="0">
+            <a:schemeClr val="accent1"/>
+          </a:effectRef>
+          <a:fontRef idx="minor">
+            <a:schemeClr val="tx1"/>
+          </a:fontRef>
+        </p:style>
+      </p:cxnSp>
+      <p:sp>
+        <p:nvSpPr>
+          <p:cNvPr id="11" name="Rectangle 10">
+            <a:extLst>
+              <a:ext uri="{FF2B5EF4-FFF2-40B4-BE49-F238E27FC236}">
+                <a16:creationId xmlns:a16="http://schemas.microsoft.com/office/drawing/2014/main" id="{542A5ABB-4DBB-4B29-83AE-EDEF2FE2DAF3}"/>
+              </a:ext>
+            </a:extLst>
+          </p:cNvPr>
+          <p:cNvSpPr/>
+          <p:nvPr/>
+        </p:nvSpPr>
+        <p:spPr>
+          <a:xfrm>
+            <a:off x="6112828" y="1277471"/>
+            <a:ext cx="1214446" cy="642942"/>
+          </a:xfrm>
+          <a:prstGeom prst="rect">
+            <a:avLst/>
+          </a:prstGeom>
+          <a:noFill/>
+          <a:ln>
+            <a:solidFill>
+              <a:schemeClr val="tx1"/>
+            </a:solidFill>
+          </a:ln>
+        </p:spPr>
+        <p:style>
+          <a:lnRef idx="2">
+            <a:schemeClr val="accent1">
+              <a:shade val="50000"/>
+            </a:schemeClr>
+          </a:lnRef>
+          <a:fillRef idx="1">
+            <a:schemeClr val="accent1"/>
+          </a:fillRef>
+          <a:effectRef idx="0">
+            <a:schemeClr val="accent1"/>
+          </a:effectRef>
+          <a:fontRef idx="minor">
+            <a:schemeClr val="lt1"/>
+          </a:fontRef>
+        </p:style>
+        <p:txBody>
+          <a:bodyPr rtlCol="0" anchor="ctr"/>
+          <a:lstStyle/>
+          <a:p>
+            <a:pPr algn="ctr"/>
+            <a:endParaRPr lang="fr-FR"/>
+          </a:p>
+        </p:txBody>
+      </p:sp>
+      <p:cxnSp>
+        <p:nvCxnSpPr>
+          <p:cNvPr id="12" name="Connecteur droit 11">
+            <a:extLst>
+              <a:ext uri="{FF2B5EF4-FFF2-40B4-BE49-F238E27FC236}">
+                <a16:creationId xmlns:a16="http://schemas.microsoft.com/office/drawing/2014/main" id="{F1D85BE6-7E4B-4D55-B4F2-E99EFB71E6F4}"/>
+              </a:ext>
+            </a:extLst>
+          </p:cNvPr>
+          <p:cNvCxnSpPr/>
+          <p:nvPr/>
+        </p:nvCxnSpPr>
+        <p:spPr>
+          <a:xfrm>
+            <a:off x="7327274" y="1563223"/>
+            <a:ext cx="428628" cy="1588"/>
+          </a:xfrm>
+          <a:prstGeom prst="line">
+            <a:avLst/>
+          </a:prstGeom>
+          <a:ln w="28575">
+            <a:solidFill>
+              <a:schemeClr val="tx1"/>
+            </a:solidFill>
+          </a:ln>
+        </p:spPr>
+        <p:style>
+          <a:lnRef idx="1">
+            <a:schemeClr val="accent1"/>
+          </a:lnRef>
+          <a:fillRef idx="0">
+            <a:schemeClr val="accent1"/>
+          </a:fillRef>
+          <a:effectRef idx="0">
+            <a:schemeClr val="accent1"/>
+          </a:effectRef>
+          <a:fontRef idx="minor">
+            <a:schemeClr val="tx1"/>
+          </a:fontRef>
+        </p:style>
+      </p:cxnSp>
+      <p:sp>
+        <p:nvSpPr>
+          <p:cNvPr id="13" name="ZoneTexte 12">
+            <a:extLst>
+              <a:ext uri="{FF2B5EF4-FFF2-40B4-BE49-F238E27FC236}">
+                <a16:creationId xmlns:a16="http://schemas.microsoft.com/office/drawing/2014/main" id="{977D9A6C-54B4-46A3-8038-199A19FB655E}"/>
+              </a:ext>
+            </a:extLst>
+          </p:cNvPr>
+          <p:cNvSpPr txBox="1"/>
+          <p:nvPr/>
+        </p:nvSpPr>
+        <p:spPr>
+          <a:xfrm>
+            <a:off x="6112828" y="1348909"/>
+            <a:ext cx="1214446" cy="400110"/>
+          </a:xfrm>
+          <a:prstGeom prst="rect">
+            <a:avLst/>
+          </a:prstGeom>
+          <a:noFill/>
+        </p:spPr>
+        <p:txBody>
+          <a:bodyPr wrap="square" rtlCol="0">
+            <a:spAutoFit/>
+          </a:bodyPr>
+          <a:lstStyle/>
+          <a:p>
+            <a:pPr algn="ctr"/>
+            <a:r>
+              <a:rPr lang="fr-FR" sz="1000" dirty="0">
+                <a:latin typeface="Arial" pitchFamily="34" charset="0"/>
+                <a:cs typeface="Arial" pitchFamily="34" charset="0"/>
+              </a:rPr>
+              <a:t>Insertion des préfixes cycliques</a:t>
+            </a:r>
+          </a:p>
+        </p:txBody>
+      </p:sp>
+      <p:sp>
+        <p:nvSpPr>
+          <p:cNvPr id="14" name="Rectangle 13">
+            <a:extLst>
+              <a:ext uri="{FF2B5EF4-FFF2-40B4-BE49-F238E27FC236}">
+                <a16:creationId xmlns:a16="http://schemas.microsoft.com/office/drawing/2014/main" id="{8EA31F35-8083-4143-9C6F-E16894BEB11D}"/>
+              </a:ext>
+            </a:extLst>
+          </p:cNvPr>
+          <p:cNvSpPr/>
+          <p:nvPr/>
+        </p:nvSpPr>
+        <p:spPr>
+          <a:xfrm>
+            <a:off x="4398316" y="3102525"/>
+            <a:ext cx="267893" cy="318085"/>
+          </a:xfrm>
+          <a:prstGeom prst="rect">
+            <a:avLst/>
+          </a:prstGeom>
+          <a:solidFill>
+            <a:schemeClr val="bg1"/>
+          </a:solidFill>
+          <a:ln w="12700">
+            <a:solidFill>
+              <a:schemeClr val="tx1"/>
+            </a:solidFill>
+          </a:ln>
+        </p:spPr>
+        <p:style>
+          <a:lnRef idx="2">
+            <a:schemeClr val="accent1">
+              <a:shade val="50000"/>
+            </a:schemeClr>
+          </a:lnRef>
+          <a:fillRef idx="1">
+            <a:schemeClr val="accent1"/>
+          </a:fillRef>
+          <a:effectRef idx="0">
+            <a:schemeClr val="accent1"/>
+          </a:effectRef>
+          <a:fontRef idx="minor">
+            <a:schemeClr val="lt1"/>
+          </a:fontRef>
+        </p:style>
+        <p:txBody>
+          <a:bodyPr rtlCol="0" anchor="ctr"/>
+          <a:lstStyle/>
+          <a:p>
+            <a:pPr algn="ctr"/>
+            <a:endParaRPr lang="fr-FR"/>
+          </a:p>
+        </p:txBody>
+      </p:sp>
+      <p:sp>
+        <p:nvSpPr>
+          <p:cNvPr id="15" name="Rectangle 14">
+            <a:extLst>
+              <a:ext uri="{FF2B5EF4-FFF2-40B4-BE49-F238E27FC236}">
+                <a16:creationId xmlns:a16="http://schemas.microsoft.com/office/drawing/2014/main" id="{02AEB683-318C-4C9B-8922-B560F192248F}"/>
+              </a:ext>
+            </a:extLst>
+          </p:cNvPr>
+          <p:cNvSpPr/>
+          <p:nvPr/>
+        </p:nvSpPr>
+        <p:spPr>
+          <a:xfrm>
+            <a:off x="4398316" y="3420611"/>
+            <a:ext cx="267893" cy="1143008"/>
+          </a:xfrm>
+          <a:prstGeom prst="rect">
+            <a:avLst/>
+          </a:prstGeom>
+          <a:solidFill>
+            <a:schemeClr val="bg1"/>
+          </a:solidFill>
+          <a:ln w="12700">
+            <a:solidFill>
+              <a:schemeClr val="tx1"/>
+            </a:solidFill>
+          </a:ln>
+        </p:spPr>
+        <p:style>
+          <a:lnRef idx="2">
+            <a:schemeClr val="accent1">
+              <a:shade val="50000"/>
+            </a:schemeClr>
+          </a:lnRef>
+          <a:fillRef idx="1">
+            <a:schemeClr val="accent1"/>
+          </a:fillRef>
+          <a:effectRef idx="0">
+            <a:schemeClr val="accent1"/>
+          </a:effectRef>
+          <a:fontRef idx="minor">
+            <a:schemeClr val="lt1"/>
+          </a:fontRef>
+        </p:style>
+        <p:txBody>
+          <a:bodyPr rtlCol="0" anchor="ctr"/>
+          <a:lstStyle/>
+          <a:p>
+            <a:pPr algn="ctr"/>
+            <a:endParaRPr lang="fr-FR"/>
+          </a:p>
+        </p:txBody>
+      </p:sp>
+      <p:sp>
+        <p:nvSpPr>
+          <p:cNvPr id="16" name="ZoneTexte 15">
+            <a:extLst>
+              <a:ext uri="{FF2B5EF4-FFF2-40B4-BE49-F238E27FC236}">
+                <a16:creationId xmlns:a16="http://schemas.microsoft.com/office/drawing/2014/main" id="{65BBF96B-E09B-45C4-943C-F2241B22024B}"/>
+              </a:ext>
+            </a:extLst>
+          </p:cNvPr>
+          <p:cNvSpPr txBox="1"/>
+          <p:nvPr/>
+        </p:nvSpPr>
+        <p:spPr>
+          <a:xfrm>
+            <a:off x="4326878" y="3142797"/>
+            <a:ext cx="401839" cy="261610"/>
+          </a:xfrm>
+          <a:prstGeom prst="rect">
+            <a:avLst/>
+          </a:prstGeom>
+          <a:noFill/>
+        </p:spPr>
+        <p:txBody>
+          <a:bodyPr wrap="square" rtlCol="0">
+            <a:spAutoFit/>
+          </a:bodyPr>
+          <a:lstStyle/>
+          <a:p>
+            <a:pPr algn="ctr"/>
+            <a:r>
+              <a:rPr lang="fr-FR" sz="1100" dirty="0"/>
+              <a:t>CP</a:t>
+            </a:r>
+            <a:endParaRPr lang="fr-FR" sz="3600" dirty="0"/>
+          </a:p>
+        </p:txBody>
+      </p:sp>
+      <p:sp>
+        <p:nvSpPr>
+          <p:cNvPr id="17" name="ZoneTexte 16">
+            <a:extLst>
+              <a:ext uri="{FF2B5EF4-FFF2-40B4-BE49-F238E27FC236}">
+                <a16:creationId xmlns:a16="http://schemas.microsoft.com/office/drawing/2014/main" id="{096EBF47-97FC-4FA1-8927-1FAC3B96B7AA}"/>
+              </a:ext>
+            </a:extLst>
+          </p:cNvPr>
+          <p:cNvSpPr txBox="1"/>
+          <p:nvPr/>
+        </p:nvSpPr>
+        <p:spPr>
+          <a:xfrm>
+            <a:off x="4255440" y="3420611"/>
+            <a:ext cx="571504" cy="1107996"/>
+          </a:xfrm>
+          <a:prstGeom prst="rect">
+            <a:avLst/>
+          </a:prstGeom>
+          <a:noFill/>
+        </p:spPr>
+        <p:txBody>
+          <a:bodyPr wrap="square" rtlCol="0">
+            <a:spAutoFit/>
+          </a:bodyPr>
+          <a:lstStyle/>
+          <a:p>
+            <a:pPr algn="ctr"/>
+            <a:r>
+              <a:rPr lang="fr-FR" sz="600" dirty="0" err="1"/>
+              <a:t>S</a:t>
+            </a:r>
+            <a:r>
+              <a:rPr lang="fr-FR" sz="600" baseline="-25000" dirty="0" err="1"/>
+              <a:t>k</a:t>
+            </a:r>
+            <a:r>
+              <a:rPr lang="fr-FR" sz="600" baseline="-25000" dirty="0"/>
+              <a:t> </a:t>
+            </a:r>
+            <a:r>
+              <a:rPr lang="fr-FR" sz="600" dirty="0"/>
+              <a:t>(1)</a:t>
+            </a:r>
+            <a:br>
+              <a:rPr lang="fr-FR" sz="600" dirty="0"/>
+            </a:br>
+            <a:r>
+              <a:rPr lang="fr-FR" sz="600" dirty="0" err="1"/>
+              <a:t>S</a:t>
+            </a:r>
+            <a:r>
+              <a:rPr lang="fr-FR" sz="600" baseline="-25000" dirty="0" err="1"/>
+              <a:t>k</a:t>
+            </a:r>
+            <a:r>
+              <a:rPr lang="fr-FR" sz="600" baseline="-25000" dirty="0"/>
+              <a:t> </a:t>
+            </a:r>
+            <a:r>
+              <a:rPr lang="fr-FR" sz="600" dirty="0"/>
+              <a:t>(2) </a:t>
+            </a:r>
+            <a:br>
+              <a:rPr lang="fr-FR" sz="600" dirty="0"/>
+            </a:br>
+            <a:r>
+              <a:rPr lang="fr-FR" sz="600" dirty="0" err="1"/>
+              <a:t>S</a:t>
+            </a:r>
+            <a:r>
+              <a:rPr lang="fr-FR" sz="600" baseline="-25000" dirty="0" err="1"/>
+              <a:t>k</a:t>
+            </a:r>
+            <a:r>
+              <a:rPr lang="fr-FR" sz="600" baseline="-25000" dirty="0"/>
+              <a:t> </a:t>
+            </a:r>
+            <a:r>
+              <a:rPr lang="fr-FR" sz="600" dirty="0"/>
+              <a:t>(3) </a:t>
+            </a:r>
+            <a:br>
+              <a:rPr lang="fr-FR" sz="600" dirty="0"/>
+            </a:br>
+            <a:r>
+              <a:rPr lang="fr-FR" sz="600" dirty="0"/>
+              <a:t>.</a:t>
+            </a:r>
+          </a:p>
+          <a:p>
+            <a:pPr algn="ctr"/>
+            <a:r>
+              <a:rPr lang="fr-FR" sz="600" dirty="0"/>
+              <a:t>.</a:t>
+            </a:r>
+          </a:p>
+          <a:p>
+            <a:pPr algn="ctr"/>
+            <a:r>
+              <a:rPr lang="fr-FR" sz="600" dirty="0"/>
+              <a:t>.</a:t>
+            </a:r>
+          </a:p>
+          <a:p>
+            <a:pPr algn="ctr"/>
+            <a:r>
+              <a:rPr lang="fr-FR" sz="600" dirty="0"/>
+              <a:t>.</a:t>
+            </a:r>
+          </a:p>
+          <a:p>
+            <a:pPr algn="ctr"/>
+            <a:r>
+              <a:rPr lang="fr-FR" sz="600" dirty="0"/>
+              <a:t>.</a:t>
+            </a:r>
+          </a:p>
+          <a:p>
+            <a:pPr algn="ctr"/>
+            <a:r>
+              <a:rPr lang="fr-FR" sz="600" dirty="0" err="1"/>
+              <a:t>S</a:t>
+            </a:r>
+            <a:r>
+              <a:rPr lang="fr-FR" sz="600" baseline="-25000" dirty="0" err="1"/>
+              <a:t>k</a:t>
+            </a:r>
+            <a:r>
+              <a:rPr lang="fr-FR" sz="600" dirty="0"/>
+              <a:t>(n-l+1)</a:t>
+            </a:r>
+          </a:p>
+          <a:p>
+            <a:pPr algn="ctr"/>
+            <a:r>
+              <a:rPr lang="fr-FR" sz="600" dirty="0"/>
+              <a:t>.</a:t>
+            </a:r>
+          </a:p>
+          <a:p>
+            <a:pPr algn="ctr"/>
+            <a:r>
+              <a:rPr lang="fr-FR" sz="600" dirty="0" err="1"/>
+              <a:t>S</a:t>
+            </a:r>
+            <a:r>
+              <a:rPr lang="fr-FR" sz="600" baseline="-25000" dirty="0" err="1"/>
+              <a:t>k</a:t>
+            </a:r>
+            <a:r>
+              <a:rPr lang="fr-FR" sz="600" baseline="-25000" dirty="0"/>
+              <a:t> </a:t>
+            </a:r>
+            <a:r>
+              <a:rPr lang="fr-FR" sz="600" dirty="0"/>
+              <a:t>(n) </a:t>
+            </a:r>
+            <a:endParaRPr lang="fr-FR" sz="1600" dirty="0"/>
+          </a:p>
+        </p:txBody>
+      </p:sp>
+      <p:sp>
+        <p:nvSpPr>
+          <p:cNvPr id="18" name="ZoneTexte 17">
+            <a:extLst>
+              <a:ext uri="{FF2B5EF4-FFF2-40B4-BE49-F238E27FC236}">
+                <a16:creationId xmlns:a16="http://schemas.microsoft.com/office/drawing/2014/main" id="{1FF4CFA8-7CB7-4DAC-B396-66826C2FA915}"/>
+              </a:ext>
+            </a:extLst>
+          </p:cNvPr>
+          <p:cNvSpPr txBox="1"/>
+          <p:nvPr/>
+        </p:nvSpPr>
+        <p:spPr>
+          <a:xfrm>
+            <a:off x="3612498" y="2777669"/>
+            <a:ext cx="1214446" cy="246221"/>
+          </a:xfrm>
+          <a:prstGeom prst="rect">
+            <a:avLst/>
+          </a:prstGeom>
+          <a:solidFill>
+            <a:schemeClr val="accent2">
+              <a:lumMod val="60000"/>
+              <a:lumOff val="40000"/>
+            </a:schemeClr>
+          </a:solidFill>
+          <a:ln w="6350">
+            <a:solidFill>
+              <a:schemeClr val="accent2">
+                <a:lumMod val="75000"/>
+              </a:schemeClr>
+            </a:solidFill>
+          </a:ln>
+        </p:spPr>
+        <p:txBody>
+          <a:bodyPr wrap="square" rtlCol="0">
+            <a:spAutoFit/>
+          </a:bodyPr>
+          <a:lstStyle/>
+          <a:p>
+            <a:pPr algn="ctr"/>
+            <a:r>
+              <a:rPr lang="fr-FR" sz="900" dirty="0" err="1"/>
+              <a:t>k</a:t>
+            </a:r>
+            <a:r>
+              <a:rPr lang="fr-FR" sz="900" baseline="30000" dirty="0" err="1"/>
+              <a:t>ième</a:t>
+            </a:r>
+            <a:r>
+              <a:rPr lang="fr-FR" sz="900" dirty="0"/>
+              <a:t> </a:t>
+            </a:r>
+            <a:r>
+              <a:rPr lang="fr-FR" sz="1000" dirty="0"/>
+              <a:t>symbole</a:t>
+            </a:r>
+            <a:endParaRPr lang="fr-FR" sz="900" dirty="0"/>
+          </a:p>
+        </p:txBody>
+      </p:sp>
+      <p:sp>
+        <p:nvSpPr>
+          <p:cNvPr id="19" name="Rectangle 18">
+            <a:extLst>
+              <a:ext uri="{FF2B5EF4-FFF2-40B4-BE49-F238E27FC236}">
+                <a16:creationId xmlns:a16="http://schemas.microsoft.com/office/drawing/2014/main" id="{D6866BEA-CA1D-4914-86B6-11D0631AFECF}"/>
+              </a:ext>
+            </a:extLst>
+          </p:cNvPr>
+          <p:cNvSpPr/>
+          <p:nvPr/>
+        </p:nvSpPr>
+        <p:spPr>
+          <a:xfrm>
+            <a:off x="3755374" y="3420611"/>
+            <a:ext cx="285752" cy="1143008"/>
+          </a:xfrm>
+          <a:prstGeom prst="rect">
+            <a:avLst/>
+          </a:prstGeom>
+          <a:solidFill>
+            <a:schemeClr val="bg1"/>
+          </a:solidFill>
+          <a:ln w="12700">
+            <a:solidFill>
+              <a:schemeClr val="tx1"/>
+            </a:solidFill>
+          </a:ln>
+        </p:spPr>
+        <p:style>
+          <a:lnRef idx="2">
+            <a:schemeClr val="accent1">
+              <a:shade val="50000"/>
+            </a:schemeClr>
+          </a:lnRef>
+          <a:fillRef idx="1">
+            <a:schemeClr val="accent1"/>
+          </a:fillRef>
+          <a:effectRef idx="0">
+            <a:schemeClr val="accent1"/>
+          </a:effectRef>
+          <a:fontRef idx="minor">
+            <a:schemeClr val="lt1"/>
+          </a:fontRef>
+        </p:style>
+        <p:txBody>
+          <a:bodyPr rtlCol="0" anchor="ctr"/>
+          <a:lstStyle/>
+          <a:p>
+            <a:pPr algn="ctr"/>
+            <a:endParaRPr lang="fr-FR"/>
+          </a:p>
+        </p:txBody>
+      </p:sp>
+      <p:sp>
+        <p:nvSpPr>
+          <p:cNvPr id="20" name="ZoneTexte 19">
+            <a:extLst>
+              <a:ext uri="{FF2B5EF4-FFF2-40B4-BE49-F238E27FC236}">
+                <a16:creationId xmlns:a16="http://schemas.microsoft.com/office/drawing/2014/main" id="{E984EDF4-FFB7-4B9E-BE99-3A7FBC73A37F}"/>
+              </a:ext>
+            </a:extLst>
+          </p:cNvPr>
+          <p:cNvSpPr txBox="1"/>
+          <p:nvPr/>
+        </p:nvSpPr>
+        <p:spPr>
+          <a:xfrm>
+            <a:off x="3612498" y="3420611"/>
+            <a:ext cx="571504" cy="1107996"/>
+          </a:xfrm>
+          <a:prstGeom prst="rect">
+            <a:avLst/>
+          </a:prstGeom>
+          <a:noFill/>
+        </p:spPr>
+        <p:txBody>
+          <a:bodyPr wrap="square" rtlCol="0">
+            <a:spAutoFit/>
+          </a:bodyPr>
+          <a:lstStyle/>
+          <a:p>
+            <a:pPr algn="ctr"/>
+            <a:r>
+              <a:rPr lang="fr-FR" sz="600" dirty="0" err="1"/>
+              <a:t>S</a:t>
+            </a:r>
+            <a:r>
+              <a:rPr lang="fr-FR" sz="600" baseline="-25000" dirty="0" err="1"/>
+              <a:t>k</a:t>
+            </a:r>
+            <a:r>
+              <a:rPr lang="fr-FR" sz="600" baseline="-25000" dirty="0"/>
+              <a:t> </a:t>
+            </a:r>
+            <a:r>
+              <a:rPr lang="fr-FR" sz="600" dirty="0"/>
+              <a:t>(1)</a:t>
+            </a:r>
+            <a:br>
+              <a:rPr lang="fr-FR" sz="600" dirty="0"/>
+            </a:br>
+            <a:r>
+              <a:rPr lang="fr-FR" sz="600" dirty="0" err="1"/>
+              <a:t>S</a:t>
+            </a:r>
+            <a:r>
+              <a:rPr lang="fr-FR" sz="600" baseline="-25000" dirty="0" err="1"/>
+              <a:t>k</a:t>
+            </a:r>
+            <a:r>
+              <a:rPr lang="fr-FR" sz="600" baseline="-25000" dirty="0"/>
+              <a:t> </a:t>
+            </a:r>
+            <a:r>
+              <a:rPr lang="fr-FR" sz="600" dirty="0"/>
+              <a:t>(2) </a:t>
+            </a:r>
+            <a:br>
+              <a:rPr lang="fr-FR" sz="600" dirty="0"/>
+            </a:br>
+            <a:r>
+              <a:rPr lang="fr-FR" sz="600" dirty="0" err="1"/>
+              <a:t>S</a:t>
+            </a:r>
+            <a:r>
+              <a:rPr lang="fr-FR" sz="600" baseline="-25000" dirty="0" err="1"/>
+              <a:t>k</a:t>
+            </a:r>
+            <a:r>
+              <a:rPr lang="fr-FR" sz="600" baseline="-25000" dirty="0"/>
+              <a:t> </a:t>
+            </a:r>
+            <a:r>
+              <a:rPr lang="fr-FR" sz="600" dirty="0"/>
+              <a:t>(3) </a:t>
+            </a:r>
+            <a:br>
+              <a:rPr lang="fr-FR" sz="600" dirty="0"/>
+            </a:br>
+            <a:r>
+              <a:rPr lang="fr-FR" sz="600" dirty="0"/>
+              <a:t>.</a:t>
+            </a:r>
+          </a:p>
+          <a:p>
+            <a:pPr algn="ctr"/>
+            <a:r>
+              <a:rPr lang="fr-FR" sz="600" dirty="0"/>
+              <a:t>.</a:t>
+            </a:r>
+          </a:p>
+          <a:p>
+            <a:pPr algn="ctr"/>
+            <a:r>
+              <a:rPr lang="fr-FR" sz="600" dirty="0"/>
+              <a:t>.</a:t>
+            </a:r>
+          </a:p>
+          <a:p>
+            <a:pPr algn="ctr"/>
+            <a:r>
+              <a:rPr lang="fr-FR" sz="600" dirty="0"/>
+              <a:t>.</a:t>
+            </a:r>
+          </a:p>
+          <a:p>
+            <a:pPr algn="ctr"/>
+            <a:endParaRPr lang="fr-FR" sz="600" dirty="0"/>
+          </a:p>
+          <a:p>
+            <a:pPr algn="ctr"/>
+            <a:r>
+              <a:rPr lang="fr-FR" sz="600" dirty="0" err="1"/>
+              <a:t>S</a:t>
+            </a:r>
+            <a:r>
+              <a:rPr lang="fr-FR" sz="600" baseline="-25000" dirty="0" err="1"/>
+              <a:t>k</a:t>
+            </a:r>
+            <a:r>
+              <a:rPr lang="fr-FR" sz="600" dirty="0"/>
+              <a:t>(n-l+1)</a:t>
+            </a:r>
+          </a:p>
+          <a:p>
+            <a:pPr algn="ctr"/>
+            <a:r>
+              <a:rPr lang="fr-FR" sz="600" dirty="0"/>
+              <a:t>.</a:t>
+            </a:r>
+          </a:p>
+          <a:p>
+            <a:pPr algn="ctr"/>
+            <a:r>
+              <a:rPr lang="fr-FR" sz="600" dirty="0" err="1"/>
+              <a:t>S</a:t>
+            </a:r>
+            <a:r>
+              <a:rPr lang="fr-FR" sz="600" baseline="-25000" dirty="0" err="1"/>
+              <a:t>k</a:t>
+            </a:r>
+            <a:r>
+              <a:rPr lang="fr-FR" sz="600" baseline="-25000" dirty="0"/>
+              <a:t> </a:t>
+            </a:r>
+            <a:r>
+              <a:rPr lang="fr-FR" sz="600" dirty="0"/>
+              <a:t>(n) </a:t>
+            </a:r>
+            <a:endParaRPr lang="fr-FR" sz="1600" dirty="0"/>
+          </a:p>
+        </p:txBody>
+      </p:sp>
+      <p:cxnSp>
+        <p:nvCxnSpPr>
+          <p:cNvPr id="21" name="Connecteur droit avec flèche 20">
+            <a:extLst>
+              <a:ext uri="{FF2B5EF4-FFF2-40B4-BE49-F238E27FC236}">
+                <a16:creationId xmlns:a16="http://schemas.microsoft.com/office/drawing/2014/main" id="{452E3714-8294-41E3-8843-A97D2724F15D}"/>
+              </a:ext>
+            </a:extLst>
+          </p:cNvPr>
+          <p:cNvCxnSpPr/>
+          <p:nvPr/>
+        </p:nvCxnSpPr>
+        <p:spPr>
+          <a:xfrm>
+            <a:off x="4041126" y="3777801"/>
+            <a:ext cx="357190" cy="1588"/>
+          </a:xfrm>
+          <a:prstGeom prst="straightConnector1">
+            <a:avLst/>
+          </a:prstGeom>
+          <a:ln>
+            <a:solidFill>
+              <a:schemeClr val="tx1"/>
+            </a:solidFill>
+            <a:tailEnd type="arrow"/>
+          </a:ln>
+        </p:spPr>
+        <p:style>
+          <a:lnRef idx="1">
+            <a:schemeClr val="accent1"/>
+          </a:lnRef>
+          <a:fillRef idx="0">
+            <a:schemeClr val="accent1"/>
+          </a:fillRef>
+          <a:effectRef idx="0">
+            <a:schemeClr val="accent1"/>
+          </a:effectRef>
+          <a:fontRef idx="minor">
+            <a:schemeClr val="tx1"/>
+          </a:fontRef>
+        </p:style>
+      </p:cxnSp>
+      <p:cxnSp>
+        <p:nvCxnSpPr>
+          <p:cNvPr id="22" name="Connecteur droit avec flèche 21">
+            <a:extLst>
+              <a:ext uri="{FF2B5EF4-FFF2-40B4-BE49-F238E27FC236}">
+                <a16:creationId xmlns:a16="http://schemas.microsoft.com/office/drawing/2014/main" id="{C8BB1D26-173A-4DF3-8D90-8419298A5E69}"/>
+              </a:ext>
+            </a:extLst>
+          </p:cNvPr>
+          <p:cNvCxnSpPr/>
+          <p:nvPr/>
+        </p:nvCxnSpPr>
+        <p:spPr>
+          <a:xfrm rot="5400000">
+            <a:off x="5469886" y="2063289"/>
+            <a:ext cx="1000132" cy="1000132"/>
+          </a:xfrm>
+          <a:prstGeom prst="straightConnector1">
+            <a:avLst/>
+          </a:prstGeom>
+          <a:ln>
+            <a:solidFill>
+              <a:srgbClr val="FF0000"/>
+            </a:solidFill>
+            <a:tailEnd type="arrow"/>
+          </a:ln>
+        </p:spPr>
+        <p:style>
+          <a:lnRef idx="1">
+            <a:schemeClr val="accent1"/>
+          </a:lnRef>
+          <a:fillRef idx="0">
+            <a:schemeClr val="accent1"/>
+          </a:fillRef>
+          <a:effectRef idx="0">
+            <a:schemeClr val="accent1"/>
+          </a:effectRef>
+          <a:fontRef idx="minor">
+            <a:schemeClr val="tx1"/>
+          </a:fontRef>
+        </p:style>
+      </p:cxnSp>
+      <p:sp>
+        <p:nvSpPr>
+          <p:cNvPr id="23" name="Rectangle 22">
+            <a:extLst>
+              <a:ext uri="{FF2B5EF4-FFF2-40B4-BE49-F238E27FC236}">
+                <a16:creationId xmlns:a16="http://schemas.microsoft.com/office/drawing/2014/main" id="{CCD3FACC-4CEB-4E07-9DB5-1EAEA49896DF}"/>
+              </a:ext>
+            </a:extLst>
+          </p:cNvPr>
+          <p:cNvSpPr/>
+          <p:nvPr/>
+        </p:nvSpPr>
+        <p:spPr>
+          <a:xfrm>
+            <a:off x="7755902" y="1277471"/>
+            <a:ext cx="1214446" cy="642942"/>
+          </a:xfrm>
+          <a:prstGeom prst="rect">
+            <a:avLst/>
+          </a:prstGeom>
+          <a:noFill/>
+          <a:ln>
+            <a:solidFill>
+              <a:schemeClr val="tx1"/>
+            </a:solidFill>
+          </a:ln>
+        </p:spPr>
+        <p:style>
+          <a:lnRef idx="2">
+            <a:schemeClr val="accent1">
+              <a:shade val="50000"/>
+            </a:schemeClr>
+          </a:lnRef>
+          <a:fillRef idx="1">
+            <a:schemeClr val="accent1"/>
+          </a:fillRef>
+          <a:effectRef idx="0">
+            <a:schemeClr val="accent1"/>
+          </a:effectRef>
+          <a:fontRef idx="minor">
+            <a:schemeClr val="lt1"/>
+          </a:fontRef>
+        </p:style>
+        <p:txBody>
+          <a:bodyPr rtlCol="0" anchor="ctr"/>
+          <a:lstStyle/>
+          <a:p>
+            <a:pPr algn="ctr"/>
+            <a:endParaRPr lang="fr-FR"/>
+          </a:p>
+        </p:txBody>
+      </p:sp>
+      <p:cxnSp>
+        <p:nvCxnSpPr>
+          <p:cNvPr id="24" name="Connecteur droit 23">
+            <a:extLst>
+              <a:ext uri="{FF2B5EF4-FFF2-40B4-BE49-F238E27FC236}">
+                <a16:creationId xmlns:a16="http://schemas.microsoft.com/office/drawing/2014/main" id="{9F6F5EE6-644B-49A4-8EF3-88E6B31C3B23}"/>
+              </a:ext>
+            </a:extLst>
+          </p:cNvPr>
+          <p:cNvCxnSpPr/>
+          <p:nvPr/>
+        </p:nvCxnSpPr>
+        <p:spPr>
+          <a:xfrm>
+            <a:off x="8970348" y="1563223"/>
+            <a:ext cx="285752" cy="1588"/>
+          </a:xfrm>
+          <a:prstGeom prst="line">
+            <a:avLst/>
+          </a:prstGeom>
+          <a:ln w="28575">
+            <a:solidFill>
+              <a:schemeClr val="tx1"/>
+            </a:solidFill>
+          </a:ln>
+        </p:spPr>
+        <p:style>
+          <a:lnRef idx="1">
+            <a:schemeClr val="accent1"/>
+          </a:lnRef>
+          <a:fillRef idx="0">
+            <a:schemeClr val="accent1"/>
+          </a:fillRef>
+          <a:effectRef idx="0">
+            <a:schemeClr val="accent1"/>
+          </a:effectRef>
+          <a:fontRef idx="minor">
+            <a:schemeClr val="tx1"/>
+          </a:fontRef>
+        </p:style>
+      </p:cxnSp>
+      <p:cxnSp>
+        <p:nvCxnSpPr>
+          <p:cNvPr id="25" name="Connecteur droit 24">
+            <a:extLst>
+              <a:ext uri="{FF2B5EF4-FFF2-40B4-BE49-F238E27FC236}">
+                <a16:creationId xmlns:a16="http://schemas.microsoft.com/office/drawing/2014/main" id="{1A5E4AE6-C127-404C-B396-95A603623644}"/>
+              </a:ext>
+            </a:extLst>
+          </p:cNvPr>
+          <p:cNvCxnSpPr/>
+          <p:nvPr/>
+        </p:nvCxnSpPr>
+        <p:spPr>
+          <a:xfrm>
+            <a:off x="4612630" y="1563223"/>
+            <a:ext cx="1500198" cy="1588"/>
+          </a:xfrm>
+          <a:prstGeom prst="line">
+            <a:avLst/>
+          </a:prstGeom>
+          <a:ln w="28575">
+            <a:solidFill>
+              <a:schemeClr val="tx1"/>
+            </a:solidFill>
+          </a:ln>
+        </p:spPr>
+        <p:style>
+          <a:lnRef idx="1">
+            <a:schemeClr val="accent1"/>
+          </a:lnRef>
+          <a:fillRef idx="0">
+            <a:schemeClr val="accent1"/>
+          </a:fillRef>
+          <a:effectRef idx="0">
+            <a:schemeClr val="accent1"/>
+          </a:effectRef>
+          <a:fontRef idx="minor">
+            <a:schemeClr val="tx1"/>
+          </a:fontRef>
+        </p:style>
+      </p:cxnSp>
+      <p:cxnSp>
+        <p:nvCxnSpPr>
+          <p:cNvPr id="26" name="Connecteur droit 25">
+            <a:extLst>
+              <a:ext uri="{FF2B5EF4-FFF2-40B4-BE49-F238E27FC236}">
+                <a16:creationId xmlns:a16="http://schemas.microsoft.com/office/drawing/2014/main" id="{35929693-3AF1-4840-BC67-8B20865491B1}"/>
+              </a:ext>
+            </a:extLst>
+          </p:cNvPr>
+          <p:cNvCxnSpPr/>
+          <p:nvPr/>
+        </p:nvCxnSpPr>
+        <p:spPr>
+          <a:xfrm rot="5400000">
+            <a:off x="219590" y="4813255"/>
+            <a:ext cx="2500330" cy="794"/>
+          </a:xfrm>
+          <a:prstGeom prst="line">
+            <a:avLst/>
+          </a:prstGeom>
+          <a:ln w="28575">
+            <a:solidFill>
+              <a:schemeClr val="tx1"/>
+            </a:solidFill>
+          </a:ln>
+        </p:spPr>
+        <p:style>
+          <a:lnRef idx="1">
+            <a:schemeClr val="accent1"/>
+          </a:lnRef>
+          <a:fillRef idx="0">
+            <a:schemeClr val="accent1"/>
+          </a:fillRef>
+          <a:effectRef idx="0">
+            <a:schemeClr val="accent1"/>
+          </a:effectRef>
+          <a:fontRef idx="minor">
+            <a:schemeClr val="tx1"/>
+          </a:fontRef>
+        </p:style>
+      </p:cxnSp>
+      <p:cxnSp>
+        <p:nvCxnSpPr>
+          <p:cNvPr id="27" name="Connecteur droit 26">
+            <a:extLst>
+              <a:ext uri="{FF2B5EF4-FFF2-40B4-BE49-F238E27FC236}">
+                <a16:creationId xmlns:a16="http://schemas.microsoft.com/office/drawing/2014/main" id="{89D5BACF-D0AB-4DDB-967F-49C5102E904A}"/>
+              </a:ext>
+            </a:extLst>
+          </p:cNvPr>
+          <p:cNvCxnSpPr/>
+          <p:nvPr/>
+        </p:nvCxnSpPr>
+        <p:spPr>
+          <a:xfrm>
+            <a:off x="1469358" y="6063817"/>
+            <a:ext cx="928694" cy="1588"/>
+          </a:xfrm>
+          <a:prstGeom prst="line">
+            <a:avLst/>
+          </a:prstGeom>
+          <a:ln w="28575">
+            <a:solidFill>
+              <a:schemeClr val="tx1"/>
+            </a:solidFill>
+          </a:ln>
+        </p:spPr>
+        <p:style>
+          <a:lnRef idx="1">
+            <a:schemeClr val="accent1"/>
+          </a:lnRef>
+          <a:fillRef idx="0">
+            <a:schemeClr val="accent1"/>
+          </a:fillRef>
+          <a:effectRef idx="0">
+            <a:schemeClr val="accent1"/>
+          </a:effectRef>
+          <a:fontRef idx="minor">
+            <a:schemeClr val="tx1"/>
+          </a:fontRef>
+        </p:style>
+      </p:cxnSp>
+      <p:cxnSp>
+        <p:nvCxnSpPr>
+          <p:cNvPr id="28" name="Connecteur droit 27">
+            <a:extLst>
+              <a:ext uri="{FF2B5EF4-FFF2-40B4-BE49-F238E27FC236}">
+                <a16:creationId xmlns:a16="http://schemas.microsoft.com/office/drawing/2014/main" id="{CB1E38AC-6AFE-44EB-80B4-F5A22AEE975E}"/>
+              </a:ext>
+            </a:extLst>
+          </p:cNvPr>
+          <p:cNvCxnSpPr/>
+          <p:nvPr/>
+        </p:nvCxnSpPr>
+        <p:spPr>
+          <a:xfrm rot="5400000">
+            <a:off x="470020" y="2562561"/>
+            <a:ext cx="2000264" cy="1588"/>
+          </a:xfrm>
+          <a:prstGeom prst="line">
+            <a:avLst/>
+          </a:prstGeom>
+          <a:ln w="28575">
+            <a:solidFill>
+              <a:schemeClr val="tx1"/>
+            </a:solidFill>
+          </a:ln>
+        </p:spPr>
+        <p:style>
+          <a:lnRef idx="1">
+            <a:schemeClr val="accent1"/>
+          </a:lnRef>
+          <a:fillRef idx="0">
+            <a:schemeClr val="accent1"/>
+          </a:fillRef>
+          <a:effectRef idx="0">
+            <a:schemeClr val="accent1"/>
+          </a:effectRef>
+          <a:fontRef idx="minor">
+            <a:schemeClr val="tx1"/>
+          </a:fontRef>
+        </p:style>
+      </p:cxnSp>
+      <p:sp>
+        <p:nvSpPr>
+          <p:cNvPr id="29" name="Rectangle 28">
+            <a:extLst>
+              <a:ext uri="{FF2B5EF4-FFF2-40B4-BE49-F238E27FC236}">
+                <a16:creationId xmlns:a16="http://schemas.microsoft.com/office/drawing/2014/main" id="{D7256DE7-8A80-4EF5-84E9-06608DCEA6F1}"/>
+              </a:ext>
+            </a:extLst>
+          </p:cNvPr>
+          <p:cNvSpPr/>
+          <p:nvPr/>
+        </p:nvSpPr>
+        <p:spPr>
+          <a:xfrm>
+            <a:off x="3398184" y="1277471"/>
+            <a:ext cx="1214446" cy="642942"/>
+          </a:xfrm>
+          <a:prstGeom prst="rect">
+            <a:avLst/>
+          </a:prstGeom>
+          <a:noFill/>
+          <a:ln>
+            <a:solidFill>
+              <a:schemeClr val="tx1"/>
+            </a:solidFill>
+          </a:ln>
+        </p:spPr>
+        <p:style>
+          <a:lnRef idx="2">
+            <a:schemeClr val="accent1">
+              <a:shade val="50000"/>
+            </a:schemeClr>
+          </a:lnRef>
+          <a:fillRef idx="1">
+            <a:schemeClr val="accent1"/>
+          </a:fillRef>
+          <a:effectRef idx="0">
+            <a:schemeClr val="accent1"/>
+          </a:effectRef>
+          <a:fontRef idx="minor">
+            <a:schemeClr val="lt1"/>
+          </a:fontRef>
+        </p:style>
+        <p:txBody>
+          <a:bodyPr rtlCol="0" anchor="ctr"/>
+          <a:lstStyle/>
+          <a:p>
+            <a:pPr algn="ctr"/>
+            <a:endParaRPr lang="fr-FR"/>
+          </a:p>
+        </p:txBody>
+      </p:sp>
+      <p:sp>
+        <p:nvSpPr>
+          <p:cNvPr id="30" name="ZoneTexte 29">
+            <a:extLst>
+              <a:ext uri="{FF2B5EF4-FFF2-40B4-BE49-F238E27FC236}">
+                <a16:creationId xmlns:a16="http://schemas.microsoft.com/office/drawing/2014/main" id="{2BE8E9FE-128C-42E8-A5F0-5D97485C566C}"/>
+              </a:ext>
+            </a:extLst>
+          </p:cNvPr>
+          <p:cNvSpPr txBox="1"/>
+          <p:nvPr/>
+        </p:nvSpPr>
+        <p:spPr>
+          <a:xfrm>
+            <a:off x="3398184" y="1348909"/>
+            <a:ext cx="1214446" cy="400110"/>
+          </a:xfrm>
+          <a:prstGeom prst="rect">
+            <a:avLst/>
+          </a:prstGeom>
+          <a:noFill/>
+        </p:spPr>
+        <p:txBody>
+          <a:bodyPr wrap="square" rtlCol="0">
+            <a:spAutoFit/>
+          </a:bodyPr>
+          <a:lstStyle/>
+          <a:p>
+            <a:pPr algn="ctr"/>
+            <a:r>
+              <a:rPr lang="fr-FR" sz="1000" dirty="0">
+                <a:latin typeface="Arial" pitchFamily="34" charset="0"/>
+                <a:cs typeface="Arial" pitchFamily="34" charset="0"/>
+              </a:rPr>
+              <a:t>Détection des trames pilotes</a:t>
+            </a:r>
+            <a:endParaRPr lang="fr-FR" sz="1400" dirty="0">
+              <a:latin typeface="Arial" pitchFamily="34" charset="0"/>
+              <a:cs typeface="Arial" pitchFamily="34" charset="0"/>
+            </a:endParaRPr>
+          </a:p>
+        </p:txBody>
+      </p:sp>
+      <p:sp>
+        <p:nvSpPr>
+          <p:cNvPr id="31" name="Rectangle 30">
+            <a:extLst>
+              <a:ext uri="{FF2B5EF4-FFF2-40B4-BE49-F238E27FC236}">
+                <a16:creationId xmlns:a16="http://schemas.microsoft.com/office/drawing/2014/main" id="{0F8D24D7-56E1-46D4-8487-BCB0FA1791D5}"/>
+              </a:ext>
+            </a:extLst>
+          </p:cNvPr>
+          <p:cNvSpPr/>
+          <p:nvPr/>
+        </p:nvSpPr>
+        <p:spPr>
+          <a:xfrm>
+            <a:off x="2398052" y="5706627"/>
+            <a:ext cx="1214446" cy="642942"/>
+          </a:xfrm>
+          <a:prstGeom prst="rect">
+            <a:avLst/>
+          </a:prstGeom>
+          <a:noFill/>
+          <a:ln>
+            <a:solidFill>
+              <a:schemeClr val="tx1"/>
+            </a:solidFill>
+          </a:ln>
+        </p:spPr>
+        <p:style>
+          <a:lnRef idx="2">
+            <a:schemeClr val="accent1">
+              <a:shade val="50000"/>
+            </a:schemeClr>
+          </a:lnRef>
+          <a:fillRef idx="1">
+            <a:schemeClr val="accent1"/>
+          </a:fillRef>
+          <a:effectRef idx="0">
+            <a:schemeClr val="accent1"/>
+          </a:effectRef>
+          <a:fontRef idx="minor">
+            <a:schemeClr val="lt1"/>
+          </a:fontRef>
+        </p:style>
+        <p:txBody>
+          <a:bodyPr rtlCol="0" anchor="ctr"/>
+          <a:lstStyle/>
+          <a:p>
+            <a:pPr algn="ctr"/>
+            <a:endParaRPr lang="fr-FR"/>
+          </a:p>
+        </p:txBody>
+      </p:sp>
+      <p:sp>
+        <p:nvSpPr>
+          <p:cNvPr id="32" name="ZoneTexte 31">
+            <a:extLst>
+              <a:ext uri="{FF2B5EF4-FFF2-40B4-BE49-F238E27FC236}">
+                <a16:creationId xmlns:a16="http://schemas.microsoft.com/office/drawing/2014/main" id="{AA19DAEE-9A5D-46DB-B357-23580E22AA84}"/>
+              </a:ext>
+            </a:extLst>
+          </p:cNvPr>
+          <p:cNvSpPr txBox="1"/>
+          <p:nvPr/>
+        </p:nvSpPr>
+        <p:spPr>
+          <a:xfrm>
+            <a:off x="2398052" y="5778065"/>
+            <a:ext cx="1214446" cy="400110"/>
+          </a:xfrm>
+          <a:prstGeom prst="rect">
+            <a:avLst/>
+          </a:prstGeom>
+          <a:noFill/>
+        </p:spPr>
+        <p:txBody>
+          <a:bodyPr wrap="square" rtlCol="0">
+            <a:spAutoFit/>
+          </a:bodyPr>
+          <a:lstStyle/>
+          <a:p>
+            <a:pPr algn="ctr"/>
+            <a:r>
+              <a:rPr lang="fr-FR" sz="1000" dirty="0">
+                <a:latin typeface="Arial" pitchFamily="34" charset="0"/>
+                <a:cs typeface="Arial" pitchFamily="34" charset="0"/>
+              </a:rPr>
+              <a:t>Insertion des trames pilotes</a:t>
+            </a:r>
+            <a:endParaRPr lang="fr-FR" sz="1400" dirty="0">
+              <a:latin typeface="Arial" pitchFamily="34" charset="0"/>
+              <a:cs typeface="Arial" pitchFamily="34" charset="0"/>
+            </a:endParaRPr>
+          </a:p>
+        </p:txBody>
+      </p:sp>
+      <p:sp>
+        <p:nvSpPr>
+          <p:cNvPr id="33" name="Rectangle 32">
+            <a:extLst>
+              <a:ext uri="{FF2B5EF4-FFF2-40B4-BE49-F238E27FC236}">
+                <a16:creationId xmlns:a16="http://schemas.microsoft.com/office/drawing/2014/main" id="{43539C93-A6B8-4E51-A5AD-F40EE64650DA}"/>
+              </a:ext>
+            </a:extLst>
+          </p:cNvPr>
+          <p:cNvSpPr/>
+          <p:nvPr/>
+        </p:nvSpPr>
+        <p:spPr>
+          <a:xfrm>
+            <a:off x="4112564" y="5706627"/>
+            <a:ext cx="785818" cy="642942"/>
+          </a:xfrm>
+          <a:prstGeom prst="rect">
+            <a:avLst/>
+          </a:prstGeom>
+          <a:noFill/>
+          <a:ln>
+            <a:solidFill>
+              <a:schemeClr val="tx1"/>
+            </a:solidFill>
+          </a:ln>
+        </p:spPr>
+        <p:style>
+          <a:lnRef idx="2">
+            <a:schemeClr val="accent1">
+              <a:shade val="50000"/>
+            </a:schemeClr>
+          </a:lnRef>
+          <a:fillRef idx="1">
+            <a:schemeClr val="accent1"/>
+          </a:fillRef>
+          <a:effectRef idx="0">
+            <a:schemeClr val="accent1"/>
+          </a:effectRef>
+          <a:fontRef idx="minor">
+            <a:schemeClr val="lt1"/>
+          </a:fontRef>
+        </p:style>
+        <p:txBody>
+          <a:bodyPr rtlCol="0" anchor="ctr"/>
+          <a:lstStyle/>
+          <a:p>
+            <a:pPr algn="ctr"/>
+            <a:endParaRPr lang="fr-FR"/>
+          </a:p>
+        </p:txBody>
+      </p:sp>
+      <p:sp>
+        <p:nvSpPr>
+          <p:cNvPr id="34" name="ZoneTexte 33">
+            <a:extLst>
+              <a:ext uri="{FF2B5EF4-FFF2-40B4-BE49-F238E27FC236}">
+                <a16:creationId xmlns:a16="http://schemas.microsoft.com/office/drawing/2014/main" id="{E6523507-07BC-4E8F-AF5C-AE8062DC3B38}"/>
+              </a:ext>
+            </a:extLst>
+          </p:cNvPr>
+          <p:cNvSpPr txBox="1"/>
+          <p:nvPr/>
+        </p:nvSpPr>
+        <p:spPr>
+          <a:xfrm>
+            <a:off x="4112564" y="5849503"/>
+            <a:ext cx="785818" cy="307777"/>
+          </a:xfrm>
+          <a:prstGeom prst="rect">
+            <a:avLst/>
+          </a:prstGeom>
+          <a:noFill/>
+        </p:spPr>
+        <p:txBody>
+          <a:bodyPr wrap="square" rtlCol="0">
+            <a:spAutoFit/>
+          </a:bodyPr>
+          <a:lstStyle/>
+          <a:p>
+            <a:pPr algn="ctr"/>
+            <a:r>
+              <a:rPr lang="fr-FR" sz="1400" dirty="0">
+                <a:latin typeface="Arial" pitchFamily="34" charset="0"/>
+                <a:cs typeface="Arial" pitchFamily="34" charset="0"/>
+              </a:rPr>
+              <a:t>IFFT</a:t>
+            </a:r>
+          </a:p>
+        </p:txBody>
+      </p:sp>
+      <p:cxnSp>
+        <p:nvCxnSpPr>
+          <p:cNvPr id="35" name="Connecteur droit 34">
+            <a:extLst>
+              <a:ext uri="{FF2B5EF4-FFF2-40B4-BE49-F238E27FC236}">
+                <a16:creationId xmlns:a16="http://schemas.microsoft.com/office/drawing/2014/main" id="{C82DED1D-9736-4953-94C9-FC729C411A91}"/>
+              </a:ext>
+            </a:extLst>
+          </p:cNvPr>
+          <p:cNvCxnSpPr/>
+          <p:nvPr/>
+        </p:nvCxnSpPr>
+        <p:spPr>
+          <a:xfrm>
+            <a:off x="3612498" y="5992379"/>
+            <a:ext cx="500066" cy="1588"/>
+          </a:xfrm>
+          <a:prstGeom prst="line">
+            <a:avLst/>
+          </a:prstGeom>
+          <a:ln w="28575">
+            <a:solidFill>
+              <a:schemeClr val="tx1"/>
+            </a:solidFill>
+          </a:ln>
+        </p:spPr>
+        <p:style>
+          <a:lnRef idx="1">
+            <a:schemeClr val="accent1"/>
+          </a:lnRef>
+          <a:fillRef idx="0">
+            <a:schemeClr val="accent1"/>
+          </a:fillRef>
+          <a:effectRef idx="0">
+            <a:schemeClr val="accent1"/>
+          </a:effectRef>
+          <a:fontRef idx="minor">
+            <a:schemeClr val="tx1"/>
+          </a:fontRef>
+        </p:style>
+      </p:cxnSp>
+      <p:sp>
+        <p:nvSpPr>
+          <p:cNvPr id="36" name="Rectangle 35">
+            <a:extLst>
+              <a:ext uri="{FF2B5EF4-FFF2-40B4-BE49-F238E27FC236}">
+                <a16:creationId xmlns:a16="http://schemas.microsoft.com/office/drawing/2014/main" id="{9BB484AE-5AB0-4EF7-9345-3A1504DE32FE}"/>
+              </a:ext>
+            </a:extLst>
+          </p:cNvPr>
+          <p:cNvSpPr/>
+          <p:nvPr/>
+        </p:nvSpPr>
+        <p:spPr>
+          <a:xfrm>
+            <a:off x="5398448" y="5778065"/>
+            <a:ext cx="1143008" cy="500066"/>
+          </a:xfrm>
+          <a:prstGeom prst="rect">
+            <a:avLst/>
+          </a:prstGeom>
+          <a:noFill/>
+          <a:ln>
+            <a:solidFill>
+              <a:schemeClr val="tx1"/>
+            </a:solidFill>
+          </a:ln>
+        </p:spPr>
+        <p:style>
+          <a:lnRef idx="2">
+            <a:schemeClr val="accent1">
+              <a:shade val="50000"/>
+            </a:schemeClr>
+          </a:lnRef>
+          <a:fillRef idx="1">
+            <a:schemeClr val="accent1"/>
+          </a:fillRef>
+          <a:effectRef idx="0">
+            <a:schemeClr val="accent1"/>
+          </a:effectRef>
+          <a:fontRef idx="minor">
+            <a:schemeClr val="lt1"/>
+          </a:fontRef>
+        </p:style>
+        <p:txBody>
+          <a:bodyPr rtlCol="0" anchor="ctr"/>
+          <a:lstStyle/>
+          <a:p>
+            <a:pPr algn="ctr"/>
+            <a:endParaRPr lang="fr-FR"/>
+          </a:p>
+        </p:txBody>
+      </p:sp>
+      <p:sp>
+        <p:nvSpPr>
+          <p:cNvPr id="37" name="ZoneTexte 36">
+            <a:extLst>
+              <a:ext uri="{FF2B5EF4-FFF2-40B4-BE49-F238E27FC236}">
+                <a16:creationId xmlns:a16="http://schemas.microsoft.com/office/drawing/2014/main" id="{C19C9271-2992-45E8-B942-A1A4C312332E}"/>
+              </a:ext>
+            </a:extLst>
+          </p:cNvPr>
+          <p:cNvSpPr txBox="1"/>
+          <p:nvPr/>
+        </p:nvSpPr>
+        <p:spPr>
+          <a:xfrm>
+            <a:off x="7755902" y="1420347"/>
+            <a:ext cx="1214446" cy="246221"/>
+          </a:xfrm>
+          <a:prstGeom prst="rect">
+            <a:avLst/>
+          </a:prstGeom>
+          <a:noFill/>
+        </p:spPr>
+        <p:txBody>
+          <a:bodyPr wrap="square" rtlCol="0">
+            <a:spAutoFit/>
+          </a:bodyPr>
+          <a:lstStyle/>
+          <a:p>
+            <a:pPr algn="ctr"/>
+            <a:r>
+              <a:rPr lang="fr-FR" sz="1000" dirty="0">
+                <a:latin typeface="Arial" pitchFamily="34" charset="0"/>
+                <a:cs typeface="Arial" pitchFamily="34" charset="0"/>
+              </a:rPr>
+              <a:t>Parallèle &gt; Série</a:t>
+            </a:r>
+          </a:p>
+        </p:txBody>
+      </p:sp>
+      <p:cxnSp>
+        <p:nvCxnSpPr>
+          <p:cNvPr id="38" name="Connecteur droit 37">
+            <a:extLst>
+              <a:ext uri="{FF2B5EF4-FFF2-40B4-BE49-F238E27FC236}">
+                <a16:creationId xmlns:a16="http://schemas.microsoft.com/office/drawing/2014/main" id="{41FB7115-43F5-474B-B334-ADEFC0D81337}"/>
+              </a:ext>
+            </a:extLst>
+          </p:cNvPr>
+          <p:cNvCxnSpPr/>
+          <p:nvPr/>
+        </p:nvCxnSpPr>
+        <p:spPr>
+          <a:xfrm>
+            <a:off x="4898382" y="5992379"/>
+            <a:ext cx="500066" cy="1588"/>
+          </a:xfrm>
+          <a:prstGeom prst="line">
+            <a:avLst/>
+          </a:prstGeom>
+          <a:ln w="28575">
+            <a:solidFill>
+              <a:schemeClr val="tx1"/>
+            </a:solidFill>
+          </a:ln>
+        </p:spPr>
+        <p:style>
+          <a:lnRef idx="1">
+            <a:schemeClr val="accent1"/>
+          </a:lnRef>
+          <a:fillRef idx="0">
+            <a:schemeClr val="accent1"/>
+          </a:fillRef>
+          <a:effectRef idx="0">
+            <a:schemeClr val="accent1"/>
+          </a:effectRef>
+          <a:fontRef idx="minor">
+            <a:schemeClr val="tx1"/>
+          </a:fontRef>
+        </p:style>
+      </p:cxnSp>
+      <p:sp>
+        <p:nvSpPr>
+          <p:cNvPr id="39" name="Rectangle 38">
+            <a:extLst>
+              <a:ext uri="{FF2B5EF4-FFF2-40B4-BE49-F238E27FC236}">
+                <a16:creationId xmlns:a16="http://schemas.microsoft.com/office/drawing/2014/main" id="{050742D9-57C4-40A2-A496-A1A9CD297085}"/>
+              </a:ext>
+            </a:extLst>
+          </p:cNvPr>
+          <p:cNvSpPr/>
+          <p:nvPr/>
+        </p:nvSpPr>
+        <p:spPr>
+          <a:xfrm>
+            <a:off x="7112960" y="5706627"/>
+            <a:ext cx="1214446" cy="642942"/>
+          </a:xfrm>
+          <a:prstGeom prst="rect">
+            <a:avLst/>
+          </a:prstGeom>
+          <a:noFill/>
+          <a:ln>
+            <a:solidFill>
+              <a:schemeClr val="tx1"/>
+            </a:solidFill>
+          </a:ln>
+        </p:spPr>
+        <p:style>
+          <a:lnRef idx="2">
+            <a:schemeClr val="accent1">
+              <a:shade val="50000"/>
+            </a:schemeClr>
+          </a:lnRef>
+          <a:fillRef idx="1">
+            <a:schemeClr val="accent1"/>
+          </a:fillRef>
+          <a:effectRef idx="0">
+            <a:schemeClr val="accent1"/>
+          </a:effectRef>
+          <a:fontRef idx="minor">
+            <a:schemeClr val="lt1"/>
+          </a:fontRef>
+        </p:style>
+        <p:txBody>
+          <a:bodyPr rtlCol="0" anchor="ctr"/>
+          <a:lstStyle/>
+          <a:p>
+            <a:pPr algn="ctr"/>
+            <a:endParaRPr lang="fr-FR"/>
+          </a:p>
+        </p:txBody>
+      </p:sp>
+      <p:sp>
+        <p:nvSpPr>
+          <p:cNvPr id="40" name="ZoneTexte 39">
+            <a:extLst>
+              <a:ext uri="{FF2B5EF4-FFF2-40B4-BE49-F238E27FC236}">
+                <a16:creationId xmlns:a16="http://schemas.microsoft.com/office/drawing/2014/main" id="{21AABA5F-8220-4017-AD07-0F015C98416F}"/>
+              </a:ext>
+            </a:extLst>
+          </p:cNvPr>
+          <p:cNvSpPr txBox="1"/>
+          <p:nvPr/>
+        </p:nvSpPr>
+        <p:spPr>
+          <a:xfrm>
+            <a:off x="7041522" y="5778065"/>
+            <a:ext cx="1357322" cy="461665"/>
+          </a:xfrm>
+          <a:prstGeom prst="rect">
+            <a:avLst/>
+          </a:prstGeom>
+          <a:noFill/>
+        </p:spPr>
+        <p:txBody>
+          <a:bodyPr wrap="square" rtlCol="0">
+            <a:spAutoFit/>
+          </a:bodyPr>
+          <a:lstStyle/>
+          <a:p>
+            <a:pPr algn="ctr"/>
+            <a:r>
+              <a:rPr lang="fr-FR" sz="1200" dirty="0">
+                <a:latin typeface="Arial" pitchFamily="34" charset="0"/>
+                <a:cs typeface="Arial" pitchFamily="34" charset="0"/>
+              </a:rPr>
+              <a:t>Association bits &gt; symboles</a:t>
+            </a:r>
+            <a:endParaRPr lang="fr-FR" sz="2000" dirty="0">
+              <a:latin typeface="Arial" pitchFamily="34" charset="0"/>
+              <a:cs typeface="Arial" pitchFamily="34" charset="0"/>
+            </a:endParaRPr>
+          </a:p>
+        </p:txBody>
+      </p:sp>
+      <p:cxnSp>
+        <p:nvCxnSpPr>
+          <p:cNvPr id="41" name="Connecteur droit 40">
+            <a:extLst>
+              <a:ext uri="{FF2B5EF4-FFF2-40B4-BE49-F238E27FC236}">
+                <a16:creationId xmlns:a16="http://schemas.microsoft.com/office/drawing/2014/main" id="{D11477A6-9EED-4806-B287-4CBAC0922BC5}"/>
+              </a:ext>
+            </a:extLst>
+          </p:cNvPr>
+          <p:cNvCxnSpPr/>
+          <p:nvPr/>
+        </p:nvCxnSpPr>
+        <p:spPr>
+          <a:xfrm>
+            <a:off x="6541456" y="5992379"/>
+            <a:ext cx="571504" cy="1588"/>
+          </a:xfrm>
+          <a:prstGeom prst="line">
+            <a:avLst/>
+          </a:prstGeom>
+          <a:ln w="28575">
+            <a:solidFill>
+              <a:schemeClr val="tx1"/>
+            </a:solidFill>
+          </a:ln>
+        </p:spPr>
+        <p:style>
+          <a:lnRef idx="1">
+            <a:schemeClr val="accent1"/>
+          </a:lnRef>
+          <a:fillRef idx="0">
+            <a:schemeClr val="accent1"/>
+          </a:fillRef>
+          <a:effectRef idx="0">
+            <a:schemeClr val="accent1"/>
+          </a:effectRef>
+          <a:fontRef idx="minor">
+            <a:schemeClr val="tx1"/>
+          </a:fontRef>
+        </p:style>
+      </p:cxnSp>
+      <p:cxnSp>
+        <p:nvCxnSpPr>
+          <p:cNvPr id="42" name="Connecteur droit 41">
+            <a:extLst>
+              <a:ext uri="{FF2B5EF4-FFF2-40B4-BE49-F238E27FC236}">
+                <a16:creationId xmlns:a16="http://schemas.microsoft.com/office/drawing/2014/main" id="{982ABCFC-CA84-4FCA-BF7D-DD357E71BB60}"/>
+              </a:ext>
+            </a:extLst>
+          </p:cNvPr>
+          <p:cNvCxnSpPr/>
+          <p:nvPr/>
+        </p:nvCxnSpPr>
+        <p:spPr>
+          <a:xfrm>
+            <a:off x="8327406" y="5992379"/>
+            <a:ext cx="714380" cy="1588"/>
+          </a:xfrm>
+          <a:prstGeom prst="line">
+            <a:avLst/>
+          </a:prstGeom>
+          <a:ln w="28575">
+            <a:solidFill>
+              <a:schemeClr val="tx1"/>
+            </a:solidFill>
+          </a:ln>
+        </p:spPr>
+        <p:style>
+          <a:lnRef idx="1">
+            <a:schemeClr val="accent1"/>
+          </a:lnRef>
+          <a:fillRef idx="0">
+            <a:schemeClr val="accent1"/>
+          </a:fillRef>
+          <a:effectRef idx="0">
+            <a:schemeClr val="accent1"/>
+          </a:effectRef>
+          <a:fontRef idx="minor">
+            <a:schemeClr val="tx1"/>
+          </a:fontRef>
+        </p:style>
+      </p:cxnSp>
+      <p:sp>
+        <p:nvSpPr>
+          <p:cNvPr id="43" name="ZoneTexte 42">
+            <a:extLst>
+              <a:ext uri="{FF2B5EF4-FFF2-40B4-BE49-F238E27FC236}">
+                <a16:creationId xmlns:a16="http://schemas.microsoft.com/office/drawing/2014/main" id="{D6638B73-AF70-4CB2-B444-0BD4A60CD471}"/>
+              </a:ext>
+            </a:extLst>
+          </p:cNvPr>
+          <p:cNvSpPr txBox="1"/>
+          <p:nvPr/>
+        </p:nvSpPr>
+        <p:spPr>
+          <a:xfrm>
+            <a:off x="8756034" y="5563751"/>
+            <a:ext cx="928694" cy="461665"/>
+          </a:xfrm>
+          <a:prstGeom prst="rect">
+            <a:avLst/>
+          </a:prstGeom>
+          <a:noFill/>
+        </p:spPr>
+        <p:txBody>
+          <a:bodyPr wrap="square" rtlCol="0">
+            <a:spAutoFit/>
+          </a:bodyPr>
+          <a:lstStyle/>
+          <a:p>
+            <a:r>
+              <a:rPr lang="fr-FR" sz="1200" dirty="0"/>
+              <a:t>Signal entrant</a:t>
+            </a:r>
+          </a:p>
+        </p:txBody>
+      </p:sp>
+      <p:sp>
+        <p:nvSpPr>
+          <p:cNvPr id="44" name="ZoneTexte 43">
+            <a:extLst>
+              <a:ext uri="{FF2B5EF4-FFF2-40B4-BE49-F238E27FC236}">
+                <a16:creationId xmlns:a16="http://schemas.microsoft.com/office/drawing/2014/main" id="{BF601911-005C-4866-83C3-8B4E8CFAF6D3}"/>
+              </a:ext>
+            </a:extLst>
+          </p:cNvPr>
+          <p:cNvSpPr txBox="1"/>
+          <p:nvPr/>
+        </p:nvSpPr>
+        <p:spPr>
+          <a:xfrm>
+            <a:off x="5398448" y="5849503"/>
+            <a:ext cx="1143008" cy="353943"/>
+          </a:xfrm>
+          <a:prstGeom prst="rect">
+            <a:avLst/>
+          </a:prstGeom>
+          <a:noFill/>
+        </p:spPr>
+        <p:txBody>
+          <a:bodyPr wrap="square" rtlCol="0">
+            <a:spAutoFit/>
+          </a:bodyPr>
+          <a:lstStyle/>
+          <a:p>
+            <a:pPr algn="ctr"/>
+            <a:r>
+              <a:rPr lang="fr-FR" sz="900" dirty="0">
+                <a:latin typeface="Arial" pitchFamily="34" charset="0"/>
+                <a:cs typeface="Arial" pitchFamily="34" charset="0"/>
+              </a:rPr>
+              <a:t>Série &gt; Parallèle</a:t>
+            </a:r>
+          </a:p>
+          <a:p>
+            <a:pPr algn="ctr"/>
+            <a:r>
+              <a:rPr lang="fr-FR" sz="800" dirty="0">
+                <a:latin typeface="Arial" pitchFamily="34" charset="0"/>
+                <a:cs typeface="Arial" pitchFamily="34" charset="0"/>
+              </a:rPr>
+              <a:t>(n sous-porteuses)</a:t>
+            </a:r>
+          </a:p>
+        </p:txBody>
+      </p:sp>
+      <p:cxnSp>
+        <p:nvCxnSpPr>
+          <p:cNvPr id="45" name="Connecteur droit 44">
+            <a:extLst>
+              <a:ext uri="{FF2B5EF4-FFF2-40B4-BE49-F238E27FC236}">
+                <a16:creationId xmlns:a16="http://schemas.microsoft.com/office/drawing/2014/main" id="{E9CFC6F8-8F08-4BA9-979F-FDDDA78A89F8}"/>
+              </a:ext>
+            </a:extLst>
+          </p:cNvPr>
+          <p:cNvCxnSpPr/>
+          <p:nvPr/>
+        </p:nvCxnSpPr>
+        <p:spPr>
+          <a:xfrm>
+            <a:off x="1469358" y="1563223"/>
+            <a:ext cx="1928826" cy="1588"/>
+          </a:xfrm>
+          <a:prstGeom prst="line">
+            <a:avLst/>
+          </a:prstGeom>
+          <a:ln w="28575">
+            <a:solidFill>
+              <a:schemeClr val="tx1"/>
+            </a:solidFill>
+          </a:ln>
+        </p:spPr>
+        <p:style>
+          <a:lnRef idx="1">
+            <a:schemeClr val="accent1"/>
+          </a:lnRef>
+          <a:fillRef idx="0">
+            <a:schemeClr val="accent1"/>
+          </a:fillRef>
+          <a:effectRef idx="0">
+            <a:schemeClr val="accent1"/>
+          </a:effectRef>
+          <a:fontRef idx="minor">
+            <a:schemeClr val="tx1"/>
+          </a:fontRef>
+        </p:style>
+      </p:cxnSp>
+      <p:cxnSp>
+        <p:nvCxnSpPr>
+          <p:cNvPr id="46" name="Connecteur droit avec flèche 45">
+            <a:extLst>
+              <a:ext uri="{FF2B5EF4-FFF2-40B4-BE49-F238E27FC236}">
+                <a16:creationId xmlns:a16="http://schemas.microsoft.com/office/drawing/2014/main" id="{F6021283-3DE1-4591-A6C6-3E9B9138D3ED}"/>
+              </a:ext>
+            </a:extLst>
+          </p:cNvPr>
+          <p:cNvCxnSpPr/>
+          <p:nvPr/>
+        </p:nvCxnSpPr>
+        <p:spPr>
+          <a:xfrm>
+            <a:off x="4041126" y="3992115"/>
+            <a:ext cx="357190" cy="1588"/>
+          </a:xfrm>
+          <a:prstGeom prst="straightConnector1">
+            <a:avLst/>
+          </a:prstGeom>
+          <a:ln>
+            <a:solidFill>
+              <a:schemeClr val="tx1"/>
+            </a:solidFill>
+            <a:tailEnd type="arrow"/>
+          </a:ln>
+        </p:spPr>
+        <p:style>
+          <a:lnRef idx="1">
+            <a:schemeClr val="accent1"/>
+          </a:lnRef>
+          <a:fillRef idx="0">
+            <a:schemeClr val="accent1"/>
+          </a:fillRef>
+          <a:effectRef idx="0">
+            <a:schemeClr val="accent1"/>
+          </a:effectRef>
+          <a:fontRef idx="minor">
+            <a:schemeClr val="tx1"/>
+          </a:fontRef>
+        </p:style>
+      </p:cxnSp>
+      <p:cxnSp>
+        <p:nvCxnSpPr>
+          <p:cNvPr id="47" name="Connecteur droit avec flèche 46">
+            <a:extLst>
+              <a:ext uri="{FF2B5EF4-FFF2-40B4-BE49-F238E27FC236}">
+                <a16:creationId xmlns:a16="http://schemas.microsoft.com/office/drawing/2014/main" id="{89B84167-AB65-4399-9CD5-59103B8114DC}"/>
+              </a:ext>
+            </a:extLst>
+          </p:cNvPr>
+          <p:cNvCxnSpPr/>
+          <p:nvPr/>
+        </p:nvCxnSpPr>
+        <p:spPr>
+          <a:xfrm>
+            <a:off x="4041126" y="4206429"/>
+            <a:ext cx="357190" cy="1588"/>
+          </a:xfrm>
+          <a:prstGeom prst="straightConnector1">
+            <a:avLst/>
+          </a:prstGeom>
+          <a:ln>
+            <a:solidFill>
+              <a:schemeClr val="tx1"/>
+            </a:solidFill>
+            <a:tailEnd type="arrow"/>
+          </a:ln>
+        </p:spPr>
+        <p:style>
+          <a:lnRef idx="1">
+            <a:schemeClr val="accent1"/>
+          </a:lnRef>
+          <a:fillRef idx="0">
+            <a:schemeClr val="accent1"/>
+          </a:fillRef>
+          <a:effectRef idx="0">
+            <a:schemeClr val="accent1"/>
+          </a:effectRef>
+          <a:fontRef idx="minor">
+            <a:schemeClr val="tx1"/>
+          </a:fontRef>
+        </p:style>
+      </p:cxnSp>
+      <p:cxnSp>
+        <p:nvCxnSpPr>
+          <p:cNvPr id="48" name="Connecteur droit avec flèche 47">
+            <a:extLst>
+              <a:ext uri="{FF2B5EF4-FFF2-40B4-BE49-F238E27FC236}">
+                <a16:creationId xmlns:a16="http://schemas.microsoft.com/office/drawing/2014/main" id="{0949F892-3239-4BE5-B126-57E4E9E13764}"/>
+              </a:ext>
+            </a:extLst>
+          </p:cNvPr>
+          <p:cNvCxnSpPr/>
+          <p:nvPr/>
+        </p:nvCxnSpPr>
+        <p:spPr>
+          <a:xfrm>
+            <a:off x="4041126" y="4420743"/>
+            <a:ext cx="357190" cy="1588"/>
+          </a:xfrm>
+          <a:prstGeom prst="straightConnector1">
+            <a:avLst/>
+          </a:prstGeom>
+          <a:ln>
+            <a:solidFill>
+              <a:schemeClr val="tx1"/>
+            </a:solidFill>
+            <a:tailEnd type="arrow"/>
+          </a:ln>
+        </p:spPr>
+        <p:style>
+          <a:lnRef idx="1">
+            <a:schemeClr val="accent1"/>
+          </a:lnRef>
+          <a:fillRef idx="0">
+            <a:schemeClr val="accent1"/>
+          </a:fillRef>
+          <a:effectRef idx="0">
+            <a:schemeClr val="accent1"/>
+          </a:effectRef>
+          <a:fontRef idx="minor">
+            <a:schemeClr val="tx1"/>
+          </a:fontRef>
+        </p:style>
+      </p:cxnSp>
+      <p:sp>
+        <p:nvSpPr>
+          <p:cNvPr id="49" name="Rectangle 48">
+            <a:extLst>
+              <a:ext uri="{FF2B5EF4-FFF2-40B4-BE49-F238E27FC236}">
+                <a16:creationId xmlns:a16="http://schemas.microsoft.com/office/drawing/2014/main" id="{C046ADCC-D389-4D85-A574-63E73F46EFF6}"/>
+              </a:ext>
+            </a:extLst>
+          </p:cNvPr>
+          <p:cNvSpPr/>
+          <p:nvPr/>
+        </p:nvSpPr>
+        <p:spPr>
+          <a:xfrm>
+            <a:off x="3683936" y="4063553"/>
+            <a:ext cx="428628" cy="571504"/>
+          </a:xfrm>
+          <a:prstGeom prst="rect">
+            <a:avLst/>
+          </a:prstGeom>
+          <a:noFill/>
+          <a:ln w="19050">
+            <a:solidFill>
+              <a:srgbClr val="FF0000"/>
+            </a:solidFill>
+          </a:ln>
+        </p:spPr>
+        <p:style>
+          <a:lnRef idx="2">
+            <a:schemeClr val="accent1">
+              <a:shade val="50000"/>
+            </a:schemeClr>
+          </a:lnRef>
+          <a:fillRef idx="1">
+            <a:schemeClr val="accent1"/>
+          </a:fillRef>
+          <a:effectRef idx="0">
+            <a:schemeClr val="accent1"/>
+          </a:effectRef>
+          <a:fontRef idx="minor">
+            <a:schemeClr val="lt1"/>
+          </a:fontRef>
+        </p:style>
+        <p:txBody>
+          <a:bodyPr rtlCol="0" anchor="ctr"/>
+          <a:lstStyle/>
+          <a:p>
+            <a:pPr algn="ctr"/>
+            <a:endParaRPr lang="fr-FR"/>
+          </a:p>
+        </p:txBody>
+      </p:sp>
+      <p:sp>
+        <p:nvSpPr>
+          <p:cNvPr id="50" name="Rectangle 49">
+            <a:extLst>
+              <a:ext uri="{FF2B5EF4-FFF2-40B4-BE49-F238E27FC236}">
+                <a16:creationId xmlns:a16="http://schemas.microsoft.com/office/drawing/2014/main" id="{EABB9646-C6ED-4972-BB54-D5B4A3BBB419}"/>
+              </a:ext>
+            </a:extLst>
+          </p:cNvPr>
+          <p:cNvSpPr/>
+          <p:nvPr/>
+        </p:nvSpPr>
+        <p:spPr>
+          <a:xfrm>
+            <a:off x="4326878" y="3063421"/>
+            <a:ext cx="428628" cy="428628"/>
+          </a:xfrm>
+          <a:prstGeom prst="rect">
+            <a:avLst/>
+          </a:prstGeom>
+          <a:noFill/>
+          <a:ln w="19050">
+            <a:solidFill>
+              <a:srgbClr val="FF0000"/>
+            </a:solidFill>
+          </a:ln>
+        </p:spPr>
+        <p:style>
+          <a:lnRef idx="2">
+            <a:schemeClr val="accent1">
+              <a:shade val="50000"/>
+            </a:schemeClr>
+          </a:lnRef>
+          <a:fillRef idx="1">
+            <a:schemeClr val="accent1"/>
+          </a:fillRef>
+          <a:effectRef idx="0">
+            <a:schemeClr val="accent1"/>
+          </a:effectRef>
+          <a:fontRef idx="minor">
+            <a:schemeClr val="lt1"/>
+          </a:fontRef>
+        </p:style>
+        <p:txBody>
+          <a:bodyPr rtlCol="0" anchor="ctr"/>
+          <a:lstStyle/>
+          <a:p>
+            <a:pPr algn="ctr"/>
+            <a:endParaRPr lang="fr-FR"/>
+          </a:p>
+        </p:txBody>
+      </p:sp>
+      <p:cxnSp>
+        <p:nvCxnSpPr>
+          <p:cNvPr id="51" name="Connecteur droit 50">
+            <a:extLst>
+              <a:ext uri="{FF2B5EF4-FFF2-40B4-BE49-F238E27FC236}">
+                <a16:creationId xmlns:a16="http://schemas.microsoft.com/office/drawing/2014/main" id="{8CA0F87D-B98C-43F0-838C-618704340CFF}"/>
+              </a:ext>
+            </a:extLst>
+          </p:cNvPr>
+          <p:cNvCxnSpPr/>
+          <p:nvPr/>
+        </p:nvCxnSpPr>
+        <p:spPr>
+          <a:xfrm>
+            <a:off x="3755374" y="4134991"/>
+            <a:ext cx="285752" cy="1588"/>
+          </a:xfrm>
+          <a:prstGeom prst="line">
+            <a:avLst/>
+          </a:prstGeom>
+          <a:ln>
+            <a:solidFill>
+              <a:schemeClr val="tx1"/>
+            </a:solidFill>
+          </a:ln>
+        </p:spPr>
+        <p:style>
+          <a:lnRef idx="1">
+            <a:schemeClr val="accent1"/>
+          </a:lnRef>
+          <a:fillRef idx="0">
+            <a:schemeClr val="accent1"/>
+          </a:fillRef>
+          <a:effectRef idx="0">
+            <a:schemeClr val="accent1"/>
+          </a:effectRef>
+          <a:fontRef idx="minor">
+            <a:schemeClr val="tx1"/>
+          </a:fontRef>
+        </p:style>
+      </p:cxnSp>
+      <p:cxnSp>
+        <p:nvCxnSpPr>
+          <p:cNvPr id="52" name="Connecteur droit avec flèche 51">
+            <a:extLst>
+              <a:ext uri="{FF2B5EF4-FFF2-40B4-BE49-F238E27FC236}">
+                <a16:creationId xmlns:a16="http://schemas.microsoft.com/office/drawing/2014/main" id="{1FA82A28-32EB-4B15-8038-26AC6BF7FB4C}"/>
+              </a:ext>
+            </a:extLst>
+          </p:cNvPr>
+          <p:cNvCxnSpPr/>
+          <p:nvPr/>
+        </p:nvCxnSpPr>
+        <p:spPr>
+          <a:xfrm>
+            <a:off x="4041126" y="3563487"/>
+            <a:ext cx="357190" cy="1588"/>
+          </a:xfrm>
+          <a:prstGeom prst="straightConnector1">
+            <a:avLst/>
+          </a:prstGeom>
+          <a:ln>
+            <a:solidFill>
+              <a:schemeClr val="tx1"/>
+            </a:solidFill>
+            <a:tailEnd type="arrow"/>
+          </a:ln>
+        </p:spPr>
+        <p:style>
+          <a:lnRef idx="1">
+            <a:schemeClr val="accent1"/>
+          </a:lnRef>
+          <a:fillRef idx="0">
+            <a:schemeClr val="accent1"/>
+          </a:fillRef>
+          <a:effectRef idx="0">
+            <a:schemeClr val="accent1"/>
+          </a:effectRef>
+          <a:fontRef idx="minor">
+            <a:schemeClr val="tx1"/>
+          </a:fontRef>
+        </p:style>
+      </p:cxnSp>
+    </p:spTree>
+    <p:extLst>
+      <p:ext uri="{BB962C8B-B14F-4D97-AF65-F5344CB8AC3E}">
+        <p14:creationId xmlns:p14="http://schemas.microsoft.com/office/powerpoint/2010/main" val="2039768012"/>
+      </p:ext>
+    </p:extLst>
+  </p:cSld>
+  <p:clrMapOvr>
+    <a:masterClrMapping/>
+  </p:clrMapOvr>
+</p:sld>
+</file>
+
+<file path=ppt/slides/slide9.xml><?xml version="1.0" encoding="utf-8"?>
+<p:sld xmlns:a="http://schemas.openxmlformats.org/drawingml/2006/main" xmlns:r="http://schemas.openxmlformats.org/officeDocument/2006/relationships" xmlns:p="http://schemas.openxmlformats.org/presentationml/2006/main">
+  <p:cSld>
+    <p:spTree>
+      <p:nvGrpSpPr>
+        <p:cNvPr id="1" name=""/>
+        <p:cNvGrpSpPr/>
+        <p:nvPr/>
+      </p:nvGrpSpPr>
+      <p:grpSpPr>
+        <a:xfrm>
+          <a:off x="0" y="0"/>
+          <a:ext cx="0" cy="0"/>
+          <a:chOff x="0" y="0"/>
+          <a:chExt cx="0" cy="0"/>
+        </a:xfrm>
+      </p:grpSpPr>
+      <p:sp>
+        <p:nvSpPr>
+          <p:cNvPr id="2" name="Titre 1">
+            <a:extLst>
+              <a:ext uri="{FF2B5EF4-FFF2-40B4-BE49-F238E27FC236}">
+                <a16:creationId xmlns:a16="http://schemas.microsoft.com/office/drawing/2014/main" id="{DBFDDC75-94A8-4E23-99C2-321301C6E30B}"/>
+              </a:ext>
+            </a:extLst>
+          </p:cNvPr>
+          <p:cNvSpPr>
+            <a:spLocks noGrp="1"/>
+          </p:cNvSpPr>
+          <p:nvPr>
+            <p:ph type="title"/>
+          </p:nvPr>
+        </p:nvSpPr>
+        <p:spPr/>
+        <p:txBody>
+          <a:bodyPr/>
+          <a:lstStyle/>
+          <a:p>
+            <a:r>
+              <a:rPr lang="fr-FR" dirty="0"/>
+              <a:t>Association bits/symboles</a:t>
+            </a:r>
+          </a:p>
+        </p:txBody>
+      </p:sp>
+      <p:sp>
+        <p:nvSpPr>
+          <p:cNvPr id="3" name="Espace réservé du contenu 2">
+            <a:extLst>
+              <a:ext uri="{FF2B5EF4-FFF2-40B4-BE49-F238E27FC236}">
+                <a16:creationId xmlns:a16="http://schemas.microsoft.com/office/drawing/2014/main" id="{2781A753-5584-4565-80DE-487B0764EDC9}"/>
+              </a:ext>
+            </a:extLst>
+          </p:cNvPr>
+          <p:cNvSpPr>
+            <a:spLocks noGrp="1"/>
+          </p:cNvSpPr>
+          <p:nvPr>
+            <p:ph idx="1"/>
+          </p:nvPr>
+        </p:nvSpPr>
+        <p:spPr/>
+        <p:txBody>
+          <a:bodyPr/>
+          <a:lstStyle/>
+          <a:p>
+            <a:r>
+              <a:rPr lang="fr-FR" dirty="0"/>
+              <a:t>Modèle choisi : BPSK</a:t>
+            </a:r>
+          </a:p>
+        </p:txBody>
+      </p:sp>
+      <p:grpSp>
+        <p:nvGrpSpPr>
+          <p:cNvPr id="14" name="Groupe 13">
+            <a:extLst>
+              <a:ext uri="{FF2B5EF4-FFF2-40B4-BE49-F238E27FC236}">
+                <a16:creationId xmlns:a16="http://schemas.microsoft.com/office/drawing/2014/main" id="{E42ACD27-9C2B-4716-ABD6-06410D787499}"/>
+              </a:ext>
+            </a:extLst>
+          </p:cNvPr>
+          <p:cNvGrpSpPr/>
+          <p:nvPr/>
+        </p:nvGrpSpPr>
+        <p:grpSpPr>
+          <a:xfrm>
+            <a:off x="4905828" y="2027447"/>
+            <a:ext cx="4455886" cy="4076521"/>
+            <a:chOff x="3918857" y="3077029"/>
+            <a:chExt cx="3323772" cy="3052410"/>
+          </a:xfrm>
+        </p:grpSpPr>
+        <p:cxnSp>
+          <p:nvCxnSpPr>
+            <p:cNvPr id="5" name="Connecteur droit 4">
+              <a:extLst>
+                <a:ext uri="{FF2B5EF4-FFF2-40B4-BE49-F238E27FC236}">
+                  <a16:creationId xmlns:a16="http://schemas.microsoft.com/office/drawing/2014/main" id="{936E162E-09BE-4D9C-9257-1A396BE99EC3}"/>
+                </a:ext>
+              </a:extLst>
+            </p:cNvPr>
+            <p:cNvCxnSpPr/>
+            <p:nvPr/>
+          </p:nvCxnSpPr>
+          <p:spPr>
+            <a:xfrm>
+              <a:off x="5588000" y="3077029"/>
+              <a:ext cx="0" cy="2409371"/>
+            </a:xfrm>
+            <a:prstGeom prst="line">
+              <a:avLst/>
+            </a:prstGeom>
+          </p:spPr>
+          <p:style>
+            <a:lnRef idx="1">
+              <a:schemeClr val="dk1"/>
+            </a:lnRef>
+            <a:fillRef idx="0">
+              <a:schemeClr val="dk1"/>
+            </a:fillRef>
+            <a:effectRef idx="0">
+              <a:schemeClr val="dk1"/>
+            </a:effectRef>
+            <a:fontRef idx="minor">
+              <a:schemeClr val="tx1"/>
+            </a:fontRef>
+          </p:style>
+        </p:cxnSp>
+        <p:cxnSp>
+          <p:nvCxnSpPr>
+            <p:cNvPr id="7" name="Connecteur droit 6">
+              <a:extLst>
+                <a:ext uri="{FF2B5EF4-FFF2-40B4-BE49-F238E27FC236}">
+                  <a16:creationId xmlns:a16="http://schemas.microsoft.com/office/drawing/2014/main" id="{82F9073D-2008-4E2D-AD73-A377F67E5EAA}"/>
+                </a:ext>
+              </a:extLst>
+            </p:cNvPr>
+            <p:cNvCxnSpPr/>
+            <p:nvPr/>
+          </p:nvCxnSpPr>
+          <p:spPr>
+            <a:xfrm>
+              <a:off x="3918857" y="4180114"/>
+              <a:ext cx="3323772" cy="0"/>
+            </a:xfrm>
+            <a:prstGeom prst="line">
+              <a:avLst/>
+            </a:prstGeom>
+          </p:spPr>
+          <p:style>
+            <a:lnRef idx="1">
+              <a:schemeClr val="dk1"/>
+            </a:lnRef>
+            <a:fillRef idx="0">
+              <a:schemeClr val="dk1"/>
+            </a:fillRef>
+            <a:effectRef idx="0">
+              <a:schemeClr val="dk1"/>
+            </a:effectRef>
+            <a:fontRef idx="minor">
+              <a:schemeClr val="tx1"/>
+            </a:fontRef>
+          </p:style>
+        </p:cxnSp>
+        <p:sp>
+          <p:nvSpPr>
+            <p:cNvPr id="9" name="Organigramme : Connecteur 8">
+              <a:extLst>
+                <a:ext uri="{FF2B5EF4-FFF2-40B4-BE49-F238E27FC236}">
+                  <a16:creationId xmlns:a16="http://schemas.microsoft.com/office/drawing/2014/main" id="{8146FF3D-0B57-4B0F-BBAD-25CCB7331FCF}"/>
+                </a:ext>
+              </a:extLst>
+            </p:cNvPr>
+            <p:cNvSpPr/>
+            <p:nvPr/>
+          </p:nvSpPr>
+          <p:spPr>
+            <a:xfrm>
+              <a:off x="4528457" y="4093032"/>
+              <a:ext cx="188670" cy="159652"/>
+            </a:xfrm>
+            <a:prstGeom prst="flowChartConnector">
+              <a:avLst/>
+            </a:prstGeom>
+          </p:spPr>
+          <p:style>
+            <a:lnRef idx="2">
+              <a:schemeClr val="accent1">
+                <a:shade val="50000"/>
+              </a:schemeClr>
+            </a:lnRef>
+            <a:fillRef idx="1">
+              <a:schemeClr val="accent1"/>
+            </a:fillRef>
+            <a:effectRef idx="0">
+              <a:schemeClr val="accent1"/>
+            </a:effectRef>
+            <a:fontRef idx="minor">
+              <a:schemeClr val="lt1"/>
+            </a:fontRef>
+          </p:style>
+          <p:txBody>
+            <a:bodyPr rtlCol="0" anchor="ctr"/>
+            <a:lstStyle/>
+            <a:p>
+              <a:pPr algn="ctr"/>
+              <a:endParaRPr lang="fr-FR"/>
+            </a:p>
+          </p:txBody>
+        </p:sp>
+        <p:sp>
+          <p:nvSpPr>
+            <p:cNvPr id="10" name="Organigramme : Connecteur 9">
+              <a:extLst>
+                <a:ext uri="{FF2B5EF4-FFF2-40B4-BE49-F238E27FC236}">
+                  <a16:creationId xmlns:a16="http://schemas.microsoft.com/office/drawing/2014/main" id="{82AAA6B1-0344-4514-B16E-9C997B2ED692}"/>
+                </a:ext>
+              </a:extLst>
+            </p:cNvPr>
+            <p:cNvSpPr/>
+            <p:nvPr/>
+          </p:nvSpPr>
+          <p:spPr>
+            <a:xfrm>
+              <a:off x="6415331" y="4093032"/>
+              <a:ext cx="188670" cy="159652"/>
+            </a:xfrm>
+            <a:prstGeom prst="flowChartConnector">
+              <a:avLst/>
+            </a:prstGeom>
+          </p:spPr>
+          <p:style>
+            <a:lnRef idx="2">
+              <a:schemeClr val="accent1">
+                <a:shade val="50000"/>
+              </a:schemeClr>
+            </a:lnRef>
+            <a:fillRef idx="1">
+              <a:schemeClr val="accent1"/>
+            </a:fillRef>
+            <a:effectRef idx="0">
+              <a:schemeClr val="accent1"/>
+            </a:effectRef>
+            <a:fontRef idx="minor">
+              <a:schemeClr val="lt1"/>
+            </a:fontRef>
+          </p:style>
+          <p:txBody>
+            <a:bodyPr rtlCol="0" anchor="ctr"/>
+            <a:lstStyle/>
+            <a:p>
+              <a:pPr algn="ctr"/>
+              <a:endParaRPr lang="fr-FR"/>
+            </a:p>
+          </p:txBody>
+        </p:sp>
+        <p:sp>
+          <p:nvSpPr>
+            <p:cNvPr id="11" name="ZoneTexte 10">
+              <a:extLst>
+                <a:ext uri="{FF2B5EF4-FFF2-40B4-BE49-F238E27FC236}">
+                  <a16:creationId xmlns:a16="http://schemas.microsoft.com/office/drawing/2014/main" id="{31B5CFBE-9F34-4A00-826C-74BDF615433D}"/>
+                </a:ext>
+              </a:extLst>
+            </p:cNvPr>
+            <p:cNvSpPr txBox="1"/>
+            <p:nvPr/>
+          </p:nvSpPr>
+          <p:spPr>
+            <a:xfrm>
+              <a:off x="4347013" y="3802743"/>
+              <a:ext cx="827314" cy="923330"/>
+            </a:xfrm>
+            <a:prstGeom prst="rect">
+              <a:avLst/>
+            </a:prstGeom>
+            <a:noFill/>
+          </p:spPr>
+          <p:txBody>
+            <a:bodyPr wrap="square" rtlCol="0">
+              <a:spAutoFit/>
+            </a:bodyPr>
+            <a:lstStyle/>
+            <a:p>
+              <a:r>
+                <a:rPr lang="fr-FR" dirty="0"/>
+                <a:t>b=0</a:t>
+              </a:r>
+            </a:p>
+            <a:p>
+              <a:endParaRPr lang="fr-FR" dirty="0"/>
+            </a:p>
+            <a:p>
+              <a:r>
+                <a:rPr lang="fr-FR" dirty="0"/>
+                <a:t> -1</a:t>
+              </a:r>
+            </a:p>
+          </p:txBody>
+        </p:sp>
+        <p:sp>
+          <p:nvSpPr>
+            <p:cNvPr id="12" name="ZoneTexte 11">
+              <a:extLst>
+                <a:ext uri="{FF2B5EF4-FFF2-40B4-BE49-F238E27FC236}">
+                  <a16:creationId xmlns:a16="http://schemas.microsoft.com/office/drawing/2014/main" id="{07C2BC8C-2AD9-4811-92F7-FCC804CEC95C}"/>
+                </a:ext>
+              </a:extLst>
+            </p:cNvPr>
+            <p:cNvSpPr txBox="1"/>
+            <p:nvPr/>
+          </p:nvSpPr>
+          <p:spPr>
+            <a:xfrm>
+              <a:off x="6208495" y="3802743"/>
+              <a:ext cx="827314" cy="923330"/>
+            </a:xfrm>
+            <a:prstGeom prst="rect">
+              <a:avLst/>
+            </a:prstGeom>
+            <a:noFill/>
+          </p:spPr>
+          <p:txBody>
+            <a:bodyPr wrap="square" rtlCol="0">
+              <a:spAutoFit/>
+            </a:bodyPr>
+            <a:lstStyle/>
+            <a:p>
+              <a:r>
+                <a:rPr lang="fr-FR" dirty="0"/>
+                <a:t>b=1</a:t>
+              </a:r>
+            </a:p>
+            <a:p>
+              <a:endParaRPr lang="fr-FR" dirty="0"/>
+            </a:p>
+            <a:p>
+              <a:r>
+                <a:rPr lang="fr-FR" dirty="0"/>
+                <a:t>   1</a:t>
+              </a:r>
+            </a:p>
+          </p:txBody>
+        </p:sp>
+        <p:sp>
+          <p:nvSpPr>
+            <p:cNvPr id="13" name="ZoneTexte 12">
+              <a:extLst>
+                <a:ext uri="{FF2B5EF4-FFF2-40B4-BE49-F238E27FC236}">
+                  <a16:creationId xmlns:a16="http://schemas.microsoft.com/office/drawing/2014/main" id="{CAD45C3C-466E-41B3-A1EF-D9761264A0CF}"/>
+                </a:ext>
+              </a:extLst>
+            </p:cNvPr>
+            <p:cNvSpPr txBox="1"/>
+            <p:nvPr/>
+          </p:nvSpPr>
+          <p:spPr>
+            <a:xfrm>
+              <a:off x="5250535" y="5760107"/>
+              <a:ext cx="1843331" cy="369332"/>
+            </a:xfrm>
+            <a:prstGeom prst="rect">
+              <a:avLst/>
+            </a:prstGeom>
+            <a:noFill/>
+          </p:spPr>
+          <p:txBody>
+            <a:bodyPr wrap="square" rtlCol="0">
+              <a:spAutoFit/>
+            </a:bodyPr>
+            <a:lstStyle/>
+            <a:p>
+              <a:r>
+                <a:rPr lang="fr-FR" dirty="0"/>
+                <a:t>BPSK</a:t>
+              </a:r>
+            </a:p>
+          </p:txBody>
+        </p:sp>
+      </p:grpSp>
+    </p:spTree>
+    <p:extLst>
+      <p:ext uri="{BB962C8B-B14F-4D97-AF65-F5344CB8AC3E}">
+        <p14:creationId xmlns:p14="http://schemas.microsoft.com/office/powerpoint/2010/main" val="1926623056"/>
       </p:ext>
     </p:extLst>
   </p:cSld>
